--- a/React component lifecycle.pptx
+++ b/React component lifecycle.pptx
@@ -5,8 +5,7 @@
     <p:sldMasterId id="2147483648" r:id="rId1"/>
   </p:sldMasterIdLst>
   <p:sldIdLst>
-    <p:sldId id="256" r:id="rId2"/>
-    <p:sldId id="257" r:id="rId3"/>
+    <p:sldId id="257" r:id="rId2"/>
   </p:sldIdLst>
   <p:sldSz cx="12192000" cy="6858000"/>
   <p:notesSz cx="6858000" cy="9144000"/>
@@ -244,7 +243,7 @@
           <a:p>
             <a:fld id="{EE844072-81E0-44CE-8CF3-79AEA47A879C}" type="datetimeFigureOut">
               <a:rPr lang="en-US" smtClean="0"/>
-              <a:t>19-Nov-20</a:t>
+              <a:t>11/20/2020</a:t>
             </a:fld>
             <a:endParaRPr lang="en-US"/>
           </a:p>
@@ -414,7 +413,7 @@
           <a:p>
             <a:fld id="{EE844072-81E0-44CE-8CF3-79AEA47A879C}" type="datetimeFigureOut">
               <a:rPr lang="en-US" smtClean="0"/>
-              <a:t>19-Nov-20</a:t>
+              <a:t>11/20/2020</a:t>
             </a:fld>
             <a:endParaRPr lang="en-US"/>
           </a:p>
@@ -594,7 +593,7 @@
           <a:p>
             <a:fld id="{EE844072-81E0-44CE-8CF3-79AEA47A879C}" type="datetimeFigureOut">
               <a:rPr lang="en-US" smtClean="0"/>
-              <a:t>19-Nov-20</a:t>
+              <a:t>11/20/2020</a:t>
             </a:fld>
             <a:endParaRPr lang="en-US"/>
           </a:p>
@@ -764,7 +763,7 @@
           <a:p>
             <a:fld id="{EE844072-81E0-44CE-8CF3-79AEA47A879C}" type="datetimeFigureOut">
               <a:rPr lang="en-US" smtClean="0"/>
-              <a:t>19-Nov-20</a:t>
+              <a:t>11/20/2020</a:t>
             </a:fld>
             <a:endParaRPr lang="en-US"/>
           </a:p>
@@ -1010,7 +1009,7 @@
           <a:p>
             <a:fld id="{EE844072-81E0-44CE-8CF3-79AEA47A879C}" type="datetimeFigureOut">
               <a:rPr lang="en-US" smtClean="0"/>
-              <a:t>19-Nov-20</a:t>
+              <a:t>11/20/2020</a:t>
             </a:fld>
             <a:endParaRPr lang="en-US"/>
           </a:p>
@@ -1242,7 +1241,7 @@
           <a:p>
             <a:fld id="{EE844072-81E0-44CE-8CF3-79AEA47A879C}" type="datetimeFigureOut">
               <a:rPr lang="en-US" smtClean="0"/>
-              <a:t>19-Nov-20</a:t>
+              <a:t>11/20/2020</a:t>
             </a:fld>
             <a:endParaRPr lang="en-US"/>
           </a:p>
@@ -1609,7 +1608,7 @@
           <a:p>
             <a:fld id="{EE844072-81E0-44CE-8CF3-79AEA47A879C}" type="datetimeFigureOut">
               <a:rPr lang="en-US" smtClean="0"/>
-              <a:t>19-Nov-20</a:t>
+              <a:t>11/20/2020</a:t>
             </a:fld>
             <a:endParaRPr lang="en-US"/>
           </a:p>
@@ -1727,7 +1726,7 @@
           <a:p>
             <a:fld id="{EE844072-81E0-44CE-8CF3-79AEA47A879C}" type="datetimeFigureOut">
               <a:rPr lang="en-US" smtClean="0"/>
-              <a:t>19-Nov-20</a:t>
+              <a:t>11/20/2020</a:t>
             </a:fld>
             <a:endParaRPr lang="en-US"/>
           </a:p>
@@ -1822,7 +1821,7 @@
           <a:p>
             <a:fld id="{EE844072-81E0-44CE-8CF3-79AEA47A879C}" type="datetimeFigureOut">
               <a:rPr lang="en-US" smtClean="0"/>
-              <a:t>19-Nov-20</a:t>
+              <a:t>11/20/2020</a:t>
             </a:fld>
             <a:endParaRPr lang="en-US"/>
           </a:p>
@@ -2099,7 +2098,7 @@
           <a:p>
             <a:fld id="{EE844072-81E0-44CE-8CF3-79AEA47A879C}" type="datetimeFigureOut">
               <a:rPr lang="en-US" smtClean="0"/>
-              <a:t>19-Nov-20</a:t>
+              <a:t>11/20/2020</a:t>
             </a:fld>
             <a:endParaRPr lang="en-US"/>
           </a:p>
@@ -2352,7 +2351,7 @@
           <a:p>
             <a:fld id="{EE844072-81E0-44CE-8CF3-79AEA47A879C}" type="datetimeFigureOut">
               <a:rPr lang="en-US" smtClean="0"/>
-              <a:t>19-Nov-20</a:t>
+              <a:t>11/20/2020</a:t>
             </a:fld>
             <a:endParaRPr lang="en-US"/>
           </a:p>
@@ -2565,7 +2564,7 @@
           <a:p>
             <a:fld id="{EE844072-81E0-44CE-8CF3-79AEA47A879C}" type="datetimeFigureOut">
               <a:rPr lang="en-US" smtClean="0"/>
-              <a:t>19-Nov-20</a:t>
+              <a:t>11/20/2020</a:t>
             </a:fld>
             <a:endParaRPr lang="en-US"/>
           </a:p>
@@ -3014,41 +3013,6 @@
           </a:p>
         </p:txBody>
       </p:sp>
-      <p:cxnSp>
-        <p:nvCxnSpPr>
-          <p:cNvPr id="14" name="Straight Arrow Connector 13"/>
-          <p:cNvCxnSpPr>
-            <a:stCxn id="12" idx="2"/>
-          </p:cNvCxnSpPr>
-          <p:nvPr/>
-        </p:nvCxnSpPr>
-        <p:spPr>
-          <a:xfrm>
-            <a:off x="1367481" y="873211"/>
-            <a:ext cx="0" cy="502508"/>
-          </a:xfrm>
-          <a:prstGeom prst="straightConnector1">
-            <a:avLst/>
-          </a:prstGeom>
-          <a:ln>
-            <a:tailEnd type="triangle"/>
-          </a:ln>
-        </p:spPr>
-        <p:style>
-          <a:lnRef idx="1">
-            <a:schemeClr val="accent1"/>
-          </a:lnRef>
-          <a:fillRef idx="0">
-            <a:schemeClr val="accent1"/>
-          </a:fillRef>
-          <a:effectRef idx="0">
-            <a:schemeClr val="accent1"/>
-          </a:effectRef>
-          <a:fontRef idx="minor">
-            <a:schemeClr val="tx1"/>
-          </a:fontRef>
-        </p:style>
-      </p:cxnSp>
       <p:sp>
         <p:nvSpPr>
           <p:cNvPr id="15" name="Rectangle 14"/>
@@ -3057,7 +3021,7 @@
         </p:nvSpPr>
         <p:spPr>
           <a:xfrm>
-            <a:off x="510746" y="1375719"/>
+            <a:off x="510746" y="1095632"/>
             <a:ext cx="1713470" cy="626076"/>
           </a:xfrm>
           <a:prstGeom prst="rect">
@@ -3086,12 +3050,8 @@
           <a:p>
             <a:pPr algn="ctr"/>
             <a:r>
-              <a:rPr lang="en-US" sz="1200" dirty="0" err="1" smtClean="0"/>
-              <a:t>getDefaultProps</a:t>
-            </a:r>
-            <a:r>
               <a:rPr lang="en-US" sz="1200" dirty="0" smtClean="0"/>
-              <a:t>()</a:t>
+              <a:t>constructor()</a:t>
             </a:r>
             <a:endParaRPr lang="en-US" sz="1200" dirty="0"/>
           </a:p>
@@ -3105,8 +3065,8 @@
         </p:nvSpPr>
         <p:spPr>
           <a:xfrm>
-            <a:off x="510746" y="2504303"/>
-            <a:ext cx="1713470" cy="626076"/>
+            <a:off x="131808" y="1942262"/>
+            <a:ext cx="2471351" cy="1040668"/>
           </a:xfrm>
           <a:prstGeom prst="rect">
             <a:avLst/>
@@ -3134,98 +3094,43 @@
           <a:p>
             <a:pPr algn="ctr"/>
             <a:r>
-              <a:rPr lang="en-US" sz="1200" dirty="0" err="1" smtClean="0"/>
-              <a:t>getInitialState</a:t>
-            </a:r>
-            <a:r>
               <a:rPr lang="en-US" sz="1200" dirty="0" smtClean="0"/>
-              <a:t>()</a:t>
+              <a:t>static getDerivedStateFromProps()</a:t>
+            </a:r>
+          </a:p>
+          <a:p>
+            <a:pPr algn="ctr"/>
+            <a:r>
+              <a:rPr lang="en-US" sz="1200" dirty="0" smtClean="0"/>
+              <a:t>For write something from props to state</a:t>
+            </a:r>
+          </a:p>
+          <a:p>
+            <a:pPr algn="ctr"/>
+            <a:r>
+              <a:rPr lang="en-US" sz="1200" dirty="0" smtClean="0"/>
+              <a:t>Get props</a:t>
+            </a:r>
+          </a:p>
+          <a:p>
+            <a:pPr algn="ctr"/>
+            <a:r>
+              <a:rPr lang="en-US" sz="1200" dirty="0" smtClean="0"/>
+              <a:t>Return object</a:t>
             </a:r>
             <a:endParaRPr lang="en-US" sz="1200" dirty="0"/>
           </a:p>
         </p:txBody>
       </p:sp>
-      <p:cxnSp>
-        <p:nvCxnSpPr>
-          <p:cNvPr id="18" name="Straight Arrow Connector 17"/>
-          <p:cNvCxnSpPr>
-            <a:stCxn id="15" idx="2"/>
-            <a:endCxn id="16" idx="0"/>
-          </p:cNvCxnSpPr>
-          <p:nvPr/>
-        </p:nvCxnSpPr>
-        <p:spPr>
-          <a:xfrm>
-            <a:off x="1367481" y="2001795"/>
-            <a:ext cx="0" cy="502508"/>
-          </a:xfrm>
-          <a:prstGeom prst="straightConnector1">
-            <a:avLst/>
-          </a:prstGeom>
-          <a:ln>
-            <a:tailEnd type="triangle"/>
-          </a:ln>
-        </p:spPr>
-        <p:style>
-          <a:lnRef idx="1">
-            <a:schemeClr val="accent1"/>
-          </a:lnRef>
-          <a:fillRef idx="0">
-            <a:schemeClr val="accent1"/>
-          </a:fillRef>
-          <a:effectRef idx="0">
-            <a:schemeClr val="accent1"/>
-          </a:effectRef>
-          <a:fontRef idx="minor">
-            <a:schemeClr val="tx1"/>
-          </a:fontRef>
-        </p:style>
-      </p:cxnSp>
-      <p:cxnSp>
-        <p:nvCxnSpPr>
-          <p:cNvPr id="20" name="Straight Arrow Connector 19"/>
-          <p:cNvCxnSpPr>
-            <a:stCxn id="16" idx="2"/>
-            <a:endCxn id="21" idx="0"/>
-          </p:cNvCxnSpPr>
-          <p:nvPr/>
-        </p:nvCxnSpPr>
-        <p:spPr>
-          <a:xfrm>
-            <a:off x="1367481" y="3130379"/>
-            <a:ext cx="0" cy="502508"/>
-          </a:xfrm>
-          <a:prstGeom prst="straightConnector1">
-            <a:avLst/>
-          </a:prstGeom>
-          <a:ln>
-            <a:tailEnd type="triangle"/>
-          </a:ln>
-        </p:spPr>
-        <p:style>
-          <a:lnRef idx="1">
-            <a:schemeClr val="accent1"/>
-          </a:lnRef>
-          <a:fillRef idx="0">
-            <a:schemeClr val="accent1"/>
-          </a:fillRef>
-          <a:effectRef idx="0">
-            <a:schemeClr val="accent1"/>
-          </a:effectRef>
-          <a:fontRef idx="minor">
-            <a:schemeClr val="tx1"/>
-          </a:fontRef>
-        </p:style>
-      </p:cxnSp>
-      <p:sp>
-        <p:nvSpPr>
-          <p:cNvPr id="21" name="Rectangle 20"/>
+      <p:sp>
+        <p:nvSpPr>
+          <p:cNvPr id="25" name="Rectangle 24"/>
           <p:cNvSpPr/>
           <p:nvPr/>
         </p:nvSpPr>
         <p:spPr>
           <a:xfrm>
-            <a:off x="510746" y="3632887"/>
+            <a:off x="503539" y="3782202"/>
             <a:ext cx="1713470" cy="626076"/>
           </a:xfrm>
           <a:prstGeom prst="rect">
@@ -3254,12 +3159,12 @@
           <a:p>
             <a:pPr algn="ctr"/>
             <a:r>
-              <a:rPr lang="en-US" sz="1200" dirty="0" err="1" smtClean="0"/>
-              <a:t>componentWillMount</a:t>
+              <a:rPr lang="en-US" sz="1200" dirty="0"/>
+              <a:t>r</a:t>
             </a:r>
             <a:r>
               <a:rPr lang="en-US" sz="1200" dirty="0" smtClean="0"/>
-              <a:t>()</a:t>
+              <a:t>ender()</a:t>
             </a:r>
             <a:endParaRPr lang="en-US" sz="1200" dirty="0"/>
           </a:p>
@@ -3267,13 +3172,13 @@
       </p:sp>
       <p:sp>
         <p:nvSpPr>
-          <p:cNvPr id="25" name="Rectangle 24"/>
+          <p:cNvPr id="26" name="Rectangle 25"/>
           <p:cNvSpPr/>
           <p:nvPr/>
         </p:nvSpPr>
         <p:spPr>
           <a:xfrm>
-            <a:off x="510746" y="4761471"/>
+            <a:off x="503539" y="5064381"/>
             <a:ext cx="1713470" cy="626076"/>
           </a:xfrm>
           <a:prstGeom prst="rect">
@@ -3302,54 +3207,6 @@
           <a:p>
             <a:pPr algn="ctr"/>
             <a:r>
-              <a:rPr lang="en-US" sz="1200" dirty="0"/>
-              <a:t>r</a:t>
-            </a:r>
-            <a:r>
-              <a:rPr lang="en-US" sz="1200" dirty="0" smtClean="0"/>
-              <a:t>ender()</a:t>
-            </a:r>
-            <a:endParaRPr lang="en-US" sz="1200" dirty="0"/>
-          </a:p>
-        </p:txBody>
-      </p:sp>
-      <p:sp>
-        <p:nvSpPr>
-          <p:cNvPr id="26" name="Rectangle 25"/>
-          <p:cNvSpPr/>
-          <p:nvPr/>
-        </p:nvSpPr>
-        <p:spPr>
-          <a:xfrm>
-            <a:off x="510746" y="5890055"/>
-            <a:ext cx="1713470" cy="626076"/>
-          </a:xfrm>
-          <a:prstGeom prst="rect">
-            <a:avLst/>
-          </a:prstGeom>
-        </p:spPr>
-        <p:style>
-          <a:lnRef idx="2">
-            <a:schemeClr val="accent1">
-              <a:shade val="50000"/>
-            </a:schemeClr>
-          </a:lnRef>
-          <a:fillRef idx="1">
-            <a:schemeClr val="accent1"/>
-          </a:fillRef>
-          <a:effectRef idx="0">
-            <a:schemeClr val="accent1"/>
-          </a:effectRef>
-          <a:fontRef idx="minor">
-            <a:schemeClr val="lt1"/>
-          </a:fontRef>
-        </p:style>
-        <p:txBody>
-          <a:bodyPr rtlCol="0" anchor="ctr"/>
-          <a:lstStyle/>
-          <a:p>
-            <a:pPr algn="ctr"/>
-            <a:r>
               <a:rPr lang="en-US" sz="1200" dirty="0" err="1" smtClean="0"/>
               <a:t>componentDidiMount</a:t>
             </a:r>
@@ -3361,42 +3218,6 @@
           </a:p>
         </p:txBody>
       </p:sp>
-      <p:cxnSp>
-        <p:nvCxnSpPr>
-          <p:cNvPr id="28" name="Straight Arrow Connector 27"/>
-          <p:cNvCxnSpPr>
-            <a:stCxn id="21" idx="2"/>
-            <a:endCxn id="25" idx="0"/>
-          </p:cNvCxnSpPr>
-          <p:nvPr/>
-        </p:nvCxnSpPr>
-        <p:spPr>
-          <a:xfrm>
-            <a:off x="1367481" y="4258963"/>
-            <a:ext cx="0" cy="502508"/>
-          </a:xfrm>
-          <a:prstGeom prst="straightConnector1">
-            <a:avLst/>
-          </a:prstGeom>
-          <a:ln>
-            <a:tailEnd type="triangle"/>
-          </a:ln>
-        </p:spPr>
-        <p:style>
-          <a:lnRef idx="1">
-            <a:schemeClr val="accent1"/>
-          </a:lnRef>
-          <a:fillRef idx="0">
-            <a:schemeClr val="accent1"/>
-          </a:fillRef>
-          <a:effectRef idx="0">
-            <a:schemeClr val="accent1"/>
-          </a:effectRef>
-          <a:fontRef idx="minor">
-            <a:schemeClr val="tx1"/>
-          </a:fontRef>
-        </p:style>
-      </p:cxnSp>
       <p:cxnSp>
         <p:nvCxnSpPr>
           <p:cNvPr id="30" name="Straight Arrow Connector 29"/>
@@ -3408,8 +3229,8 @@
         </p:nvCxnSpPr>
         <p:spPr>
           <a:xfrm>
-            <a:off x="1367481" y="5387547"/>
-            <a:ext cx="0" cy="502508"/>
+            <a:off x="1360274" y="4408278"/>
+            <a:ext cx="0" cy="656103"/>
           </a:xfrm>
           <a:prstGeom prst="straightConnector1">
             <a:avLst/>
@@ -3441,7 +3262,7 @@
         </p:nvSpPr>
         <p:spPr>
           <a:xfrm>
-            <a:off x="3674074" y="247135"/>
+            <a:off x="3667898" y="977758"/>
             <a:ext cx="1713470" cy="626076"/>
           </a:xfrm>
           <a:prstGeom prst="rect">
@@ -3470,950 +3291,9 @@
           <a:p>
             <a:pPr algn="ctr"/>
             <a:r>
-              <a:rPr lang="en-US" sz="1200" dirty="0" smtClean="0"/>
-              <a:t>Change parameters</a:t>
-            </a:r>
-            <a:endParaRPr lang="en-US" sz="1200" dirty="0"/>
-          </a:p>
-        </p:txBody>
-      </p:sp>
-      <p:sp>
-        <p:nvSpPr>
-          <p:cNvPr id="32" name="Rectangle 31"/>
-          <p:cNvSpPr/>
-          <p:nvPr/>
-        </p:nvSpPr>
-        <p:spPr>
-          <a:xfrm>
-            <a:off x="6837402" y="247135"/>
-            <a:ext cx="1713470" cy="626076"/>
-          </a:xfrm>
-          <a:prstGeom prst="rect">
-            <a:avLst/>
-          </a:prstGeom>
-        </p:spPr>
-        <p:style>
-          <a:lnRef idx="2">
-            <a:schemeClr val="accent1">
-              <a:shade val="50000"/>
-            </a:schemeClr>
-          </a:lnRef>
-          <a:fillRef idx="1">
-            <a:schemeClr val="accent1"/>
-          </a:fillRef>
-          <a:effectRef idx="0">
-            <a:schemeClr val="accent1"/>
-          </a:effectRef>
-          <a:fontRef idx="minor">
-            <a:schemeClr val="lt1"/>
-          </a:fontRef>
-        </p:style>
-        <p:txBody>
-          <a:bodyPr rtlCol="0" anchor="ctr"/>
-          <a:lstStyle/>
-          <a:p>
-            <a:pPr algn="ctr"/>
-            <a:r>
-              <a:rPr lang="en-US" sz="1200" dirty="0" smtClean="0"/>
-              <a:t>setState()</a:t>
-            </a:r>
-            <a:endParaRPr lang="en-US" sz="1200" dirty="0"/>
-          </a:p>
-        </p:txBody>
-      </p:sp>
-      <p:sp>
-        <p:nvSpPr>
-          <p:cNvPr id="34" name="Rectangle 33"/>
-          <p:cNvSpPr/>
-          <p:nvPr/>
-        </p:nvSpPr>
-        <p:spPr>
-          <a:xfrm>
-            <a:off x="10000730" y="247135"/>
-            <a:ext cx="1713470" cy="626076"/>
-          </a:xfrm>
-          <a:prstGeom prst="rect">
-            <a:avLst/>
-          </a:prstGeom>
-        </p:spPr>
-        <p:style>
-          <a:lnRef idx="2">
-            <a:schemeClr val="accent1">
-              <a:shade val="50000"/>
-            </a:schemeClr>
-          </a:lnRef>
-          <a:fillRef idx="1">
-            <a:schemeClr val="accent1"/>
-          </a:fillRef>
-          <a:effectRef idx="0">
-            <a:schemeClr val="accent1"/>
-          </a:effectRef>
-          <a:fontRef idx="minor">
-            <a:schemeClr val="lt1"/>
-          </a:fontRef>
-        </p:style>
-        <p:txBody>
-          <a:bodyPr rtlCol="0" anchor="ctr"/>
-          <a:lstStyle/>
-          <a:p>
-            <a:pPr algn="ctr"/>
-            <a:r>
-              <a:rPr lang="en-US" sz="1200" dirty="0" smtClean="0"/>
-              <a:t>Removing a component</a:t>
-            </a:r>
-            <a:endParaRPr lang="en-US" sz="1200" dirty="0"/>
-          </a:p>
-        </p:txBody>
-      </p:sp>
-      <p:sp>
-        <p:nvSpPr>
-          <p:cNvPr id="35" name="Rectangle 34"/>
-          <p:cNvSpPr/>
-          <p:nvPr/>
-        </p:nvSpPr>
-        <p:spPr>
-          <a:xfrm>
-            <a:off x="3513435" y="1408670"/>
-            <a:ext cx="2034748" cy="626076"/>
-          </a:xfrm>
-          <a:prstGeom prst="rect">
-            <a:avLst/>
-          </a:prstGeom>
-        </p:spPr>
-        <p:style>
-          <a:lnRef idx="2">
-            <a:schemeClr val="accent1">
-              <a:shade val="50000"/>
-            </a:schemeClr>
-          </a:lnRef>
-          <a:fillRef idx="1">
-            <a:schemeClr val="accent1"/>
-          </a:fillRef>
-          <a:effectRef idx="0">
-            <a:schemeClr val="accent1"/>
-          </a:effectRef>
-          <a:fontRef idx="minor">
-            <a:schemeClr val="lt1"/>
-          </a:fontRef>
-        </p:style>
-        <p:txBody>
-          <a:bodyPr rtlCol="0" anchor="ctr"/>
-          <a:lstStyle/>
-          <a:p>
-            <a:pPr algn="ctr"/>
-            <a:r>
-              <a:rPr lang="en-US" sz="1200" dirty="0" err="1" smtClean="0"/>
-              <a:t>componentReciveProps</a:t>
-            </a:r>
-            <a:r>
-              <a:rPr lang="en-US" sz="1200" dirty="0" smtClean="0"/>
-              <a:t>()</a:t>
-            </a:r>
-            <a:endParaRPr lang="en-US" sz="1200" dirty="0"/>
-          </a:p>
-        </p:txBody>
-      </p:sp>
-      <p:sp>
-        <p:nvSpPr>
-          <p:cNvPr id="36" name="Rectangle 35"/>
-          <p:cNvSpPr/>
-          <p:nvPr/>
-        </p:nvSpPr>
-        <p:spPr>
-          <a:xfrm>
-            <a:off x="3593754" y="2504303"/>
-            <a:ext cx="1874109" cy="626076"/>
-          </a:xfrm>
-          <a:prstGeom prst="rect">
-            <a:avLst/>
-          </a:prstGeom>
-        </p:spPr>
-        <p:style>
-          <a:lnRef idx="2">
-            <a:schemeClr val="accent1">
-              <a:shade val="50000"/>
-            </a:schemeClr>
-          </a:lnRef>
-          <a:fillRef idx="1">
-            <a:schemeClr val="accent1"/>
-          </a:fillRef>
-          <a:effectRef idx="0">
-            <a:schemeClr val="accent1"/>
-          </a:effectRef>
-          <a:fontRef idx="minor">
-            <a:schemeClr val="lt1"/>
-          </a:fontRef>
-        </p:style>
-        <p:txBody>
-          <a:bodyPr rtlCol="0" anchor="ctr"/>
-          <a:lstStyle/>
-          <a:p>
-            <a:pPr algn="ctr"/>
-            <a:r>
-              <a:rPr lang="en-US" sz="1200" dirty="0" smtClean="0"/>
-              <a:t>shouldComponentUpdate()</a:t>
-            </a:r>
-            <a:endParaRPr lang="en-US" sz="1200" dirty="0"/>
-          </a:p>
-        </p:txBody>
-      </p:sp>
-      <p:sp>
-        <p:nvSpPr>
-          <p:cNvPr id="37" name="Rectangle 36"/>
-          <p:cNvSpPr/>
-          <p:nvPr/>
-        </p:nvSpPr>
-        <p:spPr>
-          <a:xfrm>
-            <a:off x="3674074" y="3632887"/>
-            <a:ext cx="1713470" cy="626076"/>
-          </a:xfrm>
-          <a:prstGeom prst="rect">
-            <a:avLst/>
-          </a:prstGeom>
-        </p:spPr>
-        <p:style>
-          <a:lnRef idx="2">
-            <a:schemeClr val="accent1">
-              <a:shade val="50000"/>
-            </a:schemeClr>
-          </a:lnRef>
-          <a:fillRef idx="1">
-            <a:schemeClr val="accent1"/>
-          </a:fillRef>
-          <a:effectRef idx="0">
-            <a:schemeClr val="accent1"/>
-          </a:effectRef>
-          <a:fontRef idx="minor">
-            <a:schemeClr val="lt1"/>
-          </a:fontRef>
-        </p:style>
-        <p:txBody>
-          <a:bodyPr rtlCol="0" anchor="ctr"/>
-          <a:lstStyle/>
-          <a:p>
-            <a:pPr algn="ctr"/>
-            <a:r>
-              <a:rPr lang="en-US" sz="1200" dirty="0" err="1" smtClean="0"/>
-              <a:t>componentWillUpdate</a:t>
-            </a:r>
-            <a:r>
-              <a:rPr lang="en-US" sz="1200" dirty="0" smtClean="0"/>
-              <a:t>()</a:t>
-            </a:r>
-            <a:endParaRPr lang="en-US" sz="1200" dirty="0"/>
-          </a:p>
-        </p:txBody>
-      </p:sp>
-      <p:sp>
-        <p:nvSpPr>
-          <p:cNvPr id="38" name="Rectangle 37"/>
-          <p:cNvSpPr/>
-          <p:nvPr/>
-        </p:nvSpPr>
-        <p:spPr>
-          <a:xfrm>
-            <a:off x="3674074" y="5890055"/>
-            <a:ext cx="1713470" cy="626076"/>
-          </a:xfrm>
-          <a:prstGeom prst="rect">
-            <a:avLst/>
-          </a:prstGeom>
-        </p:spPr>
-        <p:style>
-          <a:lnRef idx="2">
-            <a:schemeClr val="accent1">
-              <a:shade val="50000"/>
-            </a:schemeClr>
-          </a:lnRef>
-          <a:fillRef idx="1">
-            <a:schemeClr val="accent1"/>
-          </a:fillRef>
-          <a:effectRef idx="0">
-            <a:schemeClr val="accent1"/>
-          </a:effectRef>
-          <a:fontRef idx="minor">
-            <a:schemeClr val="lt1"/>
-          </a:fontRef>
-        </p:style>
-        <p:txBody>
-          <a:bodyPr rtlCol="0" anchor="ctr"/>
-          <a:lstStyle/>
-          <a:p>
-            <a:pPr algn="ctr"/>
-            <a:r>
-              <a:rPr lang="en-US" sz="1200" dirty="0" smtClean="0"/>
-              <a:t>componentDidUpdate()</a:t>
-            </a:r>
-            <a:endParaRPr lang="en-US" sz="1200" dirty="0"/>
-          </a:p>
-        </p:txBody>
-      </p:sp>
-      <p:sp>
-        <p:nvSpPr>
-          <p:cNvPr id="39" name="Rectangle 38"/>
-          <p:cNvSpPr/>
-          <p:nvPr/>
-        </p:nvSpPr>
-        <p:spPr>
-          <a:xfrm>
-            <a:off x="8254312" y="4258963"/>
-            <a:ext cx="2100650" cy="626076"/>
-          </a:xfrm>
-          <a:prstGeom prst="rect">
-            <a:avLst/>
-          </a:prstGeom>
-        </p:spPr>
-        <p:style>
-          <a:lnRef idx="2">
-            <a:schemeClr val="accent1">
-              <a:shade val="50000"/>
-            </a:schemeClr>
-          </a:lnRef>
-          <a:fillRef idx="1">
-            <a:schemeClr val="accent1"/>
-          </a:fillRef>
-          <a:effectRef idx="0">
-            <a:schemeClr val="accent1"/>
-          </a:effectRef>
-          <a:fontRef idx="minor">
-            <a:schemeClr val="lt1"/>
-          </a:fontRef>
-        </p:style>
-        <p:txBody>
-          <a:bodyPr rtlCol="0" anchor="ctr"/>
-          <a:lstStyle/>
-          <a:p>
-            <a:pPr algn="ctr"/>
-            <a:r>
-              <a:rPr lang="en-US" sz="1200" dirty="0" err="1" smtClean="0"/>
-              <a:t>componentWillUnmount</a:t>
-            </a:r>
-            <a:r>
-              <a:rPr lang="en-US" sz="1200" dirty="0" smtClean="0"/>
-              <a:t>()</a:t>
-            </a:r>
-            <a:endParaRPr lang="en-US" sz="1200" dirty="0"/>
-          </a:p>
-        </p:txBody>
-      </p:sp>
-      <p:cxnSp>
-        <p:nvCxnSpPr>
-          <p:cNvPr id="41" name="Straight Arrow Connector 40"/>
-          <p:cNvCxnSpPr>
-            <a:stCxn id="31" idx="2"/>
-            <a:endCxn id="35" idx="0"/>
-          </p:cNvCxnSpPr>
-          <p:nvPr/>
-        </p:nvCxnSpPr>
-        <p:spPr>
-          <a:xfrm>
-            <a:off x="4530809" y="873211"/>
-            <a:ext cx="0" cy="535459"/>
-          </a:xfrm>
-          <a:prstGeom prst="straightConnector1">
-            <a:avLst/>
-          </a:prstGeom>
-          <a:ln>
-            <a:tailEnd type="triangle"/>
-          </a:ln>
-        </p:spPr>
-        <p:style>
-          <a:lnRef idx="1">
-            <a:schemeClr val="accent1"/>
-          </a:lnRef>
-          <a:fillRef idx="0">
-            <a:schemeClr val="accent1"/>
-          </a:fillRef>
-          <a:effectRef idx="0">
-            <a:schemeClr val="accent1"/>
-          </a:effectRef>
-          <a:fontRef idx="minor">
-            <a:schemeClr val="tx1"/>
-          </a:fontRef>
-        </p:style>
-      </p:cxnSp>
-      <p:cxnSp>
-        <p:nvCxnSpPr>
-          <p:cNvPr id="43" name="Straight Arrow Connector 42"/>
-          <p:cNvCxnSpPr>
-            <a:stCxn id="35" idx="2"/>
-            <a:endCxn id="36" idx="0"/>
-          </p:cNvCxnSpPr>
-          <p:nvPr/>
-        </p:nvCxnSpPr>
-        <p:spPr>
-          <a:xfrm>
-            <a:off x="4530809" y="2034746"/>
-            <a:ext cx="0" cy="469557"/>
-          </a:xfrm>
-          <a:prstGeom prst="straightConnector1">
-            <a:avLst/>
-          </a:prstGeom>
-          <a:ln>
-            <a:tailEnd type="triangle"/>
-          </a:ln>
-        </p:spPr>
-        <p:style>
-          <a:lnRef idx="1">
-            <a:schemeClr val="accent1"/>
-          </a:lnRef>
-          <a:fillRef idx="0">
-            <a:schemeClr val="accent1"/>
-          </a:fillRef>
-          <a:effectRef idx="0">
-            <a:schemeClr val="accent1"/>
-          </a:effectRef>
-          <a:fontRef idx="minor">
-            <a:schemeClr val="tx1"/>
-          </a:fontRef>
-        </p:style>
-      </p:cxnSp>
-      <p:cxnSp>
-        <p:nvCxnSpPr>
-          <p:cNvPr id="45" name="Straight Arrow Connector 44"/>
-          <p:cNvCxnSpPr>
-            <a:stCxn id="36" idx="2"/>
-            <a:endCxn id="37" idx="0"/>
-          </p:cNvCxnSpPr>
-          <p:nvPr/>
-        </p:nvCxnSpPr>
-        <p:spPr>
-          <a:xfrm>
-            <a:off x="4530809" y="3130379"/>
-            <a:ext cx="0" cy="502508"/>
-          </a:xfrm>
-          <a:prstGeom prst="straightConnector1">
-            <a:avLst/>
-          </a:prstGeom>
-          <a:ln>
-            <a:tailEnd type="triangle"/>
-          </a:ln>
-        </p:spPr>
-        <p:style>
-          <a:lnRef idx="1">
-            <a:schemeClr val="accent1"/>
-          </a:lnRef>
-          <a:fillRef idx="0">
-            <a:schemeClr val="accent1"/>
-          </a:fillRef>
-          <a:effectRef idx="0">
-            <a:schemeClr val="accent1"/>
-          </a:effectRef>
-          <a:fontRef idx="minor">
-            <a:schemeClr val="tx1"/>
-          </a:fontRef>
-        </p:style>
-      </p:cxnSp>
-      <p:cxnSp>
-        <p:nvCxnSpPr>
-          <p:cNvPr id="47" name="Elbow Connector 46"/>
-          <p:cNvCxnSpPr>
-            <a:stCxn id="37" idx="2"/>
-          </p:cNvCxnSpPr>
-          <p:nvPr/>
-        </p:nvCxnSpPr>
-        <p:spPr>
-          <a:xfrm rot="5400000">
-            <a:off x="2823518" y="2802926"/>
-            <a:ext cx="251254" cy="3163328"/>
-          </a:xfrm>
-          <a:prstGeom prst="bentConnector2">
-            <a:avLst/>
-          </a:prstGeom>
-          <a:ln>
-            <a:tailEnd type="triangle"/>
-          </a:ln>
-        </p:spPr>
-        <p:style>
-          <a:lnRef idx="1">
-            <a:schemeClr val="accent1"/>
-          </a:lnRef>
-          <a:fillRef idx="0">
-            <a:schemeClr val="accent1"/>
-          </a:fillRef>
-          <a:effectRef idx="0">
-            <a:schemeClr val="accent1"/>
-          </a:effectRef>
-          <a:fontRef idx="minor">
-            <a:schemeClr val="tx1"/>
-          </a:fontRef>
-        </p:style>
-      </p:cxnSp>
-      <p:cxnSp>
-        <p:nvCxnSpPr>
-          <p:cNvPr id="51" name="Elbow Connector 50"/>
-          <p:cNvCxnSpPr>
-            <a:stCxn id="25" idx="3"/>
-            <a:endCxn id="38" idx="0"/>
-          </p:cNvCxnSpPr>
-          <p:nvPr/>
-        </p:nvCxnSpPr>
-        <p:spPr>
-          <a:xfrm>
-            <a:off x="2224216" y="5074509"/>
-            <a:ext cx="2306593" cy="815546"/>
-          </a:xfrm>
-          <a:prstGeom prst="bentConnector2">
-            <a:avLst/>
-          </a:prstGeom>
-          <a:ln>
-            <a:tailEnd type="triangle"/>
-          </a:ln>
-        </p:spPr>
-        <p:style>
-          <a:lnRef idx="1">
-            <a:schemeClr val="accent1"/>
-          </a:lnRef>
-          <a:fillRef idx="0">
-            <a:schemeClr val="accent1"/>
-          </a:fillRef>
-          <a:effectRef idx="0">
-            <a:schemeClr val="accent1"/>
-          </a:effectRef>
-          <a:fontRef idx="minor">
-            <a:schemeClr val="tx1"/>
-          </a:fontRef>
-        </p:style>
-      </p:cxnSp>
-      <p:cxnSp>
-        <p:nvCxnSpPr>
-          <p:cNvPr id="53" name="Elbow Connector 52"/>
-          <p:cNvCxnSpPr>
-            <a:stCxn id="32" idx="2"/>
-          </p:cNvCxnSpPr>
-          <p:nvPr/>
-        </p:nvCxnSpPr>
-        <p:spPr>
-          <a:xfrm rot="5400000">
-            <a:off x="5438000" y="-33980"/>
-            <a:ext cx="1348946" cy="3163328"/>
-          </a:xfrm>
-          <a:prstGeom prst="bentConnector2">
-            <a:avLst/>
-          </a:prstGeom>
-          <a:ln>
-            <a:tailEnd type="triangle"/>
-          </a:ln>
-        </p:spPr>
-        <p:style>
-          <a:lnRef idx="1">
-            <a:schemeClr val="accent1"/>
-          </a:lnRef>
-          <a:fillRef idx="0">
-            <a:schemeClr val="accent1"/>
-          </a:fillRef>
-          <a:effectRef idx="0">
-            <a:schemeClr val="accent1"/>
-          </a:effectRef>
-          <a:fontRef idx="minor">
-            <a:schemeClr val="tx1"/>
-          </a:fontRef>
-        </p:style>
-      </p:cxnSp>
-      <p:cxnSp>
-        <p:nvCxnSpPr>
-          <p:cNvPr id="55" name="Elbow Connector 54"/>
-          <p:cNvCxnSpPr>
-            <a:stCxn id="34" idx="2"/>
-            <a:endCxn id="39" idx="0"/>
-          </p:cNvCxnSpPr>
-          <p:nvPr/>
-        </p:nvCxnSpPr>
-        <p:spPr>
-          <a:xfrm rot="5400000">
-            <a:off x="8388175" y="1789673"/>
-            <a:ext cx="3385752" cy="1552828"/>
-          </a:xfrm>
-          <a:prstGeom prst="bentConnector3">
-            <a:avLst/>
-          </a:prstGeom>
-          <a:ln>
-            <a:tailEnd type="triangle"/>
-          </a:ln>
-        </p:spPr>
-        <p:style>
-          <a:lnRef idx="1">
-            <a:schemeClr val="accent1"/>
-          </a:lnRef>
-          <a:fillRef idx="0">
-            <a:schemeClr val="accent1"/>
-          </a:fillRef>
-          <a:effectRef idx="0">
-            <a:schemeClr val="accent1"/>
-          </a:effectRef>
-          <a:fontRef idx="minor">
-            <a:schemeClr val="tx1"/>
-          </a:fontRef>
-        </p:style>
-      </p:cxnSp>
-    </p:spTree>
-    <p:extLst>
-      <p:ext uri="{BB962C8B-B14F-4D97-AF65-F5344CB8AC3E}">
-        <p14:creationId xmlns:p14="http://schemas.microsoft.com/office/powerpoint/2010/main" val="2428616857"/>
-      </p:ext>
-    </p:extLst>
-  </p:cSld>
-  <p:clrMapOvr>
-    <a:masterClrMapping/>
-  </p:clrMapOvr>
-  <p:timing>
-    <p:tnLst>
-      <p:par>
-        <p:cTn id="1" dur="indefinite" restart="never" nodeType="tmRoot"/>
-      </p:par>
-    </p:tnLst>
-  </p:timing>
-</p:sld>
-</file>
-
-<file path=ppt/slides/slide2.xml><?xml version="1.0" encoding="utf-8"?>
-<p:sld xmlns:a="http://schemas.openxmlformats.org/drawingml/2006/main" xmlns:r="http://schemas.openxmlformats.org/officeDocument/2006/relationships" xmlns:p="http://schemas.openxmlformats.org/presentationml/2006/main">
-  <p:cSld>
-    <p:spTree>
-      <p:nvGrpSpPr>
-        <p:cNvPr id="1" name=""/>
-        <p:cNvGrpSpPr/>
-        <p:nvPr/>
-      </p:nvGrpSpPr>
-      <p:grpSpPr>
-        <a:xfrm>
-          <a:off x="0" y="0"/>
-          <a:ext cx="0" cy="0"/>
-          <a:chOff x="0" y="0"/>
-          <a:chExt cx="0" cy="0"/>
-        </a:xfrm>
-      </p:grpSpPr>
-      <p:sp>
-        <p:nvSpPr>
-          <p:cNvPr id="12" name="Rectangle 11"/>
-          <p:cNvSpPr/>
-          <p:nvPr/>
-        </p:nvSpPr>
-        <p:spPr>
-          <a:xfrm>
-            <a:off x="510746" y="247135"/>
-            <a:ext cx="1713470" cy="626076"/>
-          </a:xfrm>
-          <a:prstGeom prst="rect">
-            <a:avLst/>
-          </a:prstGeom>
-        </p:spPr>
-        <p:style>
-          <a:lnRef idx="2">
-            <a:schemeClr val="accent1">
-              <a:shade val="50000"/>
-            </a:schemeClr>
-          </a:lnRef>
-          <a:fillRef idx="1">
-            <a:schemeClr val="accent1"/>
-          </a:fillRef>
-          <a:effectRef idx="0">
-            <a:schemeClr val="accent1"/>
-          </a:effectRef>
-          <a:fontRef idx="minor">
-            <a:schemeClr val="lt1"/>
-          </a:fontRef>
-        </p:style>
-        <p:txBody>
-          <a:bodyPr rtlCol="0" anchor="ctr"/>
-          <a:lstStyle/>
-          <a:p>
-            <a:pPr algn="ctr"/>
-            <a:r>
-              <a:rPr lang="en-US" sz="1200" dirty="0" smtClean="0"/>
-              <a:t>Component initialization</a:t>
-            </a:r>
-            <a:endParaRPr lang="en-US" sz="1200" dirty="0"/>
-          </a:p>
-        </p:txBody>
-      </p:sp>
-      <p:sp>
-        <p:nvSpPr>
-          <p:cNvPr id="15" name="Rectangle 14"/>
-          <p:cNvSpPr/>
-          <p:nvPr/>
-        </p:nvSpPr>
-        <p:spPr>
-          <a:xfrm>
-            <a:off x="510746" y="1095632"/>
-            <a:ext cx="1713470" cy="626076"/>
-          </a:xfrm>
-          <a:prstGeom prst="rect">
-            <a:avLst/>
-          </a:prstGeom>
-        </p:spPr>
-        <p:style>
-          <a:lnRef idx="2">
-            <a:schemeClr val="accent1">
-              <a:shade val="50000"/>
-            </a:schemeClr>
-          </a:lnRef>
-          <a:fillRef idx="1">
-            <a:schemeClr val="accent1"/>
-          </a:fillRef>
-          <a:effectRef idx="0">
-            <a:schemeClr val="accent1"/>
-          </a:effectRef>
-          <a:fontRef idx="minor">
-            <a:schemeClr val="lt1"/>
-          </a:fontRef>
-        </p:style>
-        <p:txBody>
-          <a:bodyPr rtlCol="0" anchor="ctr"/>
-          <a:lstStyle/>
-          <a:p>
-            <a:pPr algn="ctr"/>
-            <a:r>
-              <a:rPr lang="en-US" sz="1200" dirty="0" smtClean="0"/>
-              <a:t>constructor()</a:t>
-            </a:r>
-            <a:endParaRPr lang="en-US" sz="1200" dirty="0"/>
-          </a:p>
-        </p:txBody>
-      </p:sp>
-      <p:sp>
-        <p:nvSpPr>
-          <p:cNvPr id="16" name="Rectangle 15"/>
-          <p:cNvSpPr/>
-          <p:nvPr/>
-        </p:nvSpPr>
-        <p:spPr>
-          <a:xfrm>
-            <a:off x="131808" y="1942262"/>
-            <a:ext cx="2471351" cy="1040668"/>
-          </a:xfrm>
-          <a:prstGeom prst="rect">
-            <a:avLst/>
-          </a:prstGeom>
-        </p:spPr>
-        <p:style>
-          <a:lnRef idx="2">
-            <a:schemeClr val="accent1">
-              <a:shade val="50000"/>
-            </a:schemeClr>
-          </a:lnRef>
-          <a:fillRef idx="1">
-            <a:schemeClr val="accent1"/>
-          </a:fillRef>
-          <a:effectRef idx="0">
-            <a:schemeClr val="accent1"/>
-          </a:effectRef>
-          <a:fontRef idx="minor">
-            <a:schemeClr val="lt1"/>
-          </a:fontRef>
-        </p:style>
-        <p:txBody>
-          <a:bodyPr rtlCol="0" anchor="ctr"/>
-          <a:lstStyle/>
-          <a:p>
-            <a:pPr algn="ctr"/>
-            <a:r>
-              <a:rPr lang="en-US" sz="1200" dirty="0" smtClean="0"/>
-              <a:t>static getDerivedStateFromProps</a:t>
-            </a:r>
-            <a:r>
-              <a:rPr lang="en-US" sz="1200" dirty="0" smtClean="0"/>
-              <a:t>()</a:t>
-            </a:r>
-          </a:p>
-          <a:p>
-            <a:pPr algn="ctr"/>
-            <a:r>
-              <a:rPr lang="en-US" sz="1200" dirty="0" smtClean="0"/>
-              <a:t>For write something from props to state</a:t>
-            </a:r>
-          </a:p>
-          <a:p>
-            <a:pPr algn="ctr"/>
-            <a:r>
-              <a:rPr lang="en-US" sz="1200" dirty="0" smtClean="0"/>
-              <a:t>Get props</a:t>
-            </a:r>
-          </a:p>
-          <a:p>
-            <a:pPr algn="ctr"/>
-            <a:r>
-              <a:rPr lang="en-US" sz="1200" dirty="0" smtClean="0"/>
-              <a:t>Return object</a:t>
-            </a:r>
-            <a:endParaRPr lang="en-US" sz="1200" dirty="0"/>
-          </a:p>
-        </p:txBody>
-      </p:sp>
-      <p:sp>
-        <p:nvSpPr>
-          <p:cNvPr id="25" name="Rectangle 24"/>
-          <p:cNvSpPr/>
-          <p:nvPr/>
-        </p:nvSpPr>
-        <p:spPr>
-          <a:xfrm>
-            <a:off x="503539" y="3782202"/>
-            <a:ext cx="1713470" cy="626076"/>
-          </a:xfrm>
-          <a:prstGeom prst="rect">
-            <a:avLst/>
-          </a:prstGeom>
-        </p:spPr>
-        <p:style>
-          <a:lnRef idx="2">
-            <a:schemeClr val="accent1">
-              <a:shade val="50000"/>
-            </a:schemeClr>
-          </a:lnRef>
-          <a:fillRef idx="1">
-            <a:schemeClr val="accent1"/>
-          </a:fillRef>
-          <a:effectRef idx="0">
-            <a:schemeClr val="accent1"/>
-          </a:effectRef>
-          <a:fontRef idx="minor">
-            <a:schemeClr val="lt1"/>
-          </a:fontRef>
-        </p:style>
-        <p:txBody>
-          <a:bodyPr rtlCol="0" anchor="ctr"/>
-          <a:lstStyle/>
-          <a:p>
-            <a:pPr algn="ctr"/>
-            <a:r>
-              <a:rPr lang="en-US" sz="1200" dirty="0"/>
-              <a:t>r</a:t>
-            </a:r>
-            <a:r>
-              <a:rPr lang="en-US" sz="1200" dirty="0" smtClean="0"/>
-              <a:t>ender()</a:t>
-            </a:r>
-            <a:endParaRPr lang="en-US" sz="1200" dirty="0"/>
-          </a:p>
-        </p:txBody>
-      </p:sp>
-      <p:sp>
-        <p:nvSpPr>
-          <p:cNvPr id="26" name="Rectangle 25"/>
-          <p:cNvSpPr/>
-          <p:nvPr/>
-        </p:nvSpPr>
-        <p:spPr>
-          <a:xfrm>
-            <a:off x="503539" y="5064381"/>
-            <a:ext cx="1713470" cy="626076"/>
-          </a:xfrm>
-          <a:prstGeom prst="rect">
-            <a:avLst/>
-          </a:prstGeom>
-        </p:spPr>
-        <p:style>
-          <a:lnRef idx="2">
-            <a:schemeClr val="accent1">
-              <a:shade val="50000"/>
-            </a:schemeClr>
-          </a:lnRef>
-          <a:fillRef idx="1">
-            <a:schemeClr val="accent1"/>
-          </a:fillRef>
-          <a:effectRef idx="0">
-            <a:schemeClr val="accent1"/>
-          </a:effectRef>
-          <a:fontRef idx="minor">
-            <a:schemeClr val="lt1"/>
-          </a:fontRef>
-        </p:style>
-        <p:txBody>
-          <a:bodyPr rtlCol="0" anchor="ctr"/>
-          <a:lstStyle/>
-          <a:p>
-            <a:pPr algn="ctr"/>
-            <a:r>
-              <a:rPr lang="en-US" sz="1200" dirty="0" err="1" smtClean="0"/>
-              <a:t>componentDidiMount</a:t>
-            </a:r>
-            <a:r>
-              <a:rPr lang="en-US" sz="1200" dirty="0" smtClean="0"/>
-              <a:t>()</a:t>
-            </a:r>
-            <a:endParaRPr lang="en-US" sz="1200" dirty="0"/>
-          </a:p>
-        </p:txBody>
-      </p:sp>
-      <p:cxnSp>
-        <p:nvCxnSpPr>
-          <p:cNvPr id="30" name="Straight Arrow Connector 29"/>
-          <p:cNvCxnSpPr>
-            <a:stCxn id="25" idx="2"/>
-            <a:endCxn id="26" idx="0"/>
-          </p:cNvCxnSpPr>
-          <p:nvPr/>
-        </p:nvCxnSpPr>
-        <p:spPr>
-          <a:xfrm>
-            <a:off x="1360274" y="4408278"/>
-            <a:ext cx="0" cy="656103"/>
-          </a:xfrm>
-          <a:prstGeom prst="straightConnector1">
-            <a:avLst/>
-          </a:prstGeom>
-          <a:ln>
-            <a:tailEnd type="triangle"/>
-          </a:ln>
-        </p:spPr>
-        <p:style>
-          <a:lnRef idx="1">
-            <a:schemeClr val="accent1"/>
-          </a:lnRef>
-          <a:fillRef idx="0">
-            <a:schemeClr val="accent1"/>
-          </a:fillRef>
-          <a:effectRef idx="0">
-            <a:schemeClr val="accent1"/>
-          </a:effectRef>
-          <a:fontRef idx="minor">
-            <a:schemeClr val="tx1"/>
-          </a:fontRef>
-        </p:style>
-      </p:cxnSp>
-      <p:sp>
-        <p:nvSpPr>
-          <p:cNvPr id="31" name="Rectangle 30"/>
-          <p:cNvSpPr/>
-          <p:nvPr/>
-        </p:nvSpPr>
-        <p:spPr>
-          <a:xfrm>
-            <a:off x="3667898" y="977758"/>
-            <a:ext cx="1713470" cy="626076"/>
-          </a:xfrm>
-          <a:prstGeom prst="rect">
-            <a:avLst/>
-          </a:prstGeom>
-        </p:spPr>
-        <p:style>
-          <a:lnRef idx="2">
-            <a:schemeClr val="accent1">
-              <a:shade val="50000"/>
-            </a:schemeClr>
-          </a:lnRef>
-          <a:fillRef idx="1">
-            <a:schemeClr val="accent1"/>
-          </a:fillRef>
-          <a:effectRef idx="0">
-            <a:schemeClr val="accent1"/>
-          </a:effectRef>
-          <a:fontRef idx="minor">
-            <a:schemeClr val="lt1"/>
-          </a:fontRef>
-        </p:style>
-        <p:txBody>
-          <a:bodyPr rtlCol="0" anchor="ctr"/>
-          <a:lstStyle/>
-          <a:p>
-            <a:pPr algn="ctr"/>
-            <a:r>
               <a:rPr lang="en-US" sz="1200" dirty="0"/>
               <a:t>props have changed</a:t>
             </a:r>
-            <a:endParaRPr lang="en-US" sz="1200" dirty="0"/>
           </a:p>
         </p:txBody>
       </p:sp>
@@ -5131,11 +4011,7 @@
             <a:pPr algn="ctr"/>
             <a:r>
               <a:rPr lang="en-US" sz="1200" dirty="0" smtClean="0"/>
-              <a:t>static getDerivedStateFromProps</a:t>
-            </a:r>
-            <a:r>
-              <a:rPr lang="en-US" sz="1200" dirty="0" smtClean="0"/>
-              <a:t>()</a:t>
+              <a:t>static getDerivedStateFromProps()</a:t>
             </a:r>
           </a:p>
           <a:p>
@@ -5487,6 +4363,117 @@
               <a:gd name="adj2" fmla="val 39746"/>
               <a:gd name="adj3" fmla="val 104274"/>
             </a:avLst>
+          </a:prstGeom>
+          <a:ln>
+            <a:tailEnd type="triangle"/>
+          </a:ln>
+        </p:spPr>
+        <p:style>
+          <a:lnRef idx="1">
+            <a:schemeClr val="accent1"/>
+          </a:lnRef>
+          <a:fillRef idx="0">
+            <a:schemeClr val="accent1"/>
+          </a:fillRef>
+          <a:effectRef idx="0">
+            <a:schemeClr val="accent1"/>
+          </a:effectRef>
+          <a:fontRef idx="minor">
+            <a:schemeClr val="tx1"/>
+          </a:fontRef>
+        </p:style>
+      </p:cxnSp>
+      <p:sp>
+        <p:nvSpPr>
+          <p:cNvPr id="2" name="TextBox 1"/>
+          <p:cNvSpPr txBox="1"/>
+          <p:nvPr/>
+        </p:nvSpPr>
+        <p:spPr>
+          <a:xfrm>
+            <a:off x="3515710" y="2577662"/>
+            <a:ext cx="1198180" cy="461665"/>
+          </a:xfrm>
+          <a:prstGeom prst="rect">
+            <a:avLst/>
+          </a:prstGeom>
+        </p:spPr>
+        <p:style>
+          <a:lnRef idx="3">
+            <a:schemeClr val="lt1"/>
+          </a:lnRef>
+          <a:fillRef idx="1">
+            <a:schemeClr val="accent2"/>
+          </a:fillRef>
+          <a:effectRef idx="1">
+            <a:schemeClr val="accent2"/>
+          </a:effectRef>
+          <a:fontRef idx="minor">
+            <a:schemeClr val="lt1"/>
+          </a:fontRef>
+        </p:style>
+        <p:txBody>
+          <a:bodyPr wrap="square" rtlCol="0">
+            <a:spAutoFit/>
+          </a:bodyPr>
+          <a:lstStyle/>
+          <a:p>
+            <a:r>
+              <a:rPr lang="en-US" sz="1200" dirty="0" smtClean="0"/>
+              <a:t>This.state is no updated here</a:t>
+            </a:r>
+            <a:endParaRPr lang="en-US" sz="1200" dirty="0"/>
+          </a:p>
+        </p:txBody>
+      </p:sp>
+      <p:cxnSp>
+        <p:nvCxnSpPr>
+          <p:cNvPr id="6" name="Elbow Connector 5"/>
+          <p:cNvCxnSpPr>
+            <a:stCxn id="2" idx="3"/>
+          </p:cNvCxnSpPr>
+          <p:nvPr/>
+        </p:nvCxnSpPr>
+        <p:spPr>
+          <a:xfrm>
+            <a:off x="4713890" y="2808495"/>
+            <a:ext cx="150551" cy="533795"/>
+          </a:xfrm>
+          <a:prstGeom prst="bentConnector2">
+            <a:avLst/>
+          </a:prstGeom>
+          <a:ln>
+            <a:tailEnd type="triangle"/>
+          </a:ln>
+        </p:spPr>
+        <p:style>
+          <a:lnRef idx="1">
+            <a:schemeClr val="accent1"/>
+          </a:lnRef>
+          <a:fillRef idx="0">
+            <a:schemeClr val="accent1"/>
+          </a:fillRef>
+          <a:effectRef idx="0">
+            <a:schemeClr val="accent1"/>
+          </a:effectRef>
+          <a:fontRef idx="minor">
+            <a:schemeClr val="tx1"/>
+          </a:fontRef>
+        </p:style>
+      </p:cxnSp>
+      <p:cxnSp>
+        <p:nvCxnSpPr>
+          <p:cNvPr id="9" name="Elbow Connector 8"/>
+          <p:cNvCxnSpPr/>
+          <p:nvPr/>
+        </p:nvCxnSpPr>
+        <p:spPr>
+          <a:xfrm>
+            <a:off x="4864441" y="3342290"/>
+            <a:ext cx="378942" cy="63062"/>
+          </a:xfrm>
+          <a:prstGeom prst="bentConnector3">
+            <a:avLst/>
           </a:prstGeom>
           <a:ln>
             <a:tailEnd type="triangle"/>

--- a/React component lifecycle.pptx
+++ b/React component lifecycle.pptx
@@ -6,6 +6,7 @@
   </p:sldMasterIdLst>
   <p:sldIdLst>
     <p:sldId id="257" r:id="rId2"/>
+    <p:sldId id="258" r:id="rId3"/>
   </p:sldIdLst>
   <p:sldSz cx="12192000" cy="6858000"/>
   <p:notesSz cx="6858000" cy="9144000"/>
@@ -243,9 +244,9 @@
           <a:p>
             <a:fld id="{EE844072-81E0-44CE-8CF3-79AEA47A879C}" type="datetimeFigureOut">
               <a:rPr lang="en-US" smtClean="0"/>
-              <a:t>11/20/2020</a:t>
+              <a:t>11/23/2020</a:t>
             </a:fld>
-            <a:endParaRPr lang="en-US"/>
+            <a:endParaRPr lang="en-US" dirty="0"/>
           </a:p>
         </p:txBody>
       </p:sp>
@@ -264,7 +265,7 @@
           <a:bodyPr/>
           <a:lstStyle/>
           <a:p>
-            <a:endParaRPr lang="en-US"/>
+            <a:endParaRPr lang="en-US" dirty="0"/>
           </a:p>
         </p:txBody>
       </p:sp>
@@ -287,7 +288,7 @@
               <a:rPr lang="en-US" smtClean="0"/>
               <a:t>‹#›</a:t>
             </a:fld>
-            <a:endParaRPr lang="en-US"/>
+            <a:endParaRPr lang="en-US" dirty="0"/>
           </a:p>
         </p:txBody>
       </p:sp>
@@ -413,9 +414,9 @@
           <a:p>
             <a:fld id="{EE844072-81E0-44CE-8CF3-79AEA47A879C}" type="datetimeFigureOut">
               <a:rPr lang="en-US" smtClean="0"/>
-              <a:t>11/20/2020</a:t>
+              <a:t>11/23/2020</a:t>
             </a:fld>
-            <a:endParaRPr lang="en-US"/>
+            <a:endParaRPr lang="en-US" dirty="0"/>
           </a:p>
         </p:txBody>
       </p:sp>
@@ -434,7 +435,7 @@
           <a:bodyPr/>
           <a:lstStyle/>
           <a:p>
-            <a:endParaRPr lang="en-US"/>
+            <a:endParaRPr lang="en-US" dirty="0"/>
           </a:p>
         </p:txBody>
       </p:sp>
@@ -457,7 +458,7 @@
               <a:rPr lang="en-US" smtClean="0"/>
               <a:t>‹#›</a:t>
             </a:fld>
-            <a:endParaRPr lang="en-US"/>
+            <a:endParaRPr lang="en-US" dirty="0"/>
           </a:p>
         </p:txBody>
       </p:sp>
@@ -593,9 +594,9 @@
           <a:p>
             <a:fld id="{EE844072-81E0-44CE-8CF3-79AEA47A879C}" type="datetimeFigureOut">
               <a:rPr lang="en-US" smtClean="0"/>
-              <a:t>11/20/2020</a:t>
+              <a:t>11/23/2020</a:t>
             </a:fld>
-            <a:endParaRPr lang="en-US"/>
+            <a:endParaRPr lang="en-US" dirty="0"/>
           </a:p>
         </p:txBody>
       </p:sp>
@@ -614,7 +615,7 @@
           <a:bodyPr/>
           <a:lstStyle/>
           <a:p>
-            <a:endParaRPr lang="en-US"/>
+            <a:endParaRPr lang="en-US" dirty="0"/>
           </a:p>
         </p:txBody>
       </p:sp>
@@ -637,7 +638,7 @@
               <a:rPr lang="en-US" smtClean="0"/>
               <a:t>‹#›</a:t>
             </a:fld>
-            <a:endParaRPr lang="en-US"/>
+            <a:endParaRPr lang="en-US" dirty="0"/>
           </a:p>
         </p:txBody>
       </p:sp>
@@ -763,9 +764,9 @@
           <a:p>
             <a:fld id="{EE844072-81E0-44CE-8CF3-79AEA47A879C}" type="datetimeFigureOut">
               <a:rPr lang="en-US" smtClean="0"/>
-              <a:t>11/20/2020</a:t>
+              <a:t>11/23/2020</a:t>
             </a:fld>
-            <a:endParaRPr lang="en-US"/>
+            <a:endParaRPr lang="en-US" dirty="0"/>
           </a:p>
         </p:txBody>
       </p:sp>
@@ -784,7 +785,7 @@
           <a:bodyPr/>
           <a:lstStyle/>
           <a:p>
-            <a:endParaRPr lang="en-US"/>
+            <a:endParaRPr lang="en-US" dirty="0"/>
           </a:p>
         </p:txBody>
       </p:sp>
@@ -807,7 +808,7 @@
               <a:rPr lang="en-US" smtClean="0"/>
               <a:t>‹#›</a:t>
             </a:fld>
-            <a:endParaRPr lang="en-US"/>
+            <a:endParaRPr lang="en-US" dirty="0"/>
           </a:p>
         </p:txBody>
       </p:sp>
@@ -1009,9 +1010,9 @@
           <a:p>
             <a:fld id="{EE844072-81E0-44CE-8CF3-79AEA47A879C}" type="datetimeFigureOut">
               <a:rPr lang="en-US" smtClean="0"/>
-              <a:t>11/20/2020</a:t>
+              <a:t>11/23/2020</a:t>
             </a:fld>
-            <a:endParaRPr lang="en-US"/>
+            <a:endParaRPr lang="en-US" dirty="0"/>
           </a:p>
         </p:txBody>
       </p:sp>
@@ -1030,7 +1031,7 @@
           <a:bodyPr/>
           <a:lstStyle/>
           <a:p>
-            <a:endParaRPr lang="en-US"/>
+            <a:endParaRPr lang="en-US" dirty="0"/>
           </a:p>
         </p:txBody>
       </p:sp>
@@ -1053,7 +1054,7 @@
               <a:rPr lang="en-US" smtClean="0"/>
               <a:t>‹#›</a:t>
             </a:fld>
-            <a:endParaRPr lang="en-US"/>
+            <a:endParaRPr lang="en-US" dirty="0"/>
           </a:p>
         </p:txBody>
       </p:sp>
@@ -1241,9 +1242,9 @@
           <a:p>
             <a:fld id="{EE844072-81E0-44CE-8CF3-79AEA47A879C}" type="datetimeFigureOut">
               <a:rPr lang="en-US" smtClean="0"/>
-              <a:t>11/20/2020</a:t>
+              <a:t>11/23/2020</a:t>
             </a:fld>
-            <a:endParaRPr lang="en-US"/>
+            <a:endParaRPr lang="en-US" dirty="0"/>
           </a:p>
         </p:txBody>
       </p:sp>
@@ -1262,7 +1263,7 @@
           <a:bodyPr/>
           <a:lstStyle/>
           <a:p>
-            <a:endParaRPr lang="en-US"/>
+            <a:endParaRPr lang="en-US" dirty="0"/>
           </a:p>
         </p:txBody>
       </p:sp>
@@ -1285,7 +1286,7 @@
               <a:rPr lang="en-US" smtClean="0"/>
               <a:t>‹#›</a:t>
             </a:fld>
-            <a:endParaRPr lang="en-US"/>
+            <a:endParaRPr lang="en-US" dirty="0"/>
           </a:p>
         </p:txBody>
       </p:sp>
@@ -1608,9 +1609,9 @@
           <a:p>
             <a:fld id="{EE844072-81E0-44CE-8CF3-79AEA47A879C}" type="datetimeFigureOut">
               <a:rPr lang="en-US" smtClean="0"/>
-              <a:t>11/20/2020</a:t>
+              <a:t>11/23/2020</a:t>
             </a:fld>
-            <a:endParaRPr lang="en-US"/>
+            <a:endParaRPr lang="en-US" dirty="0"/>
           </a:p>
         </p:txBody>
       </p:sp>
@@ -1629,7 +1630,7 @@
           <a:bodyPr/>
           <a:lstStyle/>
           <a:p>
-            <a:endParaRPr lang="en-US"/>
+            <a:endParaRPr lang="en-US" dirty="0"/>
           </a:p>
         </p:txBody>
       </p:sp>
@@ -1652,7 +1653,7 @@
               <a:rPr lang="en-US" smtClean="0"/>
               <a:t>‹#›</a:t>
             </a:fld>
-            <a:endParaRPr lang="en-US"/>
+            <a:endParaRPr lang="en-US" dirty="0"/>
           </a:p>
         </p:txBody>
       </p:sp>
@@ -1726,9 +1727,9 @@
           <a:p>
             <a:fld id="{EE844072-81E0-44CE-8CF3-79AEA47A879C}" type="datetimeFigureOut">
               <a:rPr lang="en-US" smtClean="0"/>
-              <a:t>11/20/2020</a:t>
+              <a:t>11/23/2020</a:t>
             </a:fld>
-            <a:endParaRPr lang="en-US"/>
+            <a:endParaRPr lang="en-US" dirty="0"/>
           </a:p>
         </p:txBody>
       </p:sp>
@@ -1747,7 +1748,7 @@
           <a:bodyPr/>
           <a:lstStyle/>
           <a:p>
-            <a:endParaRPr lang="en-US"/>
+            <a:endParaRPr lang="en-US" dirty="0"/>
           </a:p>
         </p:txBody>
       </p:sp>
@@ -1770,7 +1771,7 @@
               <a:rPr lang="en-US" smtClean="0"/>
               <a:t>‹#›</a:t>
             </a:fld>
-            <a:endParaRPr lang="en-US"/>
+            <a:endParaRPr lang="en-US" dirty="0"/>
           </a:p>
         </p:txBody>
       </p:sp>
@@ -1821,9 +1822,9 @@
           <a:p>
             <a:fld id="{EE844072-81E0-44CE-8CF3-79AEA47A879C}" type="datetimeFigureOut">
               <a:rPr lang="en-US" smtClean="0"/>
-              <a:t>11/20/2020</a:t>
+              <a:t>11/23/2020</a:t>
             </a:fld>
-            <a:endParaRPr lang="en-US"/>
+            <a:endParaRPr lang="en-US" dirty="0"/>
           </a:p>
         </p:txBody>
       </p:sp>
@@ -1842,7 +1843,7 @@
           <a:bodyPr/>
           <a:lstStyle/>
           <a:p>
-            <a:endParaRPr lang="en-US"/>
+            <a:endParaRPr lang="en-US" dirty="0"/>
           </a:p>
         </p:txBody>
       </p:sp>
@@ -1865,7 +1866,7 @@
               <a:rPr lang="en-US" smtClean="0"/>
               <a:t>‹#›</a:t>
             </a:fld>
-            <a:endParaRPr lang="en-US"/>
+            <a:endParaRPr lang="en-US" dirty="0"/>
           </a:p>
         </p:txBody>
       </p:sp>
@@ -2098,9 +2099,9 @@
           <a:p>
             <a:fld id="{EE844072-81E0-44CE-8CF3-79AEA47A879C}" type="datetimeFigureOut">
               <a:rPr lang="en-US" smtClean="0"/>
-              <a:t>11/20/2020</a:t>
+              <a:t>11/23/2020</a:t>
             </a:fld>
-            <a:endParaRPr lang="en-US"/>
+            <a:endParaRPr lang="en-US" dirty="0"/>
           </a:p>
         </p:txBody>
       </p:sp>
@@ -2119,7 +2120,7 @@
           <a:bodyPr/>
           <a:lstStyle/>
           <a:p>
-            <a:endParaRPr lang="en-US"/>
+            <a:endParaRPr lang="en-US" dirty="0"/>
           </a:p>
         </p:txBody>
       </p:sp>
@@ -2142,7 +2143,7 @@
               <a:rPr lang="en-US" smtClean="0"/>
               <a:t>‹#›</a:t>
             </a:fld>
-            <a:endParaRPr lang="en-US"/>
+            <a:endParaRPr lang="en-US" dirty="0"/>
           </a:p>
         </p:txBody>
       </p:sp>
@@ -2265,7 +2266,7 @@
             </a:lvl9pPr>
           </a:lstStyle>
           <a:p>
-            <a:endParaRPr lang="en-US"/>
+            <a:endParaRPr lang="en-US" dirty="0"/>
           </a:p>
         </p:txBody>
       </p:sp>
@@ -2351,9 +2352,9 @@
           <a:p>
             <a:fld id="{EE844072-81E0-44CE-8CF3-79AEA47A879C}" type="datetimeFigureOut">
               <a:rPr lang="en-US" smtClean="0"/>
-              <a:t>11/20/2020</a:t>
+              <a:t>11/23/2020</a:t>
             </a:fld>
-            <a:endParaRPr lang="en-US"/>
+            <a:endParaRPr lang="en-US" dirty="0"/>
           </a:p>
         </p:txBody>
       </p:sp>
@@ -2372,7 +2373,7 @@
           <a:bodyPr/>
           <a:lstStyle/>
           <a:p>
-            <a:endParaRPr lang="en-US"/>
+            <a:endParaRPr lang="en-US" dirty="0"/>
           </a:p>
         </p:txBody>
       </p:sp>
@@ -2395,7 +2396,7 @@
               <a:rPr lang="en-US" smtClean="0"/>
               <a:t>‹#›</a:t>
             </a:fld>
-            <a:endParaRPr lang="en-US"/>
+            <a:endParaRPr lang="en-US" dirty="0"/>
           </a:p>
         </p:txBody>
       </p:sp>
@@ -2564,9 +2565,9 @@
           <a:p>
             <a:fld id="{EE844072-81E0-44CE-8CF3-79AEA47A879C}" type="datetimeFigureOut">
               <a:rPr lang="en-US" smtClean="0"/>
-              <a:t>11/20/2020</a:t>
+              <a:t>11/23/2020</a:t>
             </a:fld>
-            <a:endParaRPr lang="en-US"/>
+            <a:endParaRPr lang="en-US" dirty="0"/>
           </a:p>
         </p:txBody>
       </p:sp>
@@ -2603,7 +2604,7 @@
             </a:lvl1pPr>
           </a:lstStyle>
           <a:p>
-            <a:endParaRPr lang="en-US"/>
+            <a:endParaRPr lang="en-US" dirty="0"/>
           </a:p>
         </p:txBody>
       </p:sp>
@@ -2644,7 +2645,7 @@
               <a:rPr lang="en-US" smtClean="0"/>
               <a:t>‹#›</a:t>
             </a:fld>
-            <a:endParaRPr lang="en-US"/>
+            <a:endParaRPr lang="en-US" dirty="0"/>
           </a:p>
         </p:txBody>
       </p:sp>
@@ -2978,7 +2979,7 @@
         <p:spPr>
           <a:xfrm>
             <a:off x="510746" y="247135"/>
-            <a:ext cx="1713470" cy="626076"/>
+            <a:ext cx="1713470" cy="222421"/>
           </a:xfrm>
           <a:prstGeom prst="rect">
             <a:avLst/>
@@ -3006,10 +3007,10 @@
           <a:p>
             <a:pPr algn="ctr"/>
             <a:r>
-              <a:rPr lang="en-US" sz="1200" dirty="0" smtClean="0"/>
+              <a:rPr lang="en-US" sz="800" dirty="0" smtClean="0"/>
               <a:t>Component initialization</a:t>
             </a:r>
-            <a:endParaRPr lang="en-US" sz="1200" dirty="0"/>
+            <a:endParaRPr lang="en-US" sz="800" dirty="0"/>
           </a:p>
         </p:txBody>
       </p:sp>
@@ -3021,8 +3022,8 @@
         </p:nvSpPr>
         <p:spPr>
           <a:xfrm>
-            <a:off x="510746" y="1095632"/>
-            <a:ext cx="1713470" cy="626076"/>
+            <a:off x="510746" y="676670"/>
+            <a:ext cx="1713470" cy="220554"/>
           </a:xfrm>
           <a:prstGeom prst="rect">
             <a:avLst/>
@@ -3050,10 +3051,10 @@
           <a:p>
             <a:pPr algn="ctr"/>
             <a:r>
-              <a:rPr lang="en-US" sz="1200" dirty="0" smtClean="0"/>
+              <a:rPr lang="en-US" sz="800" dirty="0" smtClean="0"/>
               <a:t>constructor()</a:t>
             </a:r>
-            <a:endParaRPr lang="en-US" sz="1200" dirty="0"/>
+            <a:endParaRPr lang="en-US" sz="800" dirty="0"/>
           </a:p>
         </p:txBody>
       </p:sp>
@@ -3065,8 +3066,8 @@
         </p:nvSpPr>
         <p:spPr>
           <a:xfrm>
-            <a:off x="131808" y="1942262"/>
-            <a:ext cx="2471351" cy="1040668"/>
+            <a:off x="136776" y="1158995"/>
+            <a:ext cx="2471351" cy="658983"/>
           </a:xfrm>
           <a:prstGeom prst="rect">
             <a:avLst/>
@@ -3094,31 +3095,31 @@
           <a:p>
             <a:pPr algn="ctr"/>
             <a:r>
-              <a:rPr lang="en-US" sz="1200" dirty="0" smtClean="0"/>
+              <a:rPr lang="en-US" sz="800" dirty="0" smtClean="0"/>
               <a:t>static getDerivedStateFromProps()</a:t>
             </a:r>
           </a:p>
           <a:p>
             <a:pPr algn="ctr"/>
             <a:r>
-              <a:rPr lang="en-US" sz="1200" dirty="0" smtClean="0"/>
+              <a:rPr lang="en-US" sz="800" dirty="0" smtClean="0"/>
               <a:t>For write something from props to state</a:t>
             </a:r>
           </a:p>
           <a:p>
             <a:pPr algn="ctr"/>
             <a:r>
-              <a:rPr lang="en-US" sz="1200" dirty="0" smtClean="0"/>
+              <a:rPr lang="en-US" sz="800" dirty="0" smtClean="0"/>
               <a:t>Get props</a:t>
             </a:r>
           </a:p>
           <a:p>
             <a:pPr algn="ctr"/>
             <a:r>
-              <a:rPr lang="en-US" sz="1200" dirty="0" smtClean="0"/>
+              <a:rPr lang="en-US" sz="800" dirty="0" smtClean="0"/>
               <a:t>Return object</a:t>
             </a:r>
-            <a:endParaRPr lang="en-US" sz="1200" dirty="0"/>
+            <a:endParaRPr lang="en-US" sz="800" dirty="0"/>
           </a:p>
         </p:txBody>
       </p:sp>
@@ -3130,8 +3131,8 @@
         </p:nvSpPr>
         <p:spPr>
           <a:xfrm>
-            <a:off x="503539" y="3782202"/>
-            <a:ext cx="1713470" cy="626076"/>
+            <a:off x="1092028" y="1933874"/>
+            <a:ext cx="550906" cy="291749"/>
           </a:xfrm>
           <a:prstGeom prst="rect">
             <a:avLst/>
@@ -3159,14 +3160,14 @@
           <a:p>
             <a:pPr algn="ctr"/>
             <a:r>
-              <a:rPr lang="en-US" sz="1200" dirty="0"/>
+              <a:rPr lang="en-US" sz="800" dirty="0"/>
               <a:t>r</a:t>
             </a:r>
             <a:r>
-              <a:rPr lang="en-US" sz="1200" dirty="0" smtClean="0"/>
+              <a:rPr lang="en-US" sz="800" dirty="0" smtClean="0"/>
               <a:t>ender()</a:t>
             </a:r>
-            <a:endParaRPr lang="en-US" sz="1200" dirty="0"/>
+            <a:endParaRPr lang="en-US" sz="800" dirty="0"/>
           </a:p>
         </p:txBody>
       </p:sp>
@@ -3178,8 +3179,8 @@
         </p:nvSpPr>
         <p:spPr>
           <a:xfrm>
-            <a:off x="503539" y="5064381"/>
-            <a:ext cx="1713470" cy="626076"/>
+            <a:off x="349374" y="5315377"/>
+            <a:ext cx="1713470" cy="190525"/>
           </a:xfrm>
           <a:prstGeom prst="rect">
             <a:avLst/>
@@ -3207,53 +3208,13 @@
           <a:p>
             <a:pPr algn="ctr"/>
             <a:r>
-              <a:rPr lang="en-US" sz="1200" dirty="0" err="1" smtClean="0"/>
-              <a:t>componentDidiMount</a:t>
-            </a:r>
-            <a:r>
-              <a:rPr lang="en-US" sz="1200" dirty="0" smtClean="0"/>
-              <a:t>()</a:t>
-            </a:r>
-            <a:endParaRPr lang="en-US" sz="1200" dirty="0"/>
-          </a:p>
-        </p:txBody>
-      </p:sp>
-      <p:cxnSp>
-        <p:nvCxnSpPr>
-          <p:cNvPr id="30" name="Straight Arrow Connector 29"/>
-          <p:cNvCxnSpPr>
-            <a:stCxn id="25" idx="2"/>
-            <a:endCxn id="26" idx="0"/>
-          </p:cNvCxnSpPr>
-          <p:nvPr/>
-        </p:nvCxnSpPr>
-        <p:spPr>
-          <a:xfrm>
-            <a:off x="1360274" y="4408278"/>
-            <a:ext cx="0" cy="656103"/>
-          </a:xfrm>
-          <a:prstGeom prst="straightConnector1">
-            <a:avLst/>
-          </a:prstGeom>
-          <a:ln>
-            <a:tailEnd type="triangle"/>
-          </a:ln>
-        </p:spPr>
-        <p:style>
-          <a:lnRef idx="1">
-            <a:schemeClr val="accent1"/>
-          </a:lnRef>
-          <a:fillRef idx="0">
-            <a:schemeClr val="accent1"/>
-          </a:fillRef>
-          <a:effectRef idx="0">
-            <a:schemeClr val="accent1"/>
-          </a:effectRef>
-          <a:fontRef idx="minor">
-            <a:schemeClr val="tx1"/>
-          </a:fontRef>
-        </p:style>
-      </p:cxnSp>
+              <a:rPr lang="en-US" sz="800" dirty="0" smtClean="0"/>
+              <a:t>componentDidiMount()</a:t>
+            </a:r>
+            <a:endParaRPr lang="en-US" sz="800" dirty="0"/>
+          </a:p>
+        </p:txBody>
+      </p:sp>
       <p:sp>
         <p:nvSpPr>
           <p:cNvPr id="31" name="Rectangle 30"/>
@@ -3262,8 +3223,8 @@
         </p:nvSpPr>
         <p:spPr>
           <a:xfrm>
-            <a:off x="3667898" y="977758"/>
-            <a:ext cx="1713470" cy="626076"/>
+            <a:off x="5682022" y="688656"/>
+            <a:ext cx="965722" cy="338849"/>
           </a:xfrm>
           <a:prstGeom prst="rect">
             <a:avLst/>
@@ -3291,9 +3252,18 @@
           <a:p>
             <a:pPr algn="ctr"/>
             <a:r>
-              <a:rPr lang="en-US" sz="1200" dirty="0"/>
-              <a:t>props have changed</a:t>
-            </a:r>
+              <a:rPr lang="en-US" sz="800" dirty="0"/>
+              <a:t>props </a:t>
+            </a:r>
+            <a:r>
+              <a:rPr lang="en-US" sz="800" dirty="0" smtClean="0"/>
+              <a:t>has changed</a:t>
+            </a:r>
+            <a:r>
+              <a:rPr lang="en-US" sz="800" dirty="0" smtClean="0"/>
+              <a:t> by parent</a:t>
+            </a:r>
+            <a:endParaRPr lang="en-US" sz="800" dirty="0"/>
           </a:p>
         </p:txBody>
       </p:sp>
@@ -3305,8 +3275,8 @@
         </p:nvSpPr>
         <p:spPr>
           <a:xfrm>
-            <a:off x="6845641" y="968732"/>
-            <a:ext cx="1713470" cy="626076"/>
+            <a:off x="7708803" y="880456"/>
+            <a:ext cx="637131" cy="277684"/>
           </a:xfrm>
           <a:prstGeom prst="rect">
             <a:avLst/>
@@ -3334,10 +3304,10 @@
           <a:p>
             <a:pPr algn="ctr"/>
             <a:r>
-              <a:rPr lang="en-US" sz="1200" dirty="0" smtClean="0"/>
+              <a:rPr lang="en-US" sz="800" dirty="0" smtClean="0"/>
               <a:t>setState()</a:t>
             </a:r>
-            <a:endParaRPr lang="en-US" sz="1200" dirty="0"/>
+            <a:endParaRPr lang="en-US" sz="800" dirty="0"/>
           </a:p>
         </p:txBody>
       </p:sp>
@@ -3378,10 +3348,10 @@
           <a:p>
             <a:pPr algn="ctr"/>
             <a:r>
-              <a:rPr lang="en-US" sz="1200" dirty="0" smtClean="0"/>
+              <a:rPr lang="en-US" sz="800" dirty="0" smtClean="0"/>
               <a:t>Removing a component</a:t>
             </a:r>
-            <a:endParaRPr lang="en-US" sz="1200" dirty="0"/>
+            <a:endParaRPr lang="en-US" sz="800" dirty="0"/>
           </a:p>
         </p:txBody>
       </p:sp>
@@ -3393,8 +3363,8 @@
         </p:nvSpPr>
         <p:spPr>
           <a:xfrm>
-            <a:off x="5243384" y="3218295"/>
-            <a:ext cx="1874109" cy="626076"/>
+            <a:off x="6322514" y="2373657"/>
+            <a:ext cx="1874109" cy="264422"/>
           </a:xfrm>
           <a:prstGeom prst="rect">
             <a:avLst/>
@@ -3422,10 +3392,10 @@
           <a:p>
             <a:pPr algn="ctr"/>
             <a:r>
-              <a:rPr lang="en-US" sz="1200" dirty="0" smtClean="0"/>
+              <a:rPr lang="en-US" sz="800" dirty="0" smtClean="0"/>
               <a:t>shouldComponentUpdate()</a:t>
             </a:r>
-            <a:endParaRPr lang="en-US" sz="1200" dirty="0"/>
+            <a:endParaRPr lang="en-US" sz="800" dirty="0"/>
           </a:p>
         </p:txBody>
       </p:sp>
@@ -3437,8 +3407,8 @@
         </p:nvSpPr>
         <p:spPr>
           <a:xfrm>
-            <a:off x="4864441" y="4790643"/>
-            <a:ext cx="2631989" cy="906161"/>
+            <a:off x="4612957" y="5148196"/>
+            <a:ext cx="2253049" cy="264422"/>
           </a:xfrm>
           <a:prstGeom prst="rect">
             <a:avLst/>
@@ -3466,10 +3436,10 @@
           <a:p>
             <a:pPr algn="ctr"/>
             <a:r>
-              <a:rPr lang="en-US" sz="1200" dirty="0" smtClean="0"/>
+              <a:rPr lang="en-US" sz="800" dirty="0" smtClean="0"/>
               <a:t>getSnapshotBeforeUpdate()</a:t>
             </a:r>
-            <a:endParaRPr lang="en-US" sz="1200" dirty="0"/>
+            <a:endParaRPr lang="en-US" sz="800" dirty="0"/>
           </a:p>
         </p:txBody>
       </p:sp>
@@ -3481,8 +3451,8 @@
         </p:nvSpPr>
         <p:spPr>
           <a:xfrm>
-            <a:off x="5306665" y="5890055"/>
-            <a:ext cx="1747538" cy="626076"/>
+            <a:off x="6566768" y="6500468"/>
+            <a:ext cx="1693163" cy="239355"/>
           </a:xfrm>
           <a:prstGeom prst="rect">
             <a:avLst/>
@@ -3510,10 +3480,10 @@
           <a:p>
             <a:pPr algn="ctr"/>
             <a:r>
-              <a:rPr lang="en-US" sz="1200" dirty="0" smtClean="0"/>
+              <a:rPr lang="en-US" sz="800" dirty="0" smtClean="0"/>
               <a:t>componentDidUpdate()</a:t>
             </a:r>
-            <a:endParaRPr lang="en-US" sz="1200" dirty="0"/>
+            <a:endParaRPr lang="en-US" sz="800" dirty="0"/>
           </a:p>
         </p:txBody>
       </p:sp>
@@ -3525,8 +3495,8 @@
         </p:nvSpPr>
         <p:spPr>
           <a:xfrm>
-            <a:off x="8827866" y="4438305"/>
-            <a:ext cx="2100650" cy="626076"/>
+            <a:off x="10161818" y="2863302"/>
+            <a:ext cx="1391755" cy="333140"/>
           </a:xfrm>
           <a:prstGeom prst="rect">
             <a:avLst/>
@@ -3554,14 +3524,10 @@
           <a:p>
             <a:pPr algn="ctr"/>
             <a:r>
-              <a:rPr lang="en-US" sz="1200" dirty="0" err="1" smtClean="0"/>
-              <a:t>componentWillUnmount</a:t>
-            </a:r>
-            <a:r>
-              <a:rPr lang="en-US" sz="1200" dirty="0" smtClean="0"/>
-              <a:t>()</a:t>
-            </a:r>
-            <a:endParaRPr lang="en-US" sz="1200" dirty="0"/>
+              <a:rPr lang="en-US" sz="800" dirty="0" smtClean="0"/>
+              <a:t>componentWillUnmount()</a:t>
+            </a:r>
+            <a:endParaRPr lang="en-US" sz="800" dirty="0"/>
           </a:p>
         </p:txBody>
       </p:sp>
@@ -3575,9 +3541,9 @@
           <p:nvPr/>
         </p:nvCxnSpPr>
         <p:spPr>
-          <a:xfrm rot="5400000">
-            <a:off x="8585281" y="2166121"/>
-            <a:ext cx="3565094" cy="979274"/>
+          <a:xfrm rot="16200000" flipH="1">
+            <a:off x="9862535" y="1868140"/>
+            <a:ext cx="1990091" cy="231"/>
           </a:xfrm>
           <a:prstGeom prst="bentConnector3">
             <a:avLst/>
@@ -3612,8 +3578,8 @@
         </p:nvCxnSpPr>
         <p:spPr>
           <a:xfrm flipH="1">
-            <a:off x="1360274" y="2982930"/>
-            <a:ext cx="7210" cy="799272"/>
+            <a:off x="1367481" y="1817978"/>
+            <a:ext cx="4971" cy="115896"/>
           </a:xfrm>
           <a:prstGeom prst="straightConnector1">
             <a:avLst/>
@@ -3645,8 +3611,8 @@
         </p:nvSpPr>
         <p:spPr>
           <a:xfrm>
-            <a:off x="5570832" y="342318"/>
-            <a:ext cx="1219203" cy="612436"/>
+            <a:off x="6688451" y="360043"/>
+            <a:ext cx="1219203" cy="334352"/>
           </a:xfrm>
           <a:prstGeom prst="rect">
             <a:avLst/>
@@ -3672,7 +3638,7 @@
           <a:p>
             <a:pPr algn="ctr"/>
             <a:r>
-              <a:rPr lang="en-US" sz="1200" dirty="0">
+              <a:rPr lang="en-US" sz="800" dirty="0">
                 <a:ln w="0"/>
                 <a:solidFill>
                   <a:schemeClr val="accent1"/>
@@ -3688,7 +3654,7 @@
               <a:t>Waits until </a:t>
             </a:r>
             <a:r>
-              <a:rPr lang="en-US" sz="1200" dirty="0" smtClean="0">
+              <a:rPr lang="en-US" sz="800" dirty="0" smtClean="0">
                 <a:ln w="0"/>
                 <a:solidFill>
                   <a:schemeClr val="accent1"/>
@@ -3704,7 +3670,7 @@
               <a:t>props/state </a:t>
             </a:r>
             <a:r>
-              <a:rPr lang="en-US" sz="1200" dirty="0">
+              <a:rPr lang="en-US" sz="800" dirty="0">
                 <a:ln w="0"/>
                 <a:solidFill>
                   <a:schemeClr val="accent1"/>
@@ -3730,8 +3696,8 @@
         </p:nvSpPr>
         <p:spPr>
           <a:xfrm>
-            <a:off x="8477761" y="5793429"/>
-            <a:ext cx="2800860" cy="276999"/>
+            <a:off x="10043191" y="4324815"/>
+            <a:ext cx="1628548" cy="338554"/>
           </a:xfrm>
           <a:prstGeom prst="rect">
             <a:avLst/>
@@ -3759,7 +3725,7 @@
           <a:p>
             <a:pPr algn="ctr"/>
             <a:r>
-              <a:rPr lang="en-US" sz="1200" dirty="0" smtClean="0">
+              <a:rPr lang="en-US" sz="800" dirty="0" smtClean="0">
                 <a:ln w="0"/>
                 <a:solidFill>
                   <a:schemeClr val="accent1"/>
@@ -3775,7 +3741,7 @@
               <a:t>Component </a:t>
             </a:r>
             <a:r>
-              <a:rPr lang="en-US" sz="1200" dirty="0">
+              <a:rPr lang="en-US" sz="800" dirty="0">
                 <a:ln w="0"/>
                 <a:solidFill>
                   <a:schemeClr val="accent1"/>
@@ -3803,9 +3769,9 @@
           <p:nvPr/>
         </p:nvCxnSpPr>
         <p:spPr>
-          <a:xfrm>
-            <a:off x="9878191" y="5064381"/>
-            <a:ext cx="0" cy="729048"/>
+          <a:xfrm flipH="1">
+            <a:off x="10857465" y="3196442"/>
+            <a:ext cx="231" cy="1128373"/>
           </a:xfrm>
           <a:prstGeom prst="straightConnector1">
             <a:avLst/>
@@ -3840,8 +3806,8 @@
         </p:nvCxnSpPr>
         <p:spPr>
           <a:xfrm>
-            <a:off x="1367481" y="873211"/>
-            <a:ext cx="0" cy="222421"/>
+            <a:off x="1367481" y="469556"/>
+            <a:ext cx="0" cy="207114"/>
           </a:xfrm>
           <a:prstGeom prst="straightConnector1">
             <a:avLst/>
@@ -3876,8 +3842,8 @@
         </p:nvCxnSpPr>
         <p:spPr>
           <a:xfrm>
-            <a:off x="1367481" y="1721708"/>
-            <a:ext cx="3" cy="220554"/>
+            <a:off x="1367481" y="897224"/>
+            <a:ext cx="4971" cy="261771"/>
           </a:xfrm>
           <a:prstGeom prst="straightConnector1">
             <a:avLst/>
@@ -3901,78 +3867,6 @@
           </a:fontRef>
         </p:style>
       </p:cxnSp>
-      <p:cxnSp>
-        <p:nvCxnSpPr>
-          <p:cNvPr id="74" name="Elbow Connector 73"/>
-          <p:cNvCxnSpPr>
-            <a:stCxn id="89" idx="1"/>
-            <a:endCxn id="31" idx="0"/>
-          </p:cNvCxnSpPr>
-          <p:nvPr/>
-        </p:nvCxnSpPr>
-        <p:spPr>
-          <a:xfrm rot="10800000" flipV="1">
-            <a:off x="4524634" y="648536"/>
-            <a:ext cx="1046199" cy="329222"/>
-          </a:xfrm>
-          <a:prstGeom prst="bentConnector2">
-            <a:avLst/>
-          </a:prstGeom>
-          <a:ln>
-            <a:tailEnd type="triangle"/>
-          </a:ln>
-        </p:spPr>
-        <p:style>
-          <a:lnRef idx="1">
-            <a:schemeClr val="accent1"/>
-          </a:lnRef>
-          <a:fillRef idx="0">
-            <a:schemeClr val="accent1"/>
-          </a:fillRef>
-          <a:effectRef idx="0">
-            <a:schemeClr val="accent1"/>
-          </a:effectRef>
-          <a:fontRef idx="minor">
-            <a:schemeClr val="tx1"/>
-          </a:fontRef>
-        </p:style>
-      </p:cxnSp>
-      <p:cxnSp>
-        <p:nvCxnSpPr>
-          <p:cNvPr id="76" name="Elbow Connector 75"/>
-          <p:cNvCxnSpPr>
-            <a:stCxn id="89" idx="3"/>
-            <a:endCxn id="32" idx="0"/>
-          </p:cNvCxnSpPr>
-          <p:nvPr/>
-        </p:nvCxnSpPr>
-        <p:spPr>
-          <a:xfrm>
-            <a:off x="6790035" y="648536"/>
-            <a:ext cx="912341" cy="320196"/>
-          </a:xfrm>
-          <a:prstGeom prst="bentConnector2">
-            <a:avLst/>
-          </a:prstGeom>
-          <a:ln>
-            <a:tailEnd type="triangle"/>
-          </a:ln>
-        </p:spPr>
-        <p:style>
-          <a:lnRef idx="1">
-            <a:schemeClr val="accent1"/>
-          </a:lnRef>
-          <a:fillRef idx="0">
-            <a:schemeClr val="accent1"/>
-          </a:fillRef>
-          <a:effectRef idx="0">
-            <a:schemeClr val="accent1"/>
-          </a:effectRef>
-          <a:fontRef idx="minor">
-            <a:schemeClr val="tx1"/>
-          </a:fontRef>
-        </p:style>
-      </p:cxnSp>
       <p:sp>
         <p:nvSpPr>
           <p:cNvPr id="87" name="Rectangle 86"/>
@@ -3981,8 +3875,8 @@
         </p:nvSpPr>
         <p:spPr>
           <a:xfrm>
-            <a:off x="4944765" y="1942262"/>
-            <a:ext cx="2471351" cy="1040668"/>
+            <a:off x="6639014" y="1664940"/>
+            <a:ext cx="1856231" cy="515097"/>
           </a:xfrm>
           <a:prstGeom prst="rect">
             <a:avLst/>
@@ -4010,31 +3904,31 @@
           <a:p>
             <a:pPr algn="ctr"/>
             <a:r>
-              <a:rPr lang="en-US" sz="1200" dirty="0" smtClean="0"/>
+              <a:rPr lang="en-US" sz="800" dirty="0" smtClean="0"/>
               <a:t>static getDerivedStateFromProps()</a:t>
             </a:r>
           </a:p>
           <a:p>
             <a:pPr algn="ctr"/>
             <a:r>
-              <a:rPr lang="en-US" sz="1200" dirty="0" smtClean="0"/>
+              <a:rPr lang="en-US" sz="800" dirty="0" smtClean="0"/>
               <a:t>For write something from props to state</a:t>
             </a:r>
           </a:p>
           <a:p>
             <a:pPr algn="ctr"/>
             <a:r>
-              <a:rPr lang="en-US" sz="1200" dirty="0" smtClean="0"/>
+              <a:rPr lang="en-US" sz="800" dirty="0" smtClean="0"/>
               <a:t>Get props</a:t>
             </a:r>
           </a:p>
           <a:p>
             <a:pPr algn="ctr"/>
             <a:r>
-              <a:rPr lang="en-US" sz="1200" dirty="0" smtClean="0"/>
+              <a:rPr lang="en-US" sz="800" dirty="0" smtClean="0"/>
               <a:t>Return object</a:t>
             </a:r>
-            <a:endParaRPr lang="en-US" sz="1200" dirty="0"/>
+            <a:endParaRPr lang="en-US" sz="800" dirty="0"/>
           </a:p>
         </p:txBody>
       </p:sp>
@@ -4049,8 +3943,8 @@
         </p:nvCxnSpPr>
         <p:spPr>
           <a:xfrm rot="16200000" flipH="1">
-            <a:off x="5183323" y="945144"/>
-            <a:ext cx="338428" cy="1655808"/>
+            <a:off x="6547289" y="645098"/>
+            <a:ext cx="637435" cy="1402247"/>
           </a:xfrm>
           <a:prstGeom prst="bentConnector3">
             <a:avLst/>
@@ -4085,8 +3979,8 @@
         </p:nvCxnSpPr>
         <p:spPr>
           <a:xfrm rot="5400000">
-            <a:off x="6767682" y="1007568"/>
-            <a:ext cx="347454" cy="1521935"/>
+            <a:off x="7543850" y="1181421"/>
+            <a:ext cx="506800" cy="460239"/>
           </a:xfrm>
           <a:prstGeom prst="bentConnector3">
             <a:avLst/>
@@ -4118,8 +4012,8 @@
         </p:nvSpPr>
         <p:spPr>
           <a:xfrm>
-            <a:off x="5289630" y="3929202"/>
-            <a:ext cx="1781609" cy="626076"/>
+            <a:off x="6435919" y="2802205"/>
+            <a:ext cx="1647291" cy="235365"/>
           </a:xfrm>
           <a:prstGeom prst="rect">
             <a:avLst/>
@@ -4147,14 +4041,14 @@
           <a:p>
             <a:pPr algn="ctr"/>
             <a:r>
-              <a:rPr lang="en-US" sz="1200" dirty="0"/>
+              <a:rPr lang="en-US" sz="800" dirty="0"/>
               <a:t>r</a:t>
             </a:r>
             <a:r>
-              <a:rPr lang="en-US" sz="1200" dirty="0" smtClean="0"/>
+              <a:rPr lang="en-US" sz="800" dirty="0" smtClean="0"/>
               <a:t>ender()</a:t>
             </a:r>
-            <a:endParaRPr lang="en-US" sz="1200" dirty="0"/>
+            <a:endParaRPr lang="en-US" sz="800" dirty="0"/>
           </a:p>
         </p:txBody>
       </p:sp>
@@ -4169,8 +4063,8 @@
         </p:nvCxnSpPr>
         <p:spPr>
           <a:xfrm rot="5400000">
-            <a:off x="6062758" y="3100611"/>
-            <a:ext cx="235365" cy="2"/>
+            <a:off x="7316540" y="2123067"/>
+            <a:ext cx="193620" cy="307561"/>
           </a:xfrm>
           <a:prstGeom prst="bentConnector3">
             <a:avLst/>
@@ -4205,124 +4099,14 @@
         </p:nvCxnSpPr>
         <p:spPr>
           <a:xfrm flipH="1" flipV="1">
-            <a:off x="6180434" y="342318"/>
-            <a:ext cx="937059" cy="3189015"/>
+            <a:off x="7298053" y="360043"/>
+            <a:ext cx="898570" cy="2145825"/>
           </a:xfrm>
           <a:prstGeom prst="bentConnector4">
             <a:avLst>
-              <a:gd name="adj1" fmla="val -201977"/>
-              <a:gd name="adj2" fmla="val 107168"/>
+              <a:gd name="adj1" fmla="val -74201"/>
+              <a:gd name="adj2" fmla="val 110653"/>
             </a:avLst>
-          </a:prstGeom>
-          <a:ln>
-            <a:tailEnd type="triangle"/>
-          </a:ln>
-        </p:spPr>
-        <p:style>
-          <a:lnRef idx="1">
-            <a:schemeClr val="accent1"/>
-          </a:lnRef>
-          <a:fillRef idx="0">
-            <a:schemeClr val="accent1"/>
-          </a:fillRef>
-          <a:effectRef idx="0">
-            <a:schemeClr val="accent1"/>
-          </a:effectRef>
-          <a:fontRef idx="minor">
-            <a:schemeClr val="tx1"/>
-          </a:fontRef>
-        </p:style>
-      </p:cxnSp>
-      <p:cxnSp>
-        <p:nvCxnSpPr>
-          <p:cNvPr id="111" name="Elbow Connector 110"/>
-          <p:cNvCxnSpPr>
-            <a:stCxn id="36" idx="1"/>
-            <a:endCxn id="103" idx="1"/>
-          </p:cNvCxnSpPr>
-          <p:nvPr/>
-        </p:nvCxnSpPr>
-        <p:spPr>
-          <a:xfrm rot="10800000" flipH="1" flipV="1">
-            <a:off x="5243384" y="3531332"/>
-            <a:ext cx="46246" cy="710907"/>
-          </a:xfrm>
-          <a:prstGeom prst="bentConnector3">
-            <a:avLst>
-              <a:gd name="adj1" fmla="val -2649695"/>
-            </a:avLst>
-          </a:prstGeom>
-          <a:ln>
-            <a:tailEnd type="triangle"/>
-          </a:ln>
-        </p:spPr>
-        <p:style>
-          <a:lnRef idx="1">
-            <a:schemeClr val="accent1"/>
-          </a:lnRef>
-          <a:fillRef idx="0">
-            <a:schemeClr val="accent1"/>
-          </a:fillRef>
-          <a:effectRef idx="0">
-            <a:schemeClr val="accent1"/>
-          </a:effectRef>
-          <a:fontRef idx="minor">
-            <a:schemeClr val="tx1"/>
-          </a:fontRef>
-        </p:style>
-      </p:cxnSp>
-      <p:cxnSp>
-        <p:nvCxnSpPr>
-          <p:cNvPr id="114" name="Elbow Connector 113"/>
-          <p:cNvCxnSpPr>
-            <a:stCxn id="103" idx="2"/>
-            <a:endCxn id="37" idx="0"/>
-          </p:cNvCxnSpPr>
-          <p:nvPr/>
-        </p:nvCxnSpPr>
-        <p:spPr>
-          <a:xfrm rot="16200000" flipH="1">
-            <a:off x="6062753" y="4672959"/>
-            <a:ext cx="235365" cy="1"/>
-          </a:xfrm>
-          <a:prstGeom prst="bentConnector3">
-            <a:avLst/>
-          </a:prstGeom>
-          <a:ln>
-            <a:tailEnd type="triangle"/>
-          </a:ln>
-        </p:spPr>
-        <p:style>
-          <a:lnRef idx="1">
-            <a:schemeClr val="accent1"/>
-          </a:lnRef>
-          <a:fillRef idx="0">
-            <a:schemeClr val="accent1"/>
-          </a:fillRef>
-          <a:effectRef idx="0">
-            <a:schemeClr val="accent1"/>
-          </a:effectRef>
-          <a:fontRef idx="minor">
-            <a:schemeClr val="tx1"/>
-          </a:fontRef>
-        </p:style>
-      </p:cxnSp>
-      <p:cxnSp>
-        <p:nvCxnSpPr>
-          <p:cNvPr id="125" name="Elbow Connector 124"/>
-          <p:cNvCxnSpPr>
-            <a:stCxn id="37" idx="2"/>
-            <a:endCxn id="38" idx="0"/>
-          </p:cNvCxnSpPr>
-          <p:nvPr/>
-        </p:nvCxnSpPr>
-        <p:spPr>
-          <a:xfrm rot="5400000">
-            <a:off x="6083810" y="5793428"/>
-            <a:ext cx="193251" cy="2"/>
-          </a:xfrm>
-          <a:prstGeom prst="bentConnector3">
-            <a:avLst/>
           </a:prstGeom>
           <a:ln>
             <a:tailEnd type="triangle"/>
@@ -4354,14 +4138,14 @@
         </p:nvCxnSpPr>
         <p:spPr>
           <a:xfrm rot="5400000" flipH="1" flipV="1">
-            <a:off x="1096284" y="606308"/>
-            <a:ext cx="5348139" cy="4820160"/>
+            <a:off x="1679151" y="-112999"/>
+            <a:ext cx="5145859" cy="6091944"/>
           </a:xfrm>
           <a:prstGeom prst="bentConnector5">
             <a:avLst>
-              <a:gd name="adj1" fmla="val -14748"/>
-              <a:gd name="adj2" fmla="val 39746"/>
-              <a:gd name="adj3" fmla="val 104274"/>
+              <a:gd name="adj1" fmla="val -4442"/>
+              <a:gd name="adj2" fmla="val 52028"/>
+              <a:gd name="adj3" fmla="val 104442"/>
             </a:avLst>
           </a:prstGeom>
           <a:ln>
@@ -4391,8 +4175,8 @@
         </p:nvSpPr>
         <p:spPr>
           <a:xfrm>
-            <a:off x="3515710" y="2577662"/>
-            <a:ext cx="1198180" cy="461665"/>
+            <a:off x="4483842" y="1451546"/>
+            <a:ext cx="1198180" cy="338554"/>
           </a:xfrm>
           <a:prstGeom prst="rect">
             <a:avLst/>
@@ -4418,11 +4202,20 @@
           </a:bodyPr>
           <a:lstStyle/>
           <a:p>
-            <a:r>
-              <a:rPr lang="en-US" sz="1200" dirty="0" smtClean="0"/>
-              <a:t>This.state is no updated here</a:t>
-            </a:r>
-            <a:endParaRPr lang="en-US" sz="1200" dirty="0"/>
+            <a:pPr algn="ctr"/>
+            <a:r>
+              <a:rPr lang="en-US" sz="800" dirty="0"/>
+              <a:t>t</a:t>
+            </a:r>
+            <a:r>
+              <a:rPr lang="en-US" sz="800" dirty="0" smtClean="0"/>
+              <a:t>his.state </a:t>
+            </a:r>
+            <a:r>
+              <a:rPr lang="en-US" sz="800" dirty="0" smtClean="0"/>
+              <a:t>is no updated here</a:t>
+            </a:r>
+            <a:endParaRPr lang="en-US" sz="800" dirty="0"/>
           </a:p>
         </p:txBody>
       </p:sp>
@@ -4431,16 +4224,19 @@
           <p:cNvPr id="6" name="Elbow Connector 5"/>
           <p:cNvCxnSpPr>
             <a:stCxn id="2" idx="3"/>
+            <a:endCxn id="36" idx="1"/>
           </p:cNvCxnSpPr>
           <p:nvPr/>
         </p:nvCxnSpPr>
         <p:spPr>
           <a:xfrm>
-            <a:off x="4713890" y="2808495"/>
-            <a:ext cx="150551" cy="533795"/>
-          </a:xfrm>
-          <a:prstGeom prst="bentConnector2">
-            <a:avLst/>
+            <a:off x="5682022" y="1620823"/>
+            <a:ext cx="640492" cy="885045"/>
+          </a:xfrm>
+          <a:prstGeom prst="bentConnector3">
+            <a:avLst>
+              <a:gd name="adj1" fmla="val 50000"/>
+            </a:avLst>
           </a:prstGeom>
           <a:ln>
             <a:tailEnd type="triangle"/>
@@ -4463,14 +4259,1311 @@
       </p:cxnSp>
       <p:cxnSp>
         <p:nvCxnSpPr>
-          <p:cNvPr id="9" name="Elbow Connector 8"/>
-          <p:cNvCxnSpPr/>
+          <p:cNvPr id="83" name="Elbow Connector 82"/>
+          <p:cNvCxnSpPr>
+            <a:stCxn id="36" idx="2"/>
+            <a:endCxn id="103" idx="0"/>
+          </p:cNvCxnSpPr>
           <p:nvPr/>
         </p:nvCxnSpPr>
         <p:spPr>
+          <a:xfrm rot="5400000">
+            <a:off x="7177504" y="2720140"/>
+            <a:ext cx="164126" cy="4"/>
+          </a:xfrm>
+          <a:prstGeom prst="bentConnector3">
+            <a:avLst/>
+          </a:prstGeom>
+          <a:ln>
+            <a:tailEnd type="triangle"/>
+          </a:ln>
+        </p:spPr>
+        <p:style>
+          <a:lnRef idx="1">
+            <a:schemeClr val="accent1"/>
+          </a:lnRef>
+          <a:fillRef idx="0">
+            <a:schemeClr val="accent1"/>
+          </a:fillRef>
+          <a:effectRef idx="0">
+            <a:schemeClr val="accent1"/>
+          </a:effectRef>
+          <a:fontRef idx="minor">
+            <a:schemeClr val="tx1"/>
+          </a:fontRef>
+        </p:style>
+      </p:cxnSp>
+      <p:sp>
+        <p:nvSpPr>
+          <p:cNvPr id="88" name="TextBox 87"/>
+          <p:cNvSpPr txBox="1"/>
+          <p:nvPr/>
+        </p:nvSpPr>
+        <p:spPr>
           <a:xfrm>
-            <a:off x="4864441" y="3342290"/>
-            <a:ext cx="378942" cy="63062"/>
+            <a:off x="3008120" y="5241362"/>
+            <a:ext cx="1065084" cy="338554"/>
+          </a:xfrm>
+          <a:prstGeom prst="rect">
+            <a:avLst/>
+          </a:prstGeom>
+        </p:spPr>
+        <p:style>
+          <a:lnRef idx="2">
+            <a:schemeClr val="accent6">
+              <a:shade val="50000"/>
+            </a:schemeClr>
+          </a:lnRef>
+          <a:fillRef idx="1">
+            <a:schemeClr val="accent6"/>
+          </a:fillRef>
+          <a:effectRef idx="0">
+            <a:schemeClr val="accent6"/>
+          </a:effectRef>
+          <a:fontRef idx="minor">
+            <a:schemeClr val="lt1"/>
+          </a:fontRef>
+        </p:style>
+        <p:txBody>
+          <a:bodyPr wrap="square" rtlCol="0">
+            <a:spAutoFit/>
+          </a:bodyPr>
+          <a:lstStyle/>
+          <a:p>
+            <a:pPr algn="ctr"/>
+            <a:r>
+              <a:rPr lang="en-US" sz="800" dirty="0" smtClean="0"/>
+              <a:t>Excellent place to get </a:t>
+            </a:r>
+            <a:r>
+              <a:rPr lang="en-US" sz="800" dirty="0" smtClean="0">
+                <a:hlinkClick r:id="rId2" action="ppaction://hlinksldjump"/>
+              </a:rPr>
+              <a:t>side effects</a:t>
+            </a:r>
+            <a:endParaRPr lang="en-US" sz="800" dirty="0"/>
+          </a:p>
+        </p:txBody>
+      </p:sp>
+      <p:sp>
+        <p:nvSpPr>
+          <p:cNvPr id="93" name="TextBox 92"/>
+          <p:cNvSpPr txBox="1"/>
+          <p:nvPr/>
+        </p:nvSpPr>
+        <p:spPr>
+          <a:xfrm>
+            <a:off x="1063851" y="6281592"/>
+            <a:ext cx="1678264" cy="338554"/>
+          </a:xfrm>
+          <a:prstGeom prst="rect">
+            <a:avLst/>
+          </a:prstGeom>
+        </p:spPr>
+        <p:style>
+          <a:lnRef idx="2">
+            <a:schemeClr val="accent6">
+              <a:shade val="50000"/>
+            </a:schemeClr>
+          </a:lnRef>
+          <a:fillRef idx="1">
+            <a:schemeClr val="accent6"/>
+          </a:fillRef>
+          <a:effectRef idx="0">
+            <a:schemeClr val="accent6"/>
+          </a:effectRef>
+          <a:fontRef idx="minor">
+            <a:schemeClr val="lt1"/>
+          </a:fontRef>
+        </p:style>
+        <p:txBody>
+          <a:bodyPr wrap="square" rtlCol="0">
+            <a:spAutoFit/>
+          </a:bodyPr>
+          <a:lstStyle/>
+          <a:p>
+            <a:pPr algn="ctr"/>
+            <a:r>
+              <a:rPr lang="en-US" sz="800" dirty="0" smtClean="0"/>
+              <a:t>draw/update</a:t>
+            </a:r>
+          </a:p>
+          <a:p>
+            <a:pPr algn="ctr"/>
+            <a:r>
+              <a:rPr lang="en-US" sz="800" dirty="0" smtClean="0"/>
+              <a:t>component on front</a:t>
+            </a:r>
+            <a:endParaRPr lang="en-US" sz="800" dirty="0"/>
+          </a:p>
+        </p:txBody>
+      </p:sp>
+      <p:cxnSp>
+        <p:nvCxnSpPr>
+          <p:cNvPr id="95" name="Elbow Connector 94"/>
+          <p:cNvCxnSpPr>
+            <a:stCxn id="93" idx="3"/>
+            <a:endCxn id="38" idx="1"/>
+          </p:cNvCxnSpPr>
+          <p:nvPr/>
+        </p:nvCxnSpPr>
+        <p:spPr>
+          <a:xfrm>
+            <a:off x="2742115" y="6450869"/>
+            <a:ext cx="3824653" cy="169277"/>
+          </a:xfrm>
+          <a:prstGeom prst="bentConnector3">
+            <a:avLst/>
+          </a:prstGeom>
+          <a:ln>
+            <a:tailEnd type="triangle"/>
+          </a:ln>
+        </p:spPr>
+        <p:style>
+          <a:lnRef idx="1">
+            <a:schemeClr val="accent1"/>
+          </a:lnRef>
+          <a:fillRef idx="0">
+            <a:schemeClr val="accent1"/>
+          </a:fillRef>
+          <a:effectRef idx="0">
+            <a:schemeClr val="accent1"/>
+          </a:effectRef>
+          <a:fontRef idx="minor">
+            <a:schemeClr val="tx1"/>
+          </a:fontRef>
+        </p:style>
+      </p:cxnSp>
+      <p:cxnSp>
+        <p:nvCxnSpPr>
+          <p:cNvPr id="101" name="Elbow Connector 100"/>
+          <p:cNvCxnSpPr>
+            <a:stCxn id="93" idx="1"/>
+            <a:endCxn id="26" idx="1"/>
+          </p:cNvCxnSpPr>
+          <p:nvPr/>
+        </p:nvCxnSpPr>
+        <p:spPr>
+          <a:xfrm rot="10800000">
+            <a:off x="349375" y="5410641"/>
+            <a:ext cx="714477" cy="1040229"/>
+          </a:xfrm>
+          <a:prstGeom prst="bentConnector3">
+            <a:avLst>
+              <a:gd name="adj1" fmla="val 131995"/>
+            </a:avLst>
+          </a:prstGeom>
+          <a:ln>
+            <a:tailEnd type="triangle"/>
+          </a:ln>
+        </p:spPr>
+        <p:style>
+          <a:lnRef idx="1">
+            <a:schemeClr val="accent1"/>
+          </a:lnRef>
+          <a:fillRef idx="0">
+            <a:schemeClr val="accent1"/>
+          </a:fillRef>
+          <a:effectRef idx="0">
+            <a:schemeClr val="accent1"/>
+          </a:effectRef>
+          <a:fontRef idx="minor">
+            <a:schemeClr val="tx1"/>
+          </a:fontRef>
+        </p:style>
+      </p:cxnSp>
+      <p:cxnSp>
+        <p:nvCxnSpPr>
+          <p:cNvPr id="106" name="Elbow Connector 105"/>
+          <p:cNvCxnSpPr>
+            <a:stCxn id="38" idx="3"/>
+            <a:endCxn id="89" idx="0"/>
+          </p:cNvCxnSpPr>
+          <p:nvPr/>
+        </p:nvCxnSpPr>
+        <p:spPr>
+          <a:xfrm flipH="1" flipV="1">
+            <a:off x="7298053" y="360043"/>
+            <a:ext cx="961878" cy="6260103"/>
+          </a:xfrm>
+          <a:prstGeom prst="bentConnector4">
+            <a:avLst>
+              <a:gd name="adj1" fmla="val -168001"/>
+              <a:gd name="adj2" fmla="val 103652"/>
+            </a:avLst>
+          </a:prstGeom>
+          <a:ln>
+            <a:tailEnd type="triangle"/>
+          </a:ln>
+        </p:spPr>
+        <p:style>
+          <a:lnRef idx="1">
+            <a:schemeClr val="accent1"/>
+          </a:lnRef>
+          <a:fillRef idx="0">
+            <a:schemeClr val="accent1"/>
+          </a:fillRef>
+          <a:effectRef idx="0">
+            <a:schemeClr val="accent1"/>
+          </a:effectRef>
+          <a:fontRef idx="minor">
+            <a:schemeClr val="tx1"/>
+          </a:fontRef>
+        </p:style>
+      </p:cxnSp>
+      <p:sp>
+        <p:nvSpPr>
+          <p:cNvPr id="156" name="TextBox 155"/>
+          <p:cNvSpPr txBox="1"/>
+          <p:nvPr/>
+        </p:nvSpPr>
+        <p:spPr>
+          <a:xfrm>
+            <a:off x="252061" y="3267512"/>
+            <a:ext cx="1623580" cy="584775"/>
+          </a:xfrm>
+          <a:prstGeom prst="rect">
+            <a:avLst/>
+          </a:prstGeom>
+          <a:solidFill>
+            <a:schemeClr val="accent1">
+              <a:alpha val="50000"/>
+            </a:schemeClr>
+          </a:solidFill>
+          <a:ln>
+            <a:noFill/>
+          </a:ln>
+        </p:spPr>
+        <p:style>
+          <a:lnRef idx="0">
+            <a:scrgbClr r="0" g="0" b="0"/>
+          </a:lnRef>
+          <a:fillRef idx="0">
+            <a:scrgbClr r="0" g="0" b="0"/>
+          </a:fillRef>
+          <a:effectRef idx="0">
+            <a:scrgbClr r="0" g="0" b="0"/>
+          </a:effectRef>
+          <a:fontRef idx="minor">
+            <a:schemeClr val="lt1"/>
+          </a:fontRef>
+        </p:style>
+        <p:txBody>
+          <a:bodyPr wrap="square" rtlCol="0">
+            <a:spAutoFit/>
+          </a:bodyPr>
+          <a:lstStyle/>
+          <a:p>
+            <a:pPr algn="ctr"/>
+            <a:r>
+              <a:rPr lang="en-US" sz="800" dirty="0" smtClean="0"/>
+              <a:t>Child’s</a:t>
+            </a:r>
+          </a:p>
+          <a:p>
+            <a:pPr algn="ctr"/>
+            <a:r>
+              <a:rPr lang="en-US" sz="800" dirty="0" smtClean="0"/>
+              <a:t>constructor() </a:t>
+            </a:r>
+          </a:p>
+          <a:p>
+            <a:pPr algn="ctr"/>
+            <a:r>
+              <a:rPr lang="en-US" sz="800" dirty="0" smtClean="0"/>
+              <a:t>static </a:t>
+            </a:r>
+            <a:r>
+              <a:rPr lang="en-US" sz="800" dirty="0"/>
+              <a:t>getDerivedStateFromProps</a:t>
+            </a:r>
+            <a:r>
+              <a:rPr lang="en-US" sz="800" dirty="0" smtClean="0"/>
+              <a:t>()</a:t>
+            </a:r>
+          </a:p>
+          <a:p>
+            <a:pPr algn="ctr"/>
+            <a:r>
+              <a:rPr lang="en-US" sz="800" dirty="0" smtClean="0"/>
+              <a:t>render()</a:t>
+            </a:r>
+            <a:endParaRPr lang="en-US" sz="800" dirty="0"/>
+          </a:p>
+        </p:txBody>
+      </p:sp>
+      <p:sp>
+        <p:nvSpPr>
+          <p:cNvPr id="169" name="TextBox 168"/>
+          <p:cNvSpPr txBox="1"/>
+          <p:nvPr/>
+        </p:nvSpPr>
+        <p:spPr>
+          <a:xfrm>
+            <a:off x="178786" y="4287763"/>
+            <a:ext cx="1623580" cy="338554"/>
+          </a:xfrm>
+          <a:prstGeom prst="rect">
+            <a:avLst/>
+          </a:prstGeom>
+          <a:solidFill>
+            <a:schemeClr val="accent1">
+              <a:alpha val="50000"/>
+            </a:schemeClr>
+          </a:solidFill>
+          <a:ln>
+            <a:noFill/>
+          </a:ln>
+        </p:spPr>
+        <p:style>
+          <a:lnRef idx="0">
+            <a:scrgbClr r="0" g="0" b="0"/>
+          </a:lnRef>
+          <a:fillRef idx="0">
+            <a:scrgbClr r="0" g="0" b="0"/>
+          </a:fillRef>
+          <a:effectRef idx="0">
+            <a:scrgbClr r="0" g="0" b="0"/>
+          </a:effectRef>
+          <a:fontRef idx="minor">
+            <a:schemeClr val="lt1"/>
+          </a:fontRef>
+        </p:style>
+        <p:txBody>
+          <a:bodyPr wrap="square" rtlCol="0">
+            <a:spAutoFit/>
+          </a:bodyPr>
+          <a:lstStyle/>
+          <a:p>
+            <a:pPr algn="ctr"/>
+            <a:r>
+              <a:rPr lang="en-US" sz="800" dirty="0" smtClean="0"/>
+              <a:t>Child’s</a:t>
+            </a:r>
+          </a:p>
+          <a:p>
+            <a:pPr algn="ctr"/>
+            <a:r>
+              <a:rPr lang="en-US" sz="800" dirty="0"/>
+              <a:t>componentDidiMount</a:t>
+            </a:r>
+            <a:r>
+              <a:rPr lang="en-US" sz="800" dirty="0" smtClean="0"/>
+              <a:t>()</a:t>
+            </a:r>
+            <a:endParaRPr lang="en-US" sz="800" dirty="0"/>
+          </a:p>
+        </p:txBody>
+      </p:sp>
+      <p:cxnSp>
+        <p:nvCxnSpPr>
+          <p:cNvPr id="191" name="Elbow Connector 190"/>
+          <p:cNvCxnSpPr>
+            <a:stCxn id="88" idx="1"/>
+            <a:endCxn id="26" idx="3"/>
+          </p:cNvCxnSpPr>
+          <p:nvPr/>
+        </p:nvCxnSpPr>
+        <p:spPr>
+          <a:xfrm rot="10800000" flipV="1">
+            <a:off x="2062844" y="5410638"/>
+            <a:ext cx="945276" cy="1"/>
+          </a:xfrm>
+          <a:prstGeom prst="bentConnector3">
+            <a:avLst>
+              <a:gd name="adj1" fmla="val 50000"/>
+            </a:avLst>
+          </a:prstGeom>
+          <a:ln>
+            <a:tailEnd type="triangle"/>
+          </a:ln>
+        </p:spPr>
+        <p:style>
+          <a:lnRef idx="1">
+            <a:schemeClr val="accent1"/>
+          </a:lnRef>
+          <a:fillRef idx="0">
+            <a:schemeClr val="accent1"/>
+          </a:fillRef>
+          <a:effectRef idx="0">
+            <a:schemeClr val="accent1"/>
+          </a:effectRef>
+          <a:fontRef idx="minor">
+            <a:schemeClr val="tx1"/>
+          </a:fontRef>
+        </p:style>
+      </p:cxnSp>
+      <p:sp>
+        <p:nvSpPr>
+          <p:cNvPr id="233" name="Diamond 232"/>
+          <p:cNvSpPr/>
+          <p:nvPr/>
+        </p:nvSpPr>
+        <p:spPr>
+          <a:xfrm>
+            <a:off x="558757" y="2348771"/>
+            <a:ext cx="1630191" cy="627222"/>
+          </a:xfrm>
+          <a:prstGeom prst="diamond">
+            <a:avLst/>
+          </a:prstGeom>
+        </p:spPr>
+        <p:style>
+          <a:lnRef idx="2">
+            <a:schemeClr val="accent1">
+              <a:shade val="50000"/>
+            </a:schemeClr>
+          </a:lnRef>
+          <a:fillRef idx="1">
+            <a:schemeClr val="accent1"/>
+          </a:fillRef>
+          <a:effectRef idx="0">
+            <a:schemeClr val="accent1"/>
+          </a:effectRef>
+          <a:fontRef idx="minor">
+            <a:schemeClr val="lt1"/>
+          </a:fontRef>
+        </p:style>
+        <p:txBody>
+          <a:bodyPr rtlCol="0" anchor="ctr"/>
+          <a:lstStyle/>
+          <a:p>
+            <a:pPr algn="ctr"/>
+            <a:r>
+              <a:rPr lang="en-US" sz="800" dirty="0" smtClean="0"/>
+              <a:t>Has child component?</a:t>
+            </a:r>
+            <a:endParaRPr lang="en-US" sz="800" dirty="0"/>
+          </a:p>
+        </p:txBody>
+      </p:sp>
+      <p:cxnSp>
+        <p:nvCxnSpPr>
+          <p:cNvPr id="235" name="Elbow Connector 234"/>
+          <p:cNvCxnSpPr>
+            <a:stCxn id="233" idx="1"/>
+            <a:endCxn id="156" idx="0"/>
+          </p:cNvCxnSpPr>
+          <p:nvPr/>
+        </p:nvCxnSpPr>
+        <p:spPr>
+          <a:xfrm rot="10800000" flipH="1" flipV="1">
+            <a:off x="558757" y="2662382"/>
+            <a:ext cx="505094" cy="605130"/>
+          </a:xfrm>
+          <a:prstGeom prst="bentConnector4">
+            <a:avLst>
+              <a:gd name="adj1" fmla="val -45259"/>
+              <a:gd name="adj2" fmla="val 75913"/>
+            </a:avLst>
+          </a:prstGeom>
+          <a:ln>
+            <a:tailEnd type="triangle"/>
+          </a:ln>
+        </p:spPr>
+        <p:style>
+          <a:lnRef idx="3">
+            <a:schemeClr val="accent5"/>
+          </a:lnRef>
+          <a:fillRef idx="0">
+            <a:schemeClr val="accent5"/>
+          </a:fillRef>
+          <a:effectRef idx="2">
+            <a:schemeClr val="accent5"/>
+          </a:effectRef>
+          <a:fontRef idx="minor">
+            <a:schemeClr val="tx1"/>
+          </a:fontRef>
+        </p:style>
+      </p:cxnSp>
+      <p:cxnSp>
+        <p:nvCxnSpPr>
+          <p:cNvPr id="239" name="Elbow Connector 238"/>
+          <p:cNvCxnSpPr>
+            <a:stCxn id="25" idx="2"/>
+            <a:endCxn id="233" idx="0"/>
+          </p:cNvCxnSpPr>
+          <p:nvPr/>
+        </p:nvCxnSpPr>
+        <p:spPr>
+          <a:xfrm rot="16200000" flipH="1">
+            <a:off x="1309093" y="2284011"/>
+            <a:ext cx="123148" cy="6372"/>
+          </a:xfrm>
+          <a:prstGeom prst="bentConnector3">
+            <a:avLst/>
+          </a:prstGeom>
+          <a:ln>
+            <a:tailEnd type="triangle"/>
+          </a:ln>
+        </p:spPr>
+        <p:style>
+          <a:lnRef idx="1">
+            <a:schemeClr val="accent1"/>
+          </a:lnRef>
+          <a:fillRef idx="0">
+            <a:schemeClr val="accent1"/>
+          </a:fillRef>
+          <a:effectRef idx="0">
+            <a:schemeClr val="accent1"/>
+          </a:effectRef>
+          <a:fontRef idx="minor">
+            <a:schemeClr val="tx1"/>
+          </a:fontRef>
+        </p:style>
+      </p:cxnSp>
+      <p:cxnSp>
+        <p:nvCxnSpPr>
+          <p:cNvPr id="243" name="Elbow Connector 242"/>
+          <p:cNvCxnSpPr>
+            <a:stCxn id="233" idx="3"/>
+            <a:endCxn id="26" idx="0"/>
+          </p:cNvCxnSpPr>
+          <p:nvPr/>
+        </p:nvCxnSpPr>
+        <p:spPr>
+          <a:xfrm flipH="1">
+            <a:off x="1206109" y="2662382"/>
+            <a:ext cx="982839" cy="2652995"/>
+          </a:xfrm>
+          <a:prstGeom prst="bentConnector4">
+            <a:avLst>
+              <a:gd name="adj1" fmla="val -23259"/>
+              <a:gd name="adj2" fmla="val 78889"/>
+            </a:avLst>
+          </a:prstGeom>
+          <a:ln>
+            <a:solidFill>
+              <a:srgbClr val="FF0000"/>
+            </a:solidFill>
+            <a:tailEnd type="triangle"/>
+          </a:ln>
+        </p:spPr>
+        <p:style>
+          <a:lnRef idx="3">
+            <a:schemeClr val="accent1"/>
+          </a:lnRef>
+          <a:fillRef idx="0">
+            <a:schemeClr val="accent1"/>
+          </a:fillRef>
+          <a:effectRef idx="2">
+            <a:schemeClr val="accent1"/>
+          </a:effectRef>
+          <a:fontRef idx="minor">
+            <a:schemeClr val="tx1"/>
+          </a:fontRef>
+        </p:style>
+      </p:cxnSp>
+      <p:cxnSp>
+        <p:nvCxnSpPr>
+          <p:cNvPr id="318" name="Elbow Connector 317"/>
+          <p:cNvCxnSpPr>
+            <a:stCxn id="156" idx="2"/>
+            <a:endCxn id="169" idx="0"/>
+          </p:cNvCxnSpPr>
+          <p:nvPr/>
+        </p:nvCxnSpPr>
+        <p:spPr>
+          <a:xfrm rot="5400000">
+            <a:off x="809476" y="4033388"/>
+            <a:ext cx="435476" cy="73275"/>
+          </a:xfrm>
+          <a:prstGeom prst="bentConnector3">
+            <a:avLst/>
+          </a:prstGeom>
+          <a:ln>
+            <a:tailEnd type="triangle"/>
+          </a:ln>
+        </p:spPr>
+        <p:style>
+          <a:lnRef idx="3">
+            <a:schemeClr val="accent1"/>
+          </a:lnRef>
+          <a:fillRef idx="0">
+            <a:schemeClr val="accent1"/>
+          </a:fillRef>
+          <a:effectRef idx="2">
+            <a:schemeClr val="accent1"/>
+          </a:effectRef>
+          <a:fontRef idx="minor">
+            <a:schemeClr val="tx1"/>
+          </a:fontRef>
+        </p:style>
+      </p:cxnSp>
+      <p:cxnSp>
+        <p:nvCxnSpPr>
+          <p:cNvPr id="241" name="Elbow Connector 240"/>
+          <p:cNvCxnSpPr>
+            <a:stCxn id="169" idx="2"/>
+            <a:endCxn id="26" idx="0"/>
+          </p:cNvCxnSpPr>
+          <p:nvPr/>
+        </p:nvCxnSpPr>
+        <p:spPr>
+          <a:xfrm rot="16200000" flipH="1">
+            <a:off x="753812" y="4863080"/>
+            <a:ext cx="689060" cy="215533"/>
+          </a:xfrm>
+          <a:prstGeom prst="bentConnector3">
+            <a:avLst/>
+          </a:prstGeom>
+          <a:ln>
+            <a:tailEnd type="triangle"/>
+          </a:ln>
+        </p:spPr>
+        <p:style>
+          <a:lnRef idx="3">
+            <a:schemeClr val="accent1"/>
+          </a:lnRef>
+          <a:fillRef idx="0">
+            <a:schemeClr val="accent1"/>
+          </a:fillRef>
+          <a:effectRef idx="2">
+            <a:schemeClr val="accent1"/>
+          </a:effectRef>
+          <a:fontRef idx="minor">
+            <a:schemeClr val="tx1"/>
+          </a:fontRef>
+        </p:style>
+      </p:cxnSp>
+      <p:sp>
+        <p:nvSpPr>
+          <p:cNvPr id="328" name="TextBox 327"/>
+          <p:cNvSpPr txBox="1"/>
+          <p:nvPr/>
+        </p:nvSpPr>
+        <p:spPr>
+          <a:xfrm>
+            <a:off x="4474792" y="2637439"/>
+            <a:ext cx="1216279" cy="338554"/>
+          </a:xfrm>
+          <a:prstGeom prst="rect">
+            <a:avLst/>
+          </a:prstGeom>
+        </p:spPr>
+        <p:style>
+          <a:lnRef idx="3">
+            <a:schemeClr val="lt1"/>
+          </a:lnRef>
+          <a:fillRef idx="1">
+            <a:schemeClr val="accent2"/>
+          </a:fillRef>
+          <a:effectRef idx="1">
+            <a:schemeClr val="accent2"/>
+          </a:effectRef>
+          <a:fontRef idx="minor">
+            <a:schemeClr val="lt1"/>
+          </a:fontRef>
+        </p:style>
+        <p:txBody>
+          <a:bodyPr wrap="square" rtlCol="0">
+            <a:spAutoFit/>
+          </a:bodyPr>
+          <a:lstStyle/>
+          <a:p>
+            <a:pPr algn="ctr"/>
+            <a:r>
+              <a:rPr lang="en-US" sz="800" dirty="0" smtClean="0"/>
+              <a:t>this.state updated to nextState</a:t>
+            </a:r>
+            <a:endParaRPr lang="en-US" sz="800" dirty="0"/>
+          </a:p>
+        </p:txBody>
+      </p:sp>
+      <p:cxnSp>
+        <p:nvCxnSpPr>
+          <p:cNvPr id="330" name="Elbow Connector 329"/>
+          <p:cNvCxnSpPr>
+            <a:stCxn id="328" idx="3"/>
+            <a:endCxn id="103" idx="1"/>
+          </p:cNvCxnSpPr>
+          <p:nvPr/>
+        </p:nvCxnSpPr>
+        <p:spPr>
+          <a:xfrm>
+            <a:off x="5691071" y="2806716"/>
+            <a:ext cx="744848" cy="113172"/>
+          </a:xfrm>
+          <a:prstGeom prst="bentConnector3">
+            <a:avLst/>
+          </a:prstGeom>
+          <a:ln>
+            <a:tailEnd type="triangle"/>
+          </a:ln>
+        </p:spPr>
+        <p:style>
+          <a:lnRef idx="1">
+            <a:schemeClr val="accent1"/>
+          </a:lnRef>
+          <a:fillRef idx="0">
+            <a:schemeClr val="accent1"/>
+          </a:fillRef>
+          <a:effectRef idx="0">
+            <a:schemeClr val="accent1"/>
+          </a:effectRef>
+          <a:fontRef idx="minor">
+            <a:schemeClr val="tx1"/>
+          </a:fontRef>
+        </p:style>
+      </p:cxnSp>
+      <p:sp>
+        <p:nvSpPr>
+          <p:cNvPr id="343" name="Diamond 342"/>
+          <p:cNvSpPr/>
+          <p:nvPr/>
+        </p:nvSpPr>
+        <p:spPr>
+          <a:xfrm>
+            <a:off x="6444468" y="3196442"/>
+            <a:ext cx="1630191" cy="627222"/>
+          </a:xfrm>
+          <a:prstGeom prst="diamond">
+            <a:avLst/>
+          </a:prstGeom>
+        </p:spPr>
+        <p:style>
+          <a:lnRef idx="2">
+            <a:schemeClr val="accent1">
+              <a:shade val="50000"/>
+            </a:schemeClr>
+          </a:lnRef>
+          <a:fillRef idx="1">
+            <a:schemeClr val="accent1"/>
+          </a:fillRef>
+          <a:effectRef idx="0">
+            <a:schemeClr val="accent1"/>
+          </a:effectRef>
+          <a:fontRef idx="minor">
+            <a:schemeClr val="lt1"/>
+          </a:fontRef>
+        </p:style>
+        <p:txBody>
+          <a:bodyPr rtlCol="0" anchor="ctr"/>
+          <a:lstStyle/>
+          <a:p>
+            <a:pPr algn="ctr"/>
+            <a:r>
+              <a:rPr lang="en-US" sz="800" dirty="0" smtClean="0"/>
+              <a:t>Has child component?</a:t>
+            </a:r>
+            <a:endParaRPr lang="en-US" sz="800" dirty="0"/>
+          </a:p>
+        </p:txBody>
+      </p:sp>
+      <p:cxnSp>
+        <p:nvCxnSpPr>
+          <p:cNvPr id="345" name="Elbow Connector 344"/>
+          <p:cNvCxnSpPr>
+            <a:stCxn id="103" idx="2"/>
+            <a:endCxn id="343" idx="0"/>
+          </p:cNvCxnSpPr>
+          <p:nvPr/>
+        </p:nvCxnSpPr>
+        <p:spPr>
+          <a:xfrm rot="5400000">
+            <a:off x="7180129" y="3117006"/>
+            <a:ext cx="158872" cy="1"/>
+          </a:xfrm>
+          <a:prstGeom prst="bentConnector3">
+            <a:avLst/>
+          </a:prstGeom>
+          <a:ln>
+            <a:tailEnd type="triangle"/>
+          </a:ln>
+        </p:spPr>
+        <p:style>
+          <a:lnRef idx="1">
+            <a:schemeClr val="accent1"/>
+          </a:lnRef>
+          <a:fillRef idx="0">
+            <a:schemeClr val="accent1"/>
+          </a:fillRef>
+          <a:effectRef idx="0">
+            <a:schemeClr val="accent1"/>
+          </a:effectRef>
+          <a:fontRef idx="minor">
+            <a:schemeClr val="tx1"/>
+          </a:fontRef>
+        </p:style>
+      </p:cxnSp>
+      <p:cxnSp>
+        <p:nvCxnSpPr>
+          <p:cNvPr id="347" name="Elbow Connector 346"/>
+          <p:cNvCxnSpPr>
+            <a:stCxn id="343" idx="1"/>
+            <a:endCxn id="350" idx="0"/>
+          </p:cNvCxnSpPr>
+          <p:nvPr/>
+        </p:nvCxnSpPr>
+        <p:spPr>
+          <a:xfrm rot="10800000" flipV="1">
+            <a:off x="5346318" y="3510052"/>
+            <a:ext cx="1098151" cy="145349"/>
+          </a:xfrm>
+          <a:prstGeom prst="bentConnector2">
+            <a:avLst/>
+          </a:prstGeom>
+          <a:ln>
+            <a:tailEnd type="triangle"/>
+          </a:ln>
+        </p:spPr>
+        <p:style>
+          <a:lnRef idx="3">
+            <a:schemeClr val="accent5"/>
+          </a:lnRef>
+          <a:fillRef idx="0">
+            <a:schemeClr val="accent5"/>
+          </a:fillRef>
+          <a:effectRef idx="2">
+            <a:schemeClr val="accent5"/>
+          </a:effectRef>
+          <a:fontRef idx="minor">
+            <a:schemeClr val="tx1"/>
+          </a:fontRef>
+        </p:style>
+      </p:cxnSp>
+      <p:sp>
+        <p:nvSpPr>
+          <p:cNvPr id="350" name="TextBox 349"/>
+          <p:cNvSpPr txBox="1"/>
+          <p:nvPr/>
+        </p:nvSpPr>
+        <p:spPr>
+          <a:xfrm>
+            <a:off x="4534527" y="3655402"/>
+            <a:ext cx="1623580" cy="584775"/>
+          </a:xfrm>
+          <a:prstGeom prst="rect">
+            <a:avLst/>
+          </a:prstGeom>
+          <a:solidFill>
+            <a:schemeClr val="accent1">
+              <a:alpha val="50000"/>
+            </a:schemeClr>
+          </a:solidFill>
+          <a:ln>
+            <a:noFill/>
+          </a:ln>
+        </p:spPr>
+        <p:style>
+          <a:lnRef idx="0">
+            <a:scrgbClr r="0" g="0" b="0"/>
+          </a:lnRef>
+          <a:fillRef idx="0">
+            <a:scrgbClr r="0" g="0" b="0"/>
+          </a:fillRef>
+          <a:effectRef idx="0">
+            <a:scrgbClr r="0" g="0" b="0"/>
+          </a:effectRef>
+          <a:fontRef idx="minor">
+            <a:schemeClr val="lt1"/>
+          </a:fontRef>
+        </p:style>
+        <p:txBody>
+          <a:bodyPr wrap="square" rtlCol="0">
+            <a:spAutoFit/>
+          </a:bodyPr>
+          <a:lstStyle/>
+          <a:p>
+            <a:pPr algn="ctr"/>
+            <a:r>
+              <a:rPr lang="en-US" sz="800" dirty="0" smtClean="0"/>
+              <a:t>Child’s</a:t>
+            </a:r>
+          </a:p>
+          <a:p>
+            <a:pPr algn="ctr"/>
+            <a:r>
+              <a:rPr lang="en-US" sz="800" dirty="0" smtClean="0"/>
+              <a:t>constructor() </a:t>
+            </a:r>
+          </a:p>
+          <a:p>
+            <a:pPr algn="ctr"/>
+            <a:r>
+              <a:rPr lang="en-US" sz="800" dirty="0" smtClean="0"/>
+              <a:t>static </a:t>
+            </a:r>
+            <a:r>
+              <a:rPr lang="en-US" sz="800" dirty="0"/>
+              <a:t>getDerivedStateFromProps</a:t>
+            </a:r>
+            <a:r>
+              <a:rPr lang="en-US" sz="800" dirty="0" smtClean="0"/>
+              <a:t>()</a:t>
+            </a:r>
+          </a:p>
+          <a:p>
+            <a:pPr algn="ctr"/>
+            <a:r>
+              <a:rPr lang="en-US" sz="800" dirty="0" smtClean="0"/>
+              <a:t>render()</a:t>
+            </a:r>
+            <a:endParaRPr lang="en-US" sz="800" dirty="0"/>
+          </a:p>
+        </p:txBody>
+      </p:sp>
+      <p:sp>
+        <p:nvSpPr>
+          <p:cNvPr id="351" name="TextBox 350"/>
+          <p:cNvSpPr txBox="1"/>
+          <p:nvPr/>
+        </p:nvSpPr>
+        <p:spPr>
+          <a:xfrm>
+            <a:off x="4533164" y="4409454"/>
+            <a:ext cx="1623580" cy="338554"/>
+          </a:xfrm>
+          <a:prstGeom prst="rect">
+            <a:avLst/>
+          </a:prstGeom>
+          <a:solidFill>
+            <a:schemeClr val="accent1">
+              <a:alpha val="50000"/>
+            </a:schemeClr>
+          </a:solidFill>
+          <a:ln>
+            <a:noFill/>
+          </a:ln>
+        </p:spPr>
+        <p:style>
+          <a:lnRef idx="0">
+            <a:scrgbClr r="0" g="0" b="0"/>
+          </a:lnRef>
+          <a:fillRef idx="0">
+            <a:scrgbClr r="0" g="0" b="0"/>
+          </a:fillRef>
+          <a:effectRef idx="0">
+            <a:scrgbClr r="0" g="0" b="0"/>
+          </a:effectRef>
+          <a:fontRef idx="minor">
+            <a:schemeClr val="lt1"/>
+          </a:fontRef>
+        </p:style>
+        <p:txBody>
+          <a:bodyPr wrap="square" rtlCol="0">
+            <a:spAutoFit/>
+          </a:bodyPr>
+          <a:lstStyle/>
+          <a:p>
+            <a:pPr algn="ctr"/>
+            <a:r>
+              <a:rPr lang="en-US" sz="800" dirty="0" smtClean="0"/>
+              <a:t>Child’s</a:t>
+            </a:r>
+          </a:p>
+          <a:p>
+            <a:pPr algn="ctr"/>
+            <a:r>
+              <a:rPr lang="en-US" sz="800" dirty="0"/>
+              <a:t>getSnapshotBeforeUpdate()</a:t>
+            </a:r>
+            <a:endParaRPr lang="en-US" sz="800" dirty="0"/>
+          </a:p>
+        </p:txBody>
+      </p:sp>
+      <p:cxnSp>
+        <p:nvCxnSpPr>
+          <p:cNvPr id="355" name="Elbow Connector 354"/>
+          <p:cNvCxnSpPr>
+            <a:stCxn id="350" idx="2"/>
+            <a:endCxn id="351" idx="0"/>
+          </p:cNvCxnSpPr>
+          <p:nvPr/>
+        </p:nvCxnSpPr>
+        <p:spPr>
+          <a:xfrm rot="5400000">
+            <a:off x="5260998" y="4324134"/>
+            <a:ext cx="169277" cy="1363"/>
+          </a:xfrm>
+          <a:prstGeom prst="bentConnector3">
+            <a:avLst/>
+          </a:prstGeom>
+          <a:ln>
+            <a:tailEnd type="triangle"/>
+          </a:ln>
+        </p:spPr>
+        <p:style>
+          <a:lnRef idx="1">
+            <a:schemeClr val="accent1"/>
+          </a:lnRef>
+          <a:fillRef idx="0">
+            <a:schemeClr val="accent1"/>
+          </a:fillRef>
+          <a:effectRef idx="0">
+            <a:schemeClr val="accent1"/>
+          </a:effectRef>
+          <a:fontRef idx="minor">
+            <a:schemeClr val="tx1"/>
+          </a:fontRef>
+        </p:style>
+      </p:cxnSp>
+      <p:cxnSp>
+        <p:nvCxnSpPr>
+          <p:cNvPr id="357" name="Elbow Connector 356"/>
+          <p:cNvCxnSpPr>
+            <a:stCxn id="351" idx="2"/>
+            <a:endCxn id="37" idx="0"/>
+          </p:cNvCxnSpPr>
+          <p:nvPr/>
+        </p:nvCxnSpPr>
+        <p:spPr>
+          <a:xfrm rot="16200000" flipH="1">
+            <a:off x="5342124" y="4750838"/>
+            <a:ext cx="400188" cy="394528"/>
+          </a:xfrm>
+          <a:prstGeom prst="bentConnector3">
+            <a:avLst/>
+          </a:prstGeom>
+          <a:ln>
+            <a:tailEnd type="triangle"/>
+          </a:ln>
+        </p:spPr>
+        <p:style>
+          <a:lnRef idx="1">
+            <a:schemeClr val="accent1"/>
+          </a:lnRef>
+          <a:fillRef idx="0">
+            <a:schemeClr val="accent1"/>
+          </a:fillRef>
+          <a:effectRef idx="0">
+            <a:schemeClr val="accent1"/>
+          </a:effectRef>
+          <a:fontRef idx="minor">
+            <a:schemeClr val="tx1"/>
+          </a:fontRef>
+        </p:style>
+      </p:cxnSp>
+      <p:sp>
+        <p:nvSpPr>
+          <p:cNvPr id="358" name="Rectangle 357"/>
+          <p:cNvSpPr/>
+          <p:nvPr/>
+        </p:nvSpPr>
+        <p:spPr>
+          <a:xfrm>
+            <a:off x="5107558" y="5581895"/>
+            <a:ext cx="1263845" cy="398120"/>
+          </a:xfrm>
+          <a:prstGeom prst="rect">
+            <a:avLst/>
+          </a:prstGeom>
+          <a:solidFill>
+            <a:schemeClr val="accent1">
+              <a:alpha val="50000"/>
+            </a:schemeClr>
+          </a:solidFill>
+          <a:ln>
+            <a:noFill/>
+          </a:ln>
+        </p:spPr>
+        <p:style>
+          <a:lnRef idx="0">
+            <a:scrgbClr r="0" g="0" b="0"/>
+          </a:lnRef>
+          <a:fillRef idx="0">
+            <a:scrgbClr r="0" g="0" b="0"/>
+          </a:fillRef>
+          <a:effectRef idx="0">
+            <a:scrgbClr r="0" g="0" b="0"/>
+          </a:effectRef>
+          <a:fontRef idx="minor">
+            <a:schemeClr val="lt1"/>
+          </a:fontRef>
+        </p:style>
+        <p:txBody>
+          <a:bodyPr rtlCol="0" anchor="ctr"/>
+          <a:lstStyle/>
+          <a:p>
+            <a:pPr algn="ctr"/>
+            <a:r>
+              <a:rPr lang="en-US" sz="800" dirty="0" smtClean="0"/>
+              <a:t>Child’s</a:t>
+            </a:r>
+            <a:endParaRPr lang="en-US" sz="800" dirty="0" smtClean="0"/>
+          </a:p>
+          <a:p>
+            <a:pPr algn="ctr"/>
+            <a:r>
+              <a:rPr lang="en-US" sz="800" dirty="0" smtClean="0"/>
+              <a:t>componentDidUpdate</a:t>
+            </a:r>
+            <a:r>
+              <a:rPr lang="en-US" sz="800" dirty="0" smtClean="0"/>
+              <a:t>()</a:t>
+            </a:r>
+            <a:endParaRPr lang="en-US" sz="800" dirty="0"/>
+          </a:p>
+        </p:txBody>
+      </p:sp>
+      <p:cxnSp>
+        <p:nvCxnSpPr>
+          <p:cNvPr id="360" name="Elbow Connector 359"/>
+          <p:cNvCxnSpPr>
+            <a:stCxn id="37" idx="2"/>
+            <a:endCxn id="358" idx="0"/>
+          </p:cNvCxnSpPr>
+          <p:nvPr/>
+        </p:nvCxnSpPr>
+        <p:spPr>
+          <a:xfrm rot="5400000">
+            <a:off x="5654844" y="5497256"/>
+            <a:ext cx="169277" cy="1"/>
+          </a:xfrm>
+          <a:prstGeom prst="bentConnector3">
+            <a:avLst/>
+          </a:prstGeom>
+          <a:ln>
+            <a:tailEnd type="triangle"/>
+          </a:ln>
+        </p:spPr>
+        <p:style>
+          <a:lnRef idx="1">
+            <a:schemeClr val="accent1"/>
+          </a:lnRef>
+          <a:fillRef idx="0">
+            <a:schemeClr val="accent1"/>
+          </a:fillRef>
+          <a:effectRef idx="0">
+            <a:schemeClr val="accent1"/>
+          </a:effectRef>
+          <a:fontRef idx="minor">
+            <a:schemeClr val="tx1"/>
+          </a:fontRef>
+        </p:style>
+      </p:cxnSp>
+      <p:cxnSp>
+        <p:nvCxnSpPr>
+          <p:cNvPr id="362" name="Elbow Connector 361"/>
+          <p:cNvCxnSpPr>
+            <a:stCxn id="358" idx="2"/>
+            <a:endCxn id="38" idx="0"/>
+          </p:cNvCxnSpPr>
+          <p:nvPr/>
+        </p:nvCxnSpPr>
+        <p:spPr>
+          <a:xfrm rot="16200000" flipH="1">
+            <a:off x="6316189" y="5403306"/>
+            <a:ext cx="520453" cy="1673869"/>
+          </a:xfrm>
+          <a:prstGeom prst="bentConnector3">
+            <a:avLst/>
+          </a:prstGeom>
+          <a:ln>
+            <a:tailEnd type="triangle"/>
+          </a:ln>
+        </p:spPr>
+        <p:style>
+          <a:lnRef idx="1">
+            <a:schemeClr val="accent1"/>
+          </a:lnRef>
+          <a:fillRef idx="0">
+            <a:schemeClr val="accent1"/>
+          </a:fillRef>
+          <a:effectRef idx="0">
+            <a:schemeClr val="accent1"/>
+          </a:effectRef>
+          <a:fontRef idx="minor">
+            <a:schemeClr val="tx1"/>
+          </a:fontRef>
+        </p:style>
+      </p:cxnSp>
+      <p:sp>
+        <p:nvSpPr>
+          <p:cNvPr id="363" name="Rectangle 362"/>
+          <p:cNvSpPr/>
+          <p:nvPr/>
+        </p:nvSpPr>
+        <p:spPr>
+          <a:xfrm>
+            <a:off x="7336537" y="4659897"/>
+            <a:ext cx="2253049" cy="264422"/>
+          </a:xfrm>
+          <a:prstGeom prst="rect">
+            <a:avLst/>
+          </a:prstGeom>
+        </p:spPr>
+        <p:style>
+          <a:lnRef idx="2">
+            <a:schemeClr val="accent1">
+              <a:shade val="50000"/>
+            </a:schemeClr>
+          </a:lnRef>
+          <a:fillRef idx="1">
+            <a:schemeClr val="accent1"/>
+          </a:fillRef>
+          <a:effectRef idx="0">
+            <a:schemeClr val="accent1"/>
+          </a:effectRef>
+          <a:fontRef idx="minor">
+            <a:schemeClr val="lt1"/>
+          </a:fontRef>
+        </p:style>
+        <p:txBody>
+          <a:bodyPr rtlCol="0" anchor="ctr"/>
+          <a:lstStyle/>
+          <a:p>
+            <a:pPr algn="ctr"/>
+            <a:r>
+              <a:rPr lang="en-US" sz="800" dirty="0" smtClean="0"/>
+              <a:t>getSnapshotBeforeUpdate()</a:t>
+            </a:r>
+            <a:endParaRPr lang="en-US" sz="800" dirty="0"/>
+          </a:p>
+        </p:txBody>
+      </p:sp>
+      <p:cxnSp>
+        <p:nvCxnSpPr>
+          <p:cNvPr id="365" name="Elbow Connector 364"/>
+          <p:cNvCxnSpPr>
+            <a:stCxn id="343" idx="3"/>
+            <a:endCxn id="363" idx="0"/>
+          </p:cNvCxnSpPr>
+          <p:nvPr/>
+        </p:nvCxnSpPr>
+        <p:spPr>
+          <a:xfrm>
+            <a:off x="8074659" y="3510053"/>
+            <a:ext cx="388403" cy="1149844"/>
+          </a:xfrm>
+          <a:prstGeom prst="bentConnector2">
+            <a:avLst/>
+          </a:prstGeom>
+          <a:ln>
+            <a:solidFill>
+              <a:srgbClr val="FF0000"/>
+            </a:solidFill>
+            <a:tailEnd type="triangle"/>
+          </a:ln>
+        </p:spPr>
+        <p:style>
+          <a:lnRef idx="3">
+            <a:schemeClr val="accent1"/>
+          </a:lnRef>
+          <a:fillRef idx="0">
+            <a:schemeClr val="accent1"/>
+          </a:fillRef>
+          <a:effectRef idx="2">
+            <a:schemeClr val="accent1"/>
+          </a:effectRef>
+          <a:fontRef idx="minor">
+            <a:schemeClr val="tx1"/>
+          </a:fontRef>
+        </p:style>
+      </p:cxnSp>
+      <p:cxnSp>
+        <p:nvCxnSpPr>
+          <p:cNvPr id="367" name="Elbow Connector 366"/>
+          <p:cNvCxnSpPr>
+            <a:stCxn id="363" idx="2"/>
+            <a:endCxn id="38" idx="0"/>
+          </p:cNvCxnSpPr>
+          <p:nvPr/>
+        </p:nvCxnSpPr>
+        <p:spPr>
+          <a:xfrm rot="5400000">
+            <a:off x="7150132" y="5187537"/>
+            <a:ext cx="1576149" cy="1049712"/>
           </a:xfrm>
           <a:prstGeom prst="bentConnector3">
             <a:avLst/>
@@ -4498,6 +5591,185 @@
     <p:extLst>
       <p:ext uri="{BB962C8B-B14F-4D97-AF65-F5344CB8AC3E}">
         <p14:creationId xmlns:p14="http://schemas.microsoft.com/office/powerpoint/2010/main" val="3086648155"/>
+      </p:ext>
+    </p:extLst>
+  </p:cSld>
+  <p:clrMapOvr>
+    <a:masterClrMapping/>
+  </p:clrMapOvr>
+  <p:timing>
+    <p:tnLst>
+      <p:par>
+        <p:cTn id="1" dur="indefinite" restart="never" nodeType="tmRoot"/>
+      </p:par>
+    </p:tnLst>
+  </p:timing>
+</p:sld>
+</file>
+
+<file path=ppt/slides/slide2.xml><?xml version="1.0" encoding="utf-8"?>
+<p:sld xmlns:a="http://schemas.openxmlformats.org/drawingml/2006/main" xmlns:r="http://schemas.openxmlformats.org/officeDocument/2006/relationships" xmlns:p="http://schemas.openxmlformats.org/presentationml/2006/main">
+  <p:cSld>
+    <p:bg>
+      <p:bgPr>
+        <a:solidFill>
+          <a:schemeClr val="accent1"/>
+        </a:solidFill>
+        <a:effectLst/>
+      </p:bgPr>
+    </p:bg>
+    <p:spTree>
+      <p:nvGrpSpPr>
+        <p:cNvPr id="1" name=""/>
+        <p:cNvGrpSpPr/>
+        <p:nvPr/>
+      </p:nvGrpSpPr>
+      <p:grpSpPr>
+        <a:xfrm>
+          <a:off x="0" y="0"/>
+          <a:ext cx="0" cy="0"/>
+          <a:chOff x="0" y="0"/>
+          <a:chExt cx="0" cy="0"/>
+        </a:xfrm>
+      </p:grpSpPr>
+      <p:sp>
+        <p:nvSpPr>
+          <p:cNvPr id="4" name="TextBox 3"/>
+          <p:cNvSpPr txBox="1"/>
+          <p:nvPr/>
+        </p:nvSpPr>
+        <p:spPr>
+          <a:xfrm>
+            <a:off x="0" y="2875469"/>
+            <a:ext cx="12192000" cy="1631216"/>
+          </a:xfrm>
+          <a:prstGeom prst="rect">
+            <a:avLst/>
+          </a:prstGeom>
+        </p:spPr>
+        <p:style>
+          <a:lnRef idx="2">
+            <a:schemeClr val="accent1">
+              <a:shade val="50000"/>
+            </a:schemeClr>
+          </a:lnRef>
+          <a:fillRef idx="1">
+            <a:schemeClr val="accent1"/>
+          </a:fillRef>
+          <a:effectRef idx="0">
+            <a:schemeClr val="accent1"/>
+          </a:effectRef>
+          <a:fontRef idx="minor">
+            <a:schemeClr val="lt1"/>
+          </a:fontRef>
+        </p:style>
+        <p:txBody>
+          <a:bodyPr wrap="square" rtlCol="0">
+            <a:spAutoFit/>
+          </a:bodyPr>
+          <a:lstStyle/>
+          <a:p>
+            <a:pPr marL="3943350" lvl="8" indent="-285750" algn="just">
+              <a:buFont typeface="Arial" panose="020B0604020202020204" pitchFamily="34" charset="0"/>
+              <a:buChar char="•"/>
+            </a:pPr>
+            <a:r>
+              <a:rPr lang="en-US" sz="2000" dirty="0"/>
+              <a:t>Modifying a global variable</a:t>
+            </a:r>
+          </a:p>
+          <a:p>
+            <a:pPr marL="3943350" lvl="8" indent="-285750" algn="just">
+              <a:buFont typeface="Arial" panose="020B0604020202020204" pitchFamily="34" charset="0"/>
+              <a:buChar char="•"/>
+            </a:pPr>
+            <a:r>
+              <a:rPr lang="en-US" sz="2000" dirty="0"/>
+              <a:t>Changing a variable in the parent scope chain</a:t>
+            </a:r>
+          </a:p>
+          <a:p>
+            <a:pPr marL="3943350" lvl="8" indent="-285750" algn="just">
+              <a:buFont typeface="Arial" panose="020B0604020202020204" pitchFamily="34" charset="0"/>
+              <a:buChar char="•"/>
+            </a:pPr>
+            <a:r>
+              <a:rPr lang="en-US" sz="2000" dirty="0"/>
+              <a:t>Screen recording</a:t>
+            </a:r>
+          </a:p>
+          <a:p>
+            <a:pPr marL="3943350" lvl="8" indent="-285750" algn="just">
+              <a:buFont typeface="Arial" panose="020B0604020202020204" pitchFamily="34" charset="0"/>
+              <a:buChar char="•"/>
+            </a:pPr>
+            <a:r>
+              <a:rPr lang="en-US" sz="2000" dirty="0"/>
+              <a:t>Write to file</a:t>
+            </a:r>
+          </a:p>
+          <a:p>
+            <a:pPr marL="3943350" lvl="8" indent="-285750" algn="just">
+              <a:buFont typeface="Arial" panose="020B0604020202020204" pitchFamily="34" charset="0"/>
+              <a:buChar char="•"/>
+            </a:pPr>
+            <a:r>
+              <a:rPr lang="en-US" sz="2000" dirty="0"/>
+              <a:t>Any network request like AJAX request.</a:t>
+            </a:r>
+          </a:p>
+        </p:txBody>
+      </p:sp>
+      <p:sp>
+        <p:nvSpPr>
+          <p:cNvPr id="6" name="TextBox 5"/>
+          <p:cNvSpPr txBox="1"/>
+          <p:nvPr/>
+        </p:nvSpPr>
+        <p:spPr>
+          <a:xfrm>
+            <a:off x="0" y="0"/>
+            <a:ext cx="12192000" cy="1015663"/>
+          </a:xfrm>
+          <a:prstGeom prst="rect">
+            <a:avLst/>
+          </a:prstGeom>
+        </p:spPr>
+        <p:style>
+          <a:lnRef idx="2">
+            <a:schemeClr val="accent1">
+              <a:shade val="50000"/>
+            </a:schemeClr>
+          </a:lnRef>
+          <a:fillRef idx="1">
+            <a:schemeClr val="accent1"/>
+          </a:fillRef>
+          <a:effectRef idx="0">
+            <a:schemeClr val="accent1"/>
+          </a:effectRef>
+          <a:fontRef idx="minor">
+            <a:schemeClr val="lt1"/>
+          </a:fontRef>
+        </p:style>
+        <p:txBody>
+          <a:bodyPr wrap="square" rtlCol="0">
+            <a:spAutoFit/>
+          </a:bodyPr>
+          <a:lstStyle/>
+          <a:p>
+            <a:pPr algn="ctr"/>
+            <a:r>
+              <a:rPr lang="en-US" sz="6000" dirty="0" smtClean="0"/>
+              <a:t>Side effects</a:t>
+            </a:r>
+            <a:endParaRPr lang="en-US" sz="6000" dirty="0"/>
+          </a:p>
+        </p:txBody>
+      </p:sp>
+    </p:spTree>
+    <p:extLst>
+      <p:ext uri="{BB962C8B-B14F-4D97-AF65-F5344CB8AC3E}">
+        <p14:creationId xmlns:p14="http://schemas.microsoft.com/office/powerpoint/2010/main" val="1122040479"/>
       </p:ext>
     </p:extLst>
   </p:cSld>

--- a/React component lifecycle.pptx
+++ b/React component lifecycle.pptx
@@ -6,7 +6,8 @@
   </p:sldMasterIdLst>
   <p:sldIdLst>
     <p:sldId id="257" r:id="rId2"/>
-    <p:sldId id="258" r:id="rId3"/>
+    <p:sldId id="260" r:id="rId3"/>
+    <p:sldId id="258" r:id="rId4"/>
   </p:sldIdLst>
   <p:sldSz cx="12192000" cy="6858000"/>
   <p:notesSz cx="6858000" cy="9144000"/>
@@ -244,7 +245,7 @@
           <a:p>
             <a:fld id="{EE844072-81E0-44CE-8CF3-79AEA47A879C}" type="datetimeFigureOut">
               <a:rPr lang="en-US" smtClean="0"/>
-              <a:t>11/23/2020</a:t>
+              <a:t>29-Nov-20</a:t>
             </a:fld>
             <a:endParaRPr lang="en-US" dirty="0"/>
           </a:p>
@@ -414,7 +415,7 @@
           <a:p>
             <a:fld id="{EE844072-81E0-44CE-8CF3-79AEA47A879C}" type="datetimeFigureOut">
               <a:rPr lang="en-US" smtClean="0"/>
-              <a:t>11/23/2020</a:t>
+              <a:t>29-Nov-20</a:t>
             </a:fld>
             <a:endParaRPr lang="en-US" dirty="0"/>
           </a:p>
@@ -594,7 +595,7 @@
           <a:p>
             <a:fld id="{EE844072-81E0-44CE-8CF3-79AEA47A879C}" type="datetimeFigureOut">
               <a:rPr lang="en-US" smtClean="0"/>
-              <a:t>11/23/2020</a:t>
+              <a:t>29-Nov-20</a:t>
             </a:fld>
             <a:endParaRPr lang="en-US" dirty="0"/>
           </a:p>
@@ -764,7 +765,7 @@
           <a:p>
             <a:fld id="{EE844072-81E0-44CE-8CF3-79AEA47A879C}" type="datetimeFigureOut">
               <a:rPr lang="en-US" smtClean="0"/>
-              <a:t>11/23/2020</a:t>
+              <a:t>29-Nov-20</a:t>
             </a:fld>
             <a:endParaRPr lang="en-US" dirty="0"/>
           </a:p>
@@ -1010,7 +1011,7 @@
           <a:p>
             <a:fld id="{EE844072-81E0-44CE-8CF3-79AEA47A879C}" type="datetimeFigureOut">
               <a:rPr lang="en-US" smtClean="0"/>
-              <a:t>11/23/2020</a:t>
+              <a:t>29-Nov-20</a:t>
             </a:fld>
             <a:endParaRPr lang="en-US" dirty="0"/>
           </a:p>
@@ -1242,7 +1243,7 @@
           <a:p>
             <a:fld id="{EE844072-81E0-44CE-8CF3-79AEA47A879C}" type="datetimeFigureOut">
               <a:rPr lang="en-US" smtClean="0"/>
-              <a:t>11/23/2020</a:t>
+              <a:t>29-Nov-20</a:t>
             </a:fld>
             <a:endParaRPr lang="en-US" dirty="0"/>
           </a:p>
@@ -1609,7 +1610,7 @@
           <a:p>
             <a:fld id="{EE844072-81E0-44CE-8CF3-79AEA47A879C}" type="datetimeFigureOut">
               <a:rPr lang="en-US" smtClean="0"/>
-              <a:t>11/23/2020</a:t>
+              <a:t>29-Nov-20</a:t>
             </a:fld>
             <a:endParaRPr lang="en-US" dirty="0"/>
           </a:p>
@@ -1727,7 +1728,7 @@
           <a:p>
             <a:fld id="{EE844072-81E0-44CE-8CF3-79AEA47A879C}" type="datetimeFigureOut">
               <a:rPr lang="en-US" smtClean="0"/>
-              <a:t>11/23/2020</a:t>
+              <a:t>29-Nov-20</a:t>
             </a:fld>
             <a:endParaRPr lang="en-US" dirty="0"/>
           </a:p>
@@ -1822,7 +1823,7 @@
           <a:p>
             <a:fld id="{EE844072-81E0-44CE-8CF3-79AEA47A879C}" type="datetimeFigureOut">
               <a:rPr lang="en-US" smtClean="0"/>
-              <a:t>11/23/2020</a:t>
+              <a:t>29-Nov-20</a:t>
             </a:fld>
             <a:endParaRPr lang="en-US" dirty="0"/>
           </a:p>
@@ -2099,7 +2100,7 @@
           <a:p>
             <a:fld id="{EE844072-81E0-44CE-8CF3-79AEA47A879C}" type="datetimeFigureOut">
               <a:rPr lang="en-US" smtClean="0"/>
-              <a:t>11/23/2020</a:t>
+              <a:t>29-Nov-20</a:t>
             </a:fld>
             <a:endParaRPr lang="en-US" dirty="0"/>
           </a:p>
@@ -2352,7 +2353,7 @@
           <a:p>
             <a:fld id="{EE844072-81E0-44CE-8CF3-79AEA47A879C}" type="datetimeFigureOut">
               <a:rPr lang="en-US" smtClean="0"/>
-              <a:t>11/23/2020</a:t>
+              <a:t>29-Nov-20</a:t>
             </a:fld>
             <a:endParaRPr lang="en-US" dirty="0"/>
           </a:p>
@@ -2565,7 +2566,7 @@
           <a:p>
             <a:fld id="{EE844072-81E0-44CE-8CF3-79AEA47A879C}" type="datetimeFigureOut">
               <a:rPr lang="en-US" smtClean="0"/>
-              <a:t>11/23/2020</a:t>
+              <a:t>29-Nov-20</a:t>
             </a:fld>
             <a:endParaRPr lang="en-US" dirty="0"/>
           </a:p>
@@ -3028,6 +3029,9 @@
           <a:prstGeom prst="rect">
             <a:avLst/>
           </a:prstGeom>
+          <a:ln>
+            <a:noFill/>
+          </a:ln>
         </p:spPr>
         <p:style>
           <a:lnRef idx="2">
@@ -3137,6 +3141,9 @@
           <a:prstGeom prst="rect">
             <a:avLst/>
           </a:prstGeom>
+          <a:ln>
+            <a:noFill/>
+          </a:ln>
         </p:spPr>
         <p:style>
           <a:lnRef idx="2">
@@ -3223,12 +3230,15 @@
         </p:nvSpPr>
         <p:spPr>
           <a:xfrm>
-            <a:off x="5682022" y="688656"/>
+            <a:off x="5673883" y="1005251"/>
             <a:ext cx="965722" cy="338849"/>
           </a:xfrm>
           <a:prstGeom prst="rect">
             <a:avLst/>
           </a:prstGeom>
+          <a:ln>
+            <a:noFill/>
+          </a:ln>
         </p:spPr>
         <p:style>
           <a:lnRef idx="2">
@@ -3257,11 +3267,7 @@
             </a:r>
             <a:r>
               <a:rPr lang="en-US" sz="800" dirty="0" smtClean="0"/>
-              <a:t>has changed</a:t>
-            </a:r>
-            <a:r>
-              <a:rPr lang="en-US" sz="800" dirty="0" smtClean="0"/>
-              <a:t> by parent</a:t>
+              <a:t>has changed by parent</a:t>
             </a:r>
             <a:endParaRPr lang="en-US" sz="800" dirty="0"/>
           </a:p>
@@ -3275,12 +3281,15 @@
         </p:nvSpPr>
         <p:spPr>
           <a:xfrm>
-            <a:off x="7708803" y="880456"/>
+            <a:off x="7855946" y="851746"/>
             <a:ext cx="637131" cy="277684"/>
           </a:xfrm>
           <a:prstGeom prst="rect">
             <a:avLst/>
           </a:prstGeom>
+          <a:ln>
+            <a:noFill/>
+          </a:ln>
         </p:spPr>
         <p:style>
           <a:lnRef idx="2">
@@ -3611,7 +3620,7 @@
         </p:nvSpPr>
         <p:spPr>
           <a:xfrm>
-            <a:off x="6688451" y="360043"/>
+            <a:off x="6708176" y="302724"/>
             <a:ext cx="1219203" cy="334352"/>
           </a:xfrm>
           <a:prstGeom prst="rect">
@@ -3943,8 +3952,8 @@
         </p:nvCxnSpPr>
         <p:spPr>
           <a:xfrm rot="16200000" flipH="1">
-            <a:off x="6547289" y="645098"/>
-            <a:ext cx="637435" cy="1402247"/>
+            <a:off x="6701517" y="799327"/>
+            <a:ext cx="320840" cy="1410386"/>
           </a:xfrm>
           <a:prstGeom prst="bentConnector3">
             <a:avLst/>
@@ -3979,8 +3988,8 @@
         </p:nvCxnSpPr>
         <p:spPr>
           <a:xfrm rot="5400000">
-            <a:off x="7543850" y="1181421"/>
-            <a:ext cx="506800" cy="460239"/>
+            <a:off x="7603066" y="1093494"/>
+            <a:ext cx="535510" cy="607382"/>
           </a:xfrm>
           <a:prstGeom prst="bentConnector3">
             <a:avLst/>
@@ -4018,6 +4027,9 @@
           <a:prstGeom prst="rect">
             <a:avLst/>
           </a:prstGeom>
+          <a:ln>
+            <a:noFill/>
+          </a:ln>
         </p:spPr>
         <p:style>
           <a:lnRef idx="2">
@@ -4099,13 +4111,13 @@
         </p:nvCxnSpPr>
         <p:spPr>
           <a:xfrm flipH="1" flipV="1">
-            <a:off x="7298053" y="360043"/>
-            <a:ext cx="898570" cy="2145825"/>
+            <a:off x="7317778" y="302724"/>
+            <a:ext cx="878845" cy="2203144"/>
           </a:xfrm>
           <a:prstGeom prst="bentConnector4">
             <a:avLst>
-              <a:gd name="adj1" fmla="val -74201"/>
-              <a:gd name="adj2" fmla="val 110653"/>
+              <a:gd name="adj1" fmla="val -26011"/>
+              <a:gd name="adj2" fmla="val 110376"/>
             </a:avLst>
           </a:prstGeom>
           <a:ln>
@@ -4138,14 +4150,14 @@
         </p:nvCxnSpPr>
         <p:spPr>
           <a:xfrm rot="5400000" flipH="1" flipV="1">
-            <a:off x="1679151" y="-112999"/>
-            <a:ext cx="5145859" cy="6091944"/>
+            <a:off x="1660354" y="-151522"/>
+            <a:ext cx="5203178" cy="6111669"/>
           </a:xfrm>
           <a:prstGeom prst="bentConnector5">
             <a:avLst>
-              <a:gd name="adj1" fmla="val -4442"/>
-              <a:gd name="adj2" fmla="val 52028"/>
-              <a:gd name="adj3" fmla="val 104442"/>
+              <a:gd name="adj1" fmla="val -4393"/>
+              <a:gd name="adj2" fmla="val 52022"/>
+              <a:gd name="adj3" fmla="val 104393"/>
             </a:avLst>
           </a:prstGeom>
           <a:ln>
@@ -4209,11 +4221,7 @@
             </a:r>
             <a:r>
               <a:rPr lang="en-US" sz="800" dirty="0" smtClean="0"/>
-              <a:t>his.state </a:t>
-            </a:r>
-            <a:r>
-              <a:rPr lang="en-US" sz="800" dirty="0" smtClean="0"/>
-              <a:t>is no updated here</a:t>
+              <a:t>his.state is no updated here</a:t>
             </a:r>
             <a:endParaRPr lang="en-US" sz="800" dirty="0"/>
           </a:p>
@@ -4483,13 +4491,13 @@
         </p:nvCxnSpPr>
         <p:spPr>
           <a:xfrm flipH="1" flipV="1">
-            <a:off x="7298053" y="360043"/>
-            <a:ext cx="961878" cy="6260103"/>
+            <a:off x="7317778" y="302724"/>
+            <a:ext cx="942153" cy="6317422"/>
           </a:xfrm>
           <a:prstGeom prst="bentConnector4">
             <a:avLst>
-              <a:gd name="adj1" fmla="val -168001"/>
-              <a:gd name="adj2" fmla="val 103652"/>
+              <a:gd name="adj1" fmla="val -159109"/>
+              <a:gd name="adj2" fmla="val 103619"/>
             </a:avLst>
           </a:prstGeom>
           <a:ln>
@@ -4707,6 +4715,9 @@
           <a:prstGeom prst="diamond">
             <a:avLst/>
           </a:prstGeom>
+          <a:ln>
+            <a:noFill/>
+          </a:ln>
         </p:spPr>
         <p:style>
           <a:lnRef idx="2">
@@ -5258,7 +5269,6 @@
               <a:rPr lang="en-US" sz="800" dirty="0"/>
               <a:t>getSnapshotBeforeUpdate()</a:t>
             </a:r>
-            <a:endParaRPr lang="en-US" sz="800" dirty="0"/>
           </a:p>
         </p:txBody>
       </p:sp>
@@ -5380,17 +5390,12 @@
               <a:rPr lang="en-US" sz="800" dirty="0" smtClean="0"/>
               <a:t>Child’s</a:t>
             </a:r>
-            <a:endParaRPr lang="en-US" sz="800" dirty="0" smtClean="0"/>
           </a:p>
           <a:p>
             <a:pPr algn="ctr"/>
             <a:r>
               <a:rPr lang="en-US" sz="800" dirty="0" smtClean="0"/>
-              <a:t>componentDidUpdate</a:t>
-            </a:r>
-            <a:r>
-              <a:rPr lang="en-US" sz="800" dirty="0" smtClean="0"/>
-              <a:t>()</a:t>
+              <a:t>componentDidUpdate()</a:t>
             </a:r>
             <a:endParaRPr lang="en-US" sz="800" dirty="0"/>
           </a:p>
@@ -5564,6 +5569,78 @@
           <a:xfrm rot="5400000">
             <a:off x="7150132" y="5187537"/>
             <a:ext cx="1576149" cy="1049712"/>
+          </a:xfrm>
+          <a:prstGeom prst="bentConnector3">
+            <a:avLst/>
+          </a:prstGeom>
+          <a:ln>
+            <a:tailEnd type="triangle"/>
+          </a:ln>
+        </p:spPr>
+        <p:style>
+          <a:lnRef idx="1">
+            <a:schemeClr val="accent1"/>
+          </a:lnRef>
+          <a:fillRef idx="0">
+            <a:schemeClr val="accent1"/>
+          </a:fillRef>
+          <a:effectRef idx="0">
+            <a:schemeClr val="accent1"/>
+          </a:effectRef>
+          <a:fontRef idx="minor">
+            <a:schemeClr val="tx1"/>
+          </a:fontRef>
+        </p:style>
+      </p:cxnSp>
+      <p:cxnSp>
+        <p:nvCxnSpPr>
+          <p:cNvPr id="8" name="Elbow Connector 7"/>
+          <p:cNvCxnSpPr>
+            <a:stCxn id="89" idx="2"/>
+            <a:endCxn id="31" idx="0"/>
+          </p:cNvCxnSpPr>
+          <p:nvPr/>
+        </p:nvCxnSpPr>
+        <p:spPr>
+          <a:xfrm rot="5400000">
+            <a:off x="6553174" y="240646"/>
+            <a:ext cx="368175" cy="1161034"/>
+          </a:xfrm>
+          <a:prstGeom prst="bentConnector3">
+            <a:avLst/>
+          </a:prstGeom>
+          <a:ln>
+            <a:tailEnd type="triangle"/>
+          </a:ln>
+        </p:spPr>
+        <p:style>
+          <a:lnRef idx="1">
+            <a:schemeClr val="accent1"/>
+          </a:lnRef>
+          <a:fillRef idx="0">
+            <a:schemeClr val="accent1"/>
+          </a:fillRef>
+          <a:effectRef idx="0">
+            <a:schemeClr val="accent1"/>
+          </a:effectRef>
+          <a:fontRef idx="minor">
+            <a:schemeClr val="tx1"/>
+          </a:fontRef>
+        </p:style>
+      </p:cxnSp>
+      <p:cxnSp>
+        <p:nvCxnSpPr>
+          <p:cNvPr id="13" name="Elbow Connector 12"/>
+          <p:cNvCxnSpPr>
+            <a:stCxn id="89" idx="2"/>
+            <a:endCxn id="32" idx="0"/>
+          </p:cNvCxnSpPr>
+          <p:nvPr/>
+        </p:nvCxnSpPr>
+        <p:spPr>
+          <a:xfrm rot="16200000" flipH="1">
+            <a:off x="7638810" y="316044"/>
+            <a:ext cx="214670" cy="856734"/>
           </a:xfrm>
           <a:prstGeom prst="bentConnector3">
             <a:avLst/>
@@ -5608,6 +5685,1030 @@
 </file>
 
 <file path=ppt/slides/slide2.xml><?xml version="1.0" encoding="utf-8"?>
+<p:sld xmlns:a="http://schemas.openxmlformats.org/drawingml/2006/main" xmlns:r="http://schemas.openxmlformats.org/officeDocument/2006/relationships" xmlns:p="http://schemas.openxmlformats.org/presentationml/2006/main">
+  <p:cSld>
+    <p:bg>
+      <p:bgPr>
+        <a:solidFill>
+          <a:schemeClr val="accent1"/>
+        </a:solidFill>
+        <a:effectLst/>
+      </p:bgPr>
+    </p:bg>
+    <p:spTree>
+      <p:nvGrpSpPr>
+        <p:cNvPr id="1" name=""/>
+        <p:cNvGrpSpPr/>
+        <p:nvPr/>
+      </p:nvGrpSpPr>
+      <p:grpSpPr>
+        <a:xfrm>
+          <a:off x="0" y="0"/>
+          <a:ext cx="0" cy="0"/>
+          <a:chOff x="0" y="0"/>
+          <a:chExt cx="0" cy="0"/>
+        </a:xfrm>
+      </p:grpSpPr>
+      <p:sp>
+        <p:nvSpPr>
+          <p:cNvPr id="6" name="TextBox 5"/>
+          <p:cNvSpPr txBox="1"/>
+          <p:nvPr/>
+        </p:nvSpPr>
+        <p:spPr>
+          <a:xfrm>
+            <a:off x="0" y="0"/>
+            <a:ext cx="12192000" cy="1754326"/>
+          </a:xfrm>
+          <a:prstGeom prst="rect">
+            <a:avLst/>
+          </a:prstGeom>
+          <a:ln>
+            <a:noFill/>
+          </a:ln>
+        </p:spPr>
+        <p:style>
+          <a:lnRef idx="2">
+            <a:schemeClr val="accent1">
+              <a:shade val="50000"/>
+            </a:schemeClr>
+          </a:lnRef>
+          <a:fillRef idx="1">
+            <a:schemeClr val="accent1"/>
+          </a:fillRef>
+          <a:effectRef idx="0">
+            <a:schemeClr val="accent1"/>
+          </a:effectRef>
+          <a:fontRef idx="minor">
+            <a:schemeClr val="lt1"/>
+          </a:fontRef>
+        </p:style>
+        <p:txBody>
+          <a:bodyPr wrap="square" rtlCol="0">
+            <a:spAutoFit/>
+          </a:bodyPr>
+          <a:lstStyle/>
+          <a:p>
+            <a:pPr algn="ctr"/>
+            <a:r>
+              <a:rPr lang="en-US" sz="5400" dirty="0"/>
+              <a:t>React component </a:t>
+            </a:r>
+            <a:endParaRPr lang="en-US" sz="5400" dirty="0" smtClean="0"/>
+          </a:p>
+          <a:p>
+            <a:pPr algn="ctr"/>
+            <a:r>
+              <a:rPr lang="en-US" sz="5400" dirty="0" smtClean="0"/>
+              <a:t>state </a:t>
+            </a:r>
+            <a:r>
+              <a:rPr lang="en-US" sz="5400" dirty="0"/>
+              <a:t>and lifecycle</a:t>
+            </a:r>
+            <a:endParaRPr lang="en-US" sz="5400" dirty="0"/>
+          </a:p>
+        </p:txBody>
+      </p:sp>
+      <p:graphicFrame>
+        <p:nvGraphicFramePr>
+          <p:cNvPr id="5" name="Table 4"/>
+          <p:cNvGraphicFramePr>
+            <a:graphicFrameLocks noGrp="1"/>
+          </p:cNvGraphicFramePr>
+          <p:nvPr>
+            <p:extLst>
+              <p:ext uri="{D42A27DB-BD31-4B8C-83A1-F6EECF244321}">
+                <p14:modId xmlns:p14="http://schemas.microsoft.com/office/powerpoint/2010/main" val="3032801451"/>
+              </p:ext>
+            </p:extLst>
+          </p:nvPr>
+        </p:nvGraphicFramePr>
+        <p:xfrm>
+          <a:off x="909006" y="2013448"/>
+          <a:ext cx="10373988" cy="4754239"/>
+        </p:xfrm>
+        <a:graphic>
+          <a:graphicData uri="http://schemas.openxmlformats.org/drawingml/2006/table">
+            <a:tbl>
+              <a:tblPr firstRow="1" bandRow="1">
+                <a:tableStyleId>{93296810-A885-4BE3-A3E7-6D5BEEA58F35}</a:tableStyleId>
+              </a:tblPr>
+              <a:tblGrid>
+                <a:gridCol w="3457996">
+                  <a:extLst>
+                    <a:ext uri="{9D8B030D-6E8A-4147-A177-3AD203B41FA5}">
+                      <a16:colId xmlns:a16="http://schemas.microsoft.com/office/drawing/2014/main" val="4136255314"/>
+                    </a:ext>
+                  </a:extLst>
+                </a:gridCol>
+                <a:gridCol w="3457996">
+                  <a:extLst>
+                    <a:ext uri="{9D8B030D-6E8A-4147-A177-3AD203B41FA5}">
+                      <a16:colId xmlns:a16="http://schemas.microsoft.com/office/drawing/2014/main" val="3137709569"/>
+                    </a:ext>
+                  </a:extLst>
+                </a:gridCol>
+                <a:gridCol w="3457996">
+                  <a:extLst>
+                    <a:ext uri="{9D8B030D-6E8A-4147-A177-3AD203B41FA5}">
+                      <a16:colId xmlns:a16="http://schemas.microsoft.com/office/drawing/2014/main" val="4175335531"/>
+                    </a:ext>
+                  </a:extLst>
+                </a:gridCol>
+              </a:tblGrid>
+              <a:tr h="453331">
+                <a:tc>
+                  <a:txBody>
+                    <a:bodyPr/>
+                    <a:lstStyle/>
+                    <a:p>
+                      <a:r>
+                        <a:rPr lang="en-US" dirty="0" smtClean="0"/>
+                        <a:t>Lifecycle Hook</a:t>
+                      </a:r>
+                      <a:endParaRPr lang="en-US" dirty="0"/>
+                    </a:p>
+                  </a:txBody>
+                  <a:tcPr/>
+                </a:tc>
+                <a:tc>
+                  <a:txBody>
+                    <a:bodyPr/>
+                    <a:lstStyle/>
+                    <a:p>
+                      <a:r>
+                        <a:rPr lang="en-US" dirty="0" smtClean="0"/>
+                        <a:t>What is it for?</a:t>
+                      </a:r>
+                      <a:endParaRPr lang="en-US" dirty="0"/>
+                    </a:p>
+                  </a:txBody>
+                  <a:tcPr/>
+                </a:tc>
+                <a:tc>
+                  <a:txBody>
+                    <a:bodyPr/>
+                    <a:lstStyle/>
+                    <a:p>
+                      <a:r>
+                        <a:rPr lang="en-US" dirty="0" smtClean="0"/>
+                        <a:t>What cannot be done here?</a:t>
+                      </a:r>
+                      <a:endParaRPr lang="en-US" dirty="0"/>
+                    </a:p>
+                  </a:txBody>
+                  <a:tcPr/>
+                </a:tc>
+                <a:extLst>
+                  <a:ext uri="{0D108BD9-81ED-4DB2-BD59-A6C34878D82A}">
+                    <a16:rowId xmlns:a16="http://schemas.microsoft.com/office/drawing/2014/main" val="3809278184"/>
+                  </a:ext>
+                </a:extLst>
+              </a:tr>
+              <a:tr h="453331">
+                <a:tc>
+                  <a:txBody>
+                    <a:bodyPr/>
+                    <a:lstStyle/>
+                    <a:p>
+                      <a:r>
+                        <a:rPr lang="en-US" sz="1100" kern="1200" dirty="0" smtClean="0">
+                          <a:solidFill>
+                            <a:schemeClr val="dk1"/>
+                          </a:solidFill>
+                          <a:effectLst/>
+                          <a:latin typeface="+mn-lt"/>
+                          <a:ea typeface="+mn-ea"/>
+                          <a:cs typeface="+mn-cs"/>
+                        </a:rPr>
+                        <a:t>shouldComponentUpdate</a:t>
+                      </a:r>
+                      <a:endParaRPr lang="en-US" sz="1100" kern="1200" dirty="0">
+                        <a:solidFill>
+                          <a:schemeClr val="dk1"/>
+                        </a:solidFill>
+                        <a:effectLst/>
+                        <a:latin typeface="+mn-lt"/>
+                        <a:ea typeface="+mn-ea"/>
+                        <a:cs typeface="+mn-cs"/>
+                      </a:endParaRPr>
+                    </a:p>
+                  </a:txBody>
+                  <a:tcPr anchor="ctr"/>
+                </a:tc>
+                <a:tc>
+                  <a:txBody>
+                    <a:bodyPr/>
+                    <a:lstStyle/>
+                    <a:p>
+                      <a:r>
+                        <a:rPr lang="en-US" sz="1100" kern="1200" dirty="0" smtClean="0">
+                          <a:solidFill>
+                            <a:schemeClr val="dk1"/>
+                          </a:solidFill>
+                          <a:effectLst/>
+                          <a:latin typeface="+mn-lt"/>
+                          <a:ea typeface="+mn-ea"/>
+                          <a:cs typeface="+mn-cs"/>
+                        </a:rPr>
+                        <a:t>to optimize component performance</a:t>
+                      </a:r>
+                      <a:endParaRPr lang="en-US" sz="1100" kern="1200" dirty="0">
+                        <a:solidFill>
+                          <a:schemeClr val="dk1"/>
+                        </a:solidFill>
+                        <a:effectLst/>
+                        <a:latin typeface="+mn-lt"/>
+                        <a:ea typeface="+mn-ea"/>
+                        <a:cs typeface="+mn-cs"/>
+                      </a:endParaRPr>
+                    </a:p>
+                  </a:txBody>
+                  <a:tcPr/>
+                </a:tc>
+                <a:tc>
+                  <a:txBody>
+                    <a:bodyPr/>
+                    <a:lstStyle/>
+                    <a:p>
+                      <a:endParaRPr lang="en-US" sz="1100" kern="1200" dirty="0">
+                        <a:solidFill>
+                          <a:schemeClr val="dk1"/>
+                        </a:solidFill>
+                        <a:effectLst/>
+                        <a:latin typeface="+mn-lt"/>
+                        <a:ea typeface="+mn-ea"/>
+                        <a:cs typeface="+mn-cs"/>
+                      </a:endParaRPr>
+                    </a:p>
+                  </a:txBody>
+                  <a:tcPr/>
+                </a:tc>
+                <a:extLst>
+                  <a:ext uri="{0D108BD9-81ED-4DB2-BD59-A6C34878D82A}">
+                    <a16:rowId xmlns:a16="http://schemas.microsoft.com/office/drawing/2014/main" val="943877207"/>
+                  </a:ext>
+                </a:extLst>
+              </a:tr>
+              <a:tr h="647616">
+                <a:tc>
+                  <a:txBody>
+                    <a:bodyPr/>
+                    <a:lstStyle/>
+                    <a:p>
+                      <a:r>
+                        <a:rPr lang="en-US" sz="1100" kern="1200" dirty="0" smtClean="0">
+                          <a:solidFill>
+                            <a:schemeClr val="dk1"/>
+                          </a:solidFill>
+                          <a:effectLst/>
+                          <a:latin typeface="+mn-lt"/>
+                          <a:ea typeface="+mn-ea"/>
+                          <a:cs typeface="+mn-cs"/>
+                        </a:rPr>
+                        <a:t>componentDidUpdate</a:t>
+                      </a:r>
+                      <a:endParaRPr lang="en-US" sz="1100" kern="1200" dirty="0">
+                        <a:solidFill>
+                          <a:schemeClr val="dk1"/>
+                        </a:solidFill>
+                        <a:effectLst/>
+                        <a:latin typeface="+mn-lt"/>
+                        <a:ea typeface="+mn-ea"/>
+                        <a:cs typeface="+mn-cs"/>
+                      </a:endParaRPr>
+                    </a:p>
+                  </a:txBody>
+                  <a:tcPr/>
+                </a:tc>
+                <a:tc>
+                  <a:txBody>
+                    <a:bodyPr/>
+                    <a:lstStyle/>
+                    <a:p>
+                      <a:r>
+                        <a:rPr lang="en-US" sz="1100" kern="1200" dirty="0" smtClean="0">
+                          <a:solidFill>
+                            <a:schemeClr val="dk1"/>
+                          </a:solidFill>
+                          <a:effectLst/>
+                          <a:latin typeface="+mn-lt"/>
+                          <a:ea typeface="+mn-ea"/>
+                          <a:cs typeface="+mn-cs"/>
+                        </a:rPr>
+                        <a:t>Do side effects (AJAX calls, etc.)</a:t>
+                      </a:r>
+                      <a:endParaRPr lang="en-US" sz="1100" kern="1200" dirty="0">
+                        <a:solidFill>
+                          <a:schemeClr val="dk1"/>
+                        </a:solidFill>
+                        <a:effectLst/>
+                        <a:latin typeface="+mn-lt"/>
+                        <a:ea typeface="+mn-ea"/>
+                        <a:cs typeface="+mn-cs"/>
+                      </a:endParaRPr>
+                    </a:p>
+                  </a:txBody>
+                  <a:tcPr/>
+                </a:tc>
+                <a:tc>
+                  <a:txBody>
+                    <a:bodyPr/>
+                    <a:lstStyle/>
+                    <a:p>
+                      <a:r>
+                        <a:rPr lang="en-US" sz="1100" kern="1200" dirty="0" smtClean="0">
+                          <a:solidFill>
+                            <a:schemeClr val="dk1"/>
+                          </a:solidFill>
+                          <a:effectLst/>
+                          <a:latin typeface="+mn-lt"/>
+                          <a:ea typeface="+mn-ea"/>
+                          <a:cs typeface="+mn-cs"/>
+                        </a:rPr>
+                        <a:t>setState() here give you infinity update</a:t>
+                      </a:r>
+                      <a:endParaRPr lang="en-US" sz="1100" kern="1200" dirty="0">
+                        <a:solidFill>
+                          <a:schemeClr val="dk1"/>
+                        </a:solidFill>
+                        <a:effectLst/>
+                        <a:latin typeface="+mn-lt"/>
+                        <a:ea typeface="+mn-ea"/>
+                        <a:cs typeface="+mn-cs"/>
+                      </a:endParaRPr>
+                    </a:p>
+                  </a:txBody>
+                  <a:tcPr/>
+                </a:tc>
+                <a:extLst>
+                  <a:ext uri="{0D108BD9-81ED-4DB2-BD59-A6C34878D82A}">
+                    <a16:rowId xmlns:a16="http://schemas.microsoft.com/office/drawing/2014/main" val="2284530564"/>
+                  </a:ext>
+                </a:extLst>
+              </a:tr>
+              <a:tr h="647616">
+                <a:tc>
+                  <a:txBody>
+                    <a:bodyPr/>
+                    <a:lstStyle/>
+                    <a:p>
+                      <a:r>
+                        <a:rPr lang="en-US" sz="1100" kern="1200" dirty="0" err="1" smtClean="0">
+                          <a:solidFill>
+                            <a:schemeClr val="dk1"/>
+                          </a:solidFill>
+                          <a:effectLst/>
+                          <a:latin typeface="+mn-lt"/>
+                          <a:ea typeface="+mn-ea"/>
+                          <a:cs typeface="+mn-cs"/>
+                        </a:rPr>
+                        <a:t>componentDidMount</a:t>
+                      </a:r>
+                      <a:endParaRPr lang="en-US" sz="1100" kern="1200" dirty="0">
+                        <a:solidFill>
+                          <a:schemeClr val="dk1"/>
+                        </a:solidFill>
+                        <a:effectLst/>
+                        <a:latin typeface="+mn-lt"/>
+                        <a:ea typeface="+mn-ea"/>
+                        <a:cs typeface="+mn-cs"/>
+                      </a:endParaRPr>
+                    </a:p>
+                  </a:txBody>
+                  <a:tcPr/>
+                </a:tc>
+                <a:tc>
+                  <a:txBody>
+                    <a:bodyPr/>
+                    <a:lstStyle/>
+                    <a:p>
+                      <a:pPr marL="0" marR="0" indent="0" algn="l" defTabSz="914400" rtl="0" eaLnBrk="1" fontAlgn="auto" latinLnBrk="0" hangingPunct="1">
+                        <a:lnSpc>
+                          <a:spcPct val="100000"/>
+                        </a:lnSpc>
+                        <a:spcBef>
+                          <a:spcPts val="0"/>
+                        </a:spcBef>
+                        <a:spcAft>
+                          <a:spcPts val="0"/>
+                        </a:spcAft>
+                        <a:buClrTx/>
+                        <a:buSzTx/>
+                        <a:buFontTx/>
+                        <a:buNone/>
+                        <a:tabLst/>
+                        <a:defRPr/>
+                      </a:pPr>
+                      <a:r>
+                        <a:rPr lang="en-US" sz="1100" kern="1200" dirty="0" smtClean="0">
+                          <a:solidFill>
+                            <a:schemeClr val="dk1"/>
+                          </a:solidFill>
+                          <a:effectLst/>
+                          <a:latin typeface="+mn-lt"/>
+                          <a:ea typeface="+mn-ea"/>
+                          <a:cs typeface="+mn-cs"/>
+                        </a:rPr>
+                        <a:t>Do side effects (AJAX calls, etc.)</a:t>
+                      </a:r>
+                    </a:p>
+                    <a:p>
+                      <a:endParaRPr lang="en-US" sz="1100" kern="1200" dirty="0">
+                        <a:solidFill>
+                          <a:schemeClr val="dk1"/>
+                        </a:solidFill>
+                        <a:effectLst/>
+                        <a:latin typeface="+mn-lt"/>
+                        <a:ea typeface="+mn-ea"/>
+                        <a:cs typeface="+mn-cs"/>
+                      </a:endParaRPr>
+                    </a:p>
+                  </a:txBody>
+                  <a:tcPr/>
+                </a:tc>
+                <a:tc>
+                  <a:txBody>
+                    <a:bodyPr/>
+                    <a:lstStyle/>
+                    <a:p>
+                      <a:pPr marL="0" marR="0" indent="0" algn="l" defTabSz="914400" rtl="0" eaLnBrk="1" fontAlgn="auto" latinLnBrk="0" hangingPunct="1">
+                        <a:lnSpc>
+                          <a:spcPct val="100000"/>
+                        </a:lnSpc>
+                        <a:spcBef>
+                          <a:spcPts val="0"/>
+                        </a:spcBef>
+                        <a:spcAft>
+                          <a:spcPts val="0"/>
+                        </a:spcAft>
+                        <a:buClrTx/>
+                        <a:buSzTx/>
+                        <a:buFontTx/>
+                        <a:buNone/>
+                        <a:tabLst/>
+                        <a:defRPr/>
+                      </a:pPr>
+                      <a:r>
+                        <a:rPr lang="en-US" sz="1100" kern="1200" dirty="0" smtClean="0">
+                          <a:solidFill>
+                            <a:schemeClr val="dk1"/>
+                          </a:solidFill>
+                          <a:effectLst/>
+                          <a:latin typeface="+mn-lt"/>
+                          <a:ea typeface="+mn-ea"/>
+                          <a:cs typeface="+mn-cs"/>
+                        </a:rPr>
+                        <a:t>setState() here give you infinity update</a:t>
+                      </a:r>
+                    </a:p>
+                    <a:p>
+                      <a:endParaRPr lang="en-US" sz="1100" kern="1200" dirty="0">
+                        <a:solidFill>
+                          <a:schemeClr val="dk1"/>
+                        </a:solidFill>
+                        <a:effectLst/>
+                        <a:latin typeface="+mn-lt"/>
+                        <a:ea typeface="+mn-ea"/>
+                        <a:cs typeface="+mn-cs"/>
+                      </a:endParaRPr>
+                    </a:p>
+                  </a:txBody>
+                  <a:tcPr/>
+                </a:tc>
+                <a:extLst>
+                  <a:ext uri="{0D108BD9-81ED-4DB2-BD59-A6C34878D82A}">
+                    <a16:rowId xmlns:a16="http://schemas.microsoft.com/office/drawing/2014/main" val="1857248971"/>
+                  </a:ext>
+                </a:extLst>
+              </a:tr>
+              <a:tr h="841901">
+                <a:tc>
+                  <a:txBody>
+                    <a:bodyPr/>
+                    <a:lstStyle/>
+                    <a:p>
+                      <a:r>
+                        <a:rPr lang="en-US" sz="1100" kern="1200" dirty="0" err="1" smtClean="0">
+                          <a:solidFill>
+                            <a:schemeClr val="dk1"/>
+                          </a:solidFill>
+                          <a:effectLst/>
+                          <a:latin typeface="+mn-lt"/>
+                          <a:ea typeface="+mn-ea"/>
+                          <a:cs typeface="+mn-cs"/>
+                        </a:rPr>
+                        <a:t>componentWillUnmount</a:t>
+                      </a:r>
+                      <a:endParaRPr lang="en-US" sz="1100" kern="1200" dirty="0">
+                        <a:solidFill>
+                          <a:schemeClr val="dk1"/>
+                        </a:solidFill>
+                        <a:effectLst/>
+                        <a:latin typeface="+mn-lt"/>
+                        <a:ea typeface="+mn-ea"/>
+                        <a:cs typeface="+mn-cs"/>
+                      </a:endParaRPr>
+                    </a:p>
+                  </a:txBody>
+                  <a:tcPr/>
+                </a:tc>
+                <a:tc>
+                  <a:txBody>
+                    <a:bodyPr/>
+                    <a:lstStyle/>
+                    <a:p>
+                      <a:r>
+                        <a:rPr lang="en-US" sz="1100" kern="1200" dirty="0" smtClean="0">
+                          <a:solidFill>
+                            <a:schemeClr val="dk1"/>
+                          </a:solidFill>
+                          <a:effectLst/>
+                          <a:latin typeface="+mn-lt"/>
+                          <a:ea typeface="+mn-ea"/>
+                          <a:cs typeface="+mn-cs"/>
+                        </a:rPr>
+                        <a:t>Remove timers and listeners created during the lifetime of the component.</a:t>
+                      </a:r>
+                      <a:endParaRPr lang="en-US" sz="1100" kern="1200" dirty="0">
+                        <a:solidFill>
+                          <a:schemeClr val="dk1"/>
+                        </a:solidFill>
+                        <a:effectLst/>
+                        <a:latin typeface="+mn-lt"/>
+                        <a:ea typeface="+mn-ea"/>
+                        <a:cs typeface="+mn-cs"/>
+                      </a:endParaRPr>
+                    </a:p>
+                  </a:txBody>
+                  <a:tcPr/>
+                </a:tc>
+                <a:tc>
+                  <a:txBody>
+                    <a:bodyPr/>
+                    <a:lstStyle/>
+                    <a:p>
+                      <a:r>
+                        <a:rPr lang="en-US" sz="1100" kern="1200" dirty="0" smtClean="0">
+                          <a:solidFill>
+                            <a:schemeClr val="dk1"/>
+                          </a:solidFill>
+                          <a:effectLst/>
+                          <a:latin typeface="+mn-lt"/>
+                          <a:ea typeface="+mn-ea"/>
+                          <a:cs typeface="+mn-cs"/>
+                        </a:rPr>
+                        <a:t>Do not call setState(), do not set new listeners or run timers</a:t>
+                      </a:r>
+                      <a:endParaRPr lang="en-US" sz="1100" kern="1200" dirty="0">
+                        <a:solidFill>
+                          <a:schemeClr val="dk1"/>
+                        </a:solidFill>
+                        <a:effectLst/>
+                        <a:latin typeface="+mn-lt"/>
+                        <a:ea typeface="+mn-ea"/>
+                        <a:cs typeface="+mn-cs"/>
+                      </a:endParaRPr>
+                    </a:p>
+                  </a:txBody>
+                  <a:tcPr/>
+                </a:tc>
+                <a:extLst>
+                  <a:ext uri="{0D108BD9-81ED-4DB2-BD59-A6C34878D82A}">
+                    <a16:rowId xmlns:a16="http://schemas.microsoft.com/office/drawing/2014/main" val="1168382511"/>
+                  </a:ext>
+                </a:extLst>
+              </a:tr>
+              <a:tr h="262644">
+                <a:tc>
+                  <a:txBody>
+                    <a:bodyPr/>
+                    <a:lstStyle/>
+                    <a:p>
+                      <a:r>
+                        <a:rPr lang="en-US" sz="1100" kern="1200" dirty="0" smtClean="0">
+                          <a:solidFill>
+                            <a:srgbClr val="FF0000"/>
+                          </a:solidFill>
+                          <a:effectLst/>
+                          <a:latin typeface="+mn-lt"/>
+                          <a:ea typeface="+mn-ea"/>
+                          <a:cs typeface="+mn-cs"/>
+                        </a:rPr>
+                        <a:t>static </a:t>
+                      </a:r>
+                      <a:r>
+                        <a:rPr lang="en-US" sz="1100" kern="1200" dirty="0" err="1" smtClean="0">
+                          <a:solidFill>
+                            <a:srgbClr val="FF0000"/>
+                          </a:solidFill>
+                          <a:effectLst/>
+                          <a:latin typeface="+mn-lt"/>
+                          <a:ea typeface="+mn-ea"/>
+                          <a:cs typeface="+mn-cs"/>
+                        </a:rPr>
+                        <a:t>getDerivedStateFromProps</a:t>
+                      </a:r>
+                      <a:endParaRPr lang="en-US" sz="1100" kern="1200" dirty="0">
+                        <a:solidFill>
+                          <a:srgbClr val="FF0000"/>
+                        </a:solidFill>
+                        <a:effectLst/>
+                        <a:latin typeface="+mn-lt"/>
+                        <a:ea typeface="+mn-ea"/>
+                        <a:cs typeface="+mn-cs"/>
+                      </a:endParaRPr>
+                    </a:p>
+                  </a:txBody>
+                  <a:tcPr/>
+                </a:tc>
+                <a:tc>
+                  <a:txBody>
+                    <a:bodyPr/>
+                    <a:lstStyle/>
+                    <a:p>
+                      <a:r>
+                        <a:rPr lang="en-US" sz="1100" kern="1200" dirty="0" smtClean="0">
+                          <a:solidFill>
+                            <a:srgbClr val="FF0000"/>
+                          </a:solidFill>
+                          <a:effectLst/>
+                          <a:latin typeface="+mn-lt"/>
+                          <a:ea typeface="+mn-ea"/>
+                          <a:cs typeface="+mn-cs"/>
+                        </a:rPr>
+                        <a:t>To set component’s state from props</a:t>
+                      </a:r>
+                      <a:endParaRPr lang="en-US" sz="1100" kern="1200" dirty="0">
+                        <a:solidFill>
+                          <a:srgbClr val="FF0000"/>
+                        </a:solidFill>
+                        <a:effectLst/>
+                        <a:latin typeface="+mn-lt"/>
+                        <a:ea typeface="+mn-ea"/>
+                        <a:cs typeface="+mn-cs"/>
+                      </a:endParaRPr>
+                    </a:p>
+                  </a:txBody>
+                  <a:tcPr/>
+                </a:tc>
+                <a:tc>
+                  <a:txBody>
+                    <a:bodyPr/>
+                    <a:lstStyle/>
+                    <a:p>
+                      <a:endParaRPr lang="en-US" sz="1100" kern="1200" dirty="0">
+                        <a:solidFill>
+                          <a:srgbClr val="FF0000"/>
+                        </a:solidFill>
+                        <a:effectLst/>
+                        <a:latin typeface="+mn-lt"/>
+                        <a:ea typeface="+mn-ea"/>
+                        <a:cs typeface="+mn-cs"/>
+                      </a:endParaRPr>
+                    </a:p>
+                  </a:txBody>
+                  <a:tcPr/>
+                </a:tc>
+                <a:extLst>
+                  <a:ext uri="{0D108BD9-81ED-4DB2-BD59-A6C34878D82A}">
+                    <a16:rowId xmlns:a16="http://schemas.microsoft.com/office/drawing/2014/main" val="3246415070"/>
+                  </a:ext>
+                </a:extLst>
+              </a:tr>
+              <a:tr h="262644">
+                <a:tc>
+                  <a:txBody>
+                    <a:bodyPr/>
+                    <a:lstStyle/>
+                    <a:p>
+                      <a:r>
+                        <a:rPr lang="en-US" sz="1100" kern="1200" dirty="0" err="1" smtClean="0">
+                          <a:solidFill>
+                            <a:srgbClr val="FF0000"/>
+                          </a:solidFill>
+                          <a:effectLst/>
+                          <a:latin typeface="+mn-lt"/>
+                          <a:ea typeface="+mn-ea"/>
+                          <a:cs typeface="+mn-cs"/>
+                        </a:rPr>
+                        <a:t>getSnapshotBeforeUpdate</a:t>
+                      </a:r>
+                      <a:endParaRPr lang="en-US" sz="1100" kern="1200" dirty="0">
+                        <a:solidFill>
+                          <a:srgbClr val="FF0000"/>
+                        </a:solidFill>
+                        <a:effectLst/>
+                        <a:latin typeface="+mn-lt"/>
+                        <a:ea typeface="+mn-ea"/>
+                        <a:cs typeface="+mn-cs"/>
+                      </a:endParaRPr>
+                    </a:p>
+                  </a:txBody>
+                  <a:tcPr/>
+                </a:tc>
+                <a:tc>
+                  <a:txBody>
+                    <a:bodyPr/>
+                    <a:lstStyle/>
+                    <a:p>
+                      <a:r>
+                        <a:rPr lang="en-US" sz="1100" kern="1200" dirty="0" smtClean="0">
+                          <a:solidFill>
+                            <a:srgbClr val="FF0000"/>
+                          </a:solidFill>
+                          <a:effectLst/>
+                          <a:latin typeface="+mn-lt"/>
+                          <a:ea typeface="+mn-ea"/>
+                          <a:cs typeface="+mn-cs"/>
+                        </a:rPr>
+                        <a:t>to capture some information from the DOM (e.g. scroll position)</a:t>
+                      </a:r>
+                      <a:endParaRPr lang="en-US" sz="1100" kern="1200" dirty="0">
+                        <a:solidFill>
+                          <a:srgbClr val="FF0000"/>
+                        </a:solidFill>
+                        <a:effectLst/>
+                        <a:latin typeface="+mn-lt"/>
+                        <a:ea typeface="+mn-ea"/>
+                        <a:cs typeface="+mn-cs"/>
+                      </a:endParaRPr>
+                    </a:p>
+                  </a:txBody>
+                  <a:tcPr/>
+                </a:tc>
+                <a:tc>
+                  <a:txBody>
+                    <a:bodyPr/>
+                    <a:lstStyle/>
+                    <a:p>
+                      <a:endParaRPr lang="en-US" sz="1100" kern="1200" dirty="0">
+                        <a:solidFill>
+                          <a:srgbClr val="FF0000"/>
+                        </a:solidFill>
+                        <a:effectLst/>
+                        <a:latin typeface="+mn-lt"/>
+                        <a:ea typeface="+mn-ea"/>
+                        <a:cs typeface="+mn-cs"/>
+                      </a:endParaRPr>
+                    </a:p>
+                  </a:txBody>
+                  <a:tcPr/>
+                </a:tc>
+                <a:extLst>
+                  <a:ext uri="{0D108BD9-81ED-4DB2-BD59-A6C34878D82A}">
+                    <a16:rowId xmlns:a16="http://schemas.microsoft.com/office/drawing/2014/main" val="1061885146"/>
+                  </a:ext>
+                </a:extLst>
+              </a:tr>
+              <a:tr h="262644">
+                <a:tc>
+                  <a:txBody>
+                    <a:bodyPr/>
+                    <a:lstStyle/>
+                    <a:p>
+                      <a:r>
+                        <a:rPr lang="en-US" sz="1100" kern="1200" dirty="0" smtClean="0">
+                          <a:solidFill>
+                            <a:srgbClr val="FF0000"/>
+                          </a:solidFill>
+                          <a:effectLst/>
+                          <a:latin typeface="+mn-lt"/>
+                          <a:ea typeface="+mn-ea"/>
+                          <a:cs typeface="+mn-cs"/>
+                        </a:rPr>
+                        <a:t>static </a:t>
+                      </a:r>
+                      <a:r>
+                        <a:rPr lang="en-US" sz="1100" kern="1200" dirty="0" err="1" smtClean="0">
+                          <a:solidFill>
+                            <a:srgbClr val="FF0000"/>
+                          </a:solidFill>
+                          <a:effectLst/>
+                          <a:latin typeface="+mn-lt"/>
+                          <a:ea typeface="+mn-ea"/>
+                          <a:cs typeface="+mn-cs"/>
+                        </a:rPr>
+                        <a:t>getDerivedStateFromError</a:t>
+                      </a:r>
+                      <a:endParaRPr lang="en-US" sz="1100" kern="1200" dirty="0">
+                        <a:solidFill>
+                          <a:srgbClr val="FF0000"/>
+                        </a:solidFill>
+                        <a:effectLst/>
+                        <a:latin typeface="+mn-lt"/>
+                        <a:ea typeface="+mn-ea"/>
+                        <a:cs typeface="+mn-cs"/>
+                      </a:endParaRPr>
+                    </a:p>
+                  </a:txBody>
+                  <a:tcPr/>
+                </a:tc>
+                <a:tc>
+                  <a:txBody>
+                    <a:bodyPr/>
+                    <a:lstStyle/>
+                    <a:p>
+                      <a:r>
+                        <a:rPr lang="en-US" sz="1100" kern="1200" dirty="0" smtClean="0">
+                          <a:solidFill>
+                            <a:srgbClr val="FF0000"/>
+                          </a:solidFill>
+                          <a:effectLst/>
+                          <a:latin typeface="+mn-lt"/>
+                          <a:ea typeface="+mn-ea"/>
+                          <a:cs typeface="+mn-cs"/>
+                        </a:rPr>
+                        <a:t>lifecycle is invoked after an error has been thrown by a descendant component</a:t>
+                      </a:r>
+                      <a:br>
+                        <a:rPr lang="en-US" sz="1100" kern="1200" dirty="0" smtClean="0">
+                          <a:solidFill>
+                            <a:srgbClr val="FF0000"/>
+                          </a:solidFill>
+                          <a:effectLst/>
+                          <a:latin typeface="+mn-lt"/>
+                          <a:ea typeface="+mn-ea"/>
+                          <a:cs typeface="+mn-cs"/>
+                        </a:rPr>
+                      </a:br>
+                      <a:r>
+                        <a:rPr lang="en-US" sz="1100" kern="1200" dirty="0" smtClean="0">
+                          <a:solidFill>
+                            <a:srgbClr val="FF0000"/>
+                          </a:solidFill>
+                          <a:effectLst/>
+                          <a:latin typeface="+mn-lt"/>
+                          <a:ea typeface="+mn-ea"/>
+                          <a:cs typeface="+mn-cs"/>
+                          <a:hlinkClick r:id="rId2"/>
+                        </a:rPr>
+                        <a:t>preview</a:t>
+                      </a:r>
+                      <a:endParaRPr lang="en-US" sz="1100" kern="1200" dirty="0">
+                        <a:solidFill>
+                          <a:srgbClr val="FF0000"/>
+                        </a:solidFill>
+                        <a:effectLst/>
+                        <a:latin typeface="+mn-lt"/>
+                        <a:ea typeface="+mn-ea"/>
+                        <a:cs typeface="+mn-cs"/>
+                      </a:endParaRPr>
+                    </a:p>
+                  </a:txBody>
+                  <a:tcPr/>
+                </a:tc>
+                <a:tc>
+                  <a:txBody>
+                    <a:bodyPr/>
+                    <a:lstStyle/>
+                    <a:p>
+                      <a:endParaRPr lang="en-US" sz="1100" kern="1200" dirty="0">
+                        <a:solidFill>
+                          <a:srgbClr val="FF0000"/>
+                        </a:solidFill>
+                        <a:effectLst/>
+                        <a:latin typeface="+mn-lt"/>
+                        <a:ea typeface="+mn-ea"/>
+                        <a:cs typeface="+mn-cs"/>
+                      </a:endParaRPr>
+                    </a:p>
+                  </a:txBody>
+                  <a:tcPr/>
+                </a:tc>
+                <a:extLst>
+                  <a:ext uri="{0D108BD9-81ED-4DB2-BD59-A6C34878D82A}">
+                    <a16:rowId xmlns:a16="http://schemas.microsoft.com/office/drawing/2014/main" val="2560663511"/>
+                  </a:ext>
+                </a:extLst>
+              </a:tr>
+              <a:tr h="262644">
+                <a:tc>
+                  <a:txBody>
+                    <a:bodyPr/>
+                    <a:lstStyle/>
+                    <a:p>
+                      <a:pPr marL="0" marR="0" indent="0" algn="l" defTabSz="914400" rtl="0" eaLnBrk="1" fontAlgn="auto" latinLnBrk="0" hangingPunct="1">
+                        <a:lnSpc>
+                          <a:spcPct val="100000"/>
+                        </a:lnSpc>
+                        <a:spcBef>
+                          <a:spcPts val="0"/>
+                        </a:spcBef>
+                        <a:spcAft>
+                          <a:spcPts val="0"/>
+                        </a:spcAft>
+                        <a:buClrTx/>
+                        <a:buSzTx/>
+                        <a:buFontTx/>
+                        <a:buNone/>
+                        <a:tabLst/>
+                        <a:defRPr/>
+                      </a:pPr>
+                      <a:r>
+                        <a:rPr lang="en-US" sz="1100" kern="1200" dirty="0" err="1" smtClean="0">
+                          <a:solidFill>
+                            <a:srgbClr val="FF0000"/>
+                          </a:solidFill>
+                          <a:effectLst/>
+                          <a:latin typeface="+mn-lt"/>
+                          <a:ea typeface="+mn-ea"/>
+                          <a:cs typeface="+mn-cs"/>
+                        </a:rPr>
+                        <a:t>componentDidCatch</a:t>
+                      </a:r>
+                      <a:endParaRPr lang="en-US" sz="1100" kern="1200" dirty="0" smtClean="0">
+                        <a:solidFill>
+                          <a:srgbClr val="FF0000"/>
+                        </a:solidFill>
+                        <a:effectLst/>
+                        <a:latin typeface="+mn-lt"/>
+                        <a:ea typeface="+mn-ea"/>
+                        <a:cs typeface="+mn-cs"/>
+                      </a:endParaRPr>
+                    </a:p>
+                    <a:p>
+                      <a:endParaRPr lang="en-US" sz="1100" kern="1200" dirty="0">
+                        <a:solidFill>
+                          <a:srgbClr val="FF0000"/>
+                        </a:solidFill>
+                        <a:effectLst/>
+                        <a:latin typeface="+mn-lt"/>
+                        <a:ea typeface="+mn-ea"/>
+                        <a:cs typeface="+mn-cs"/>
+                      </a:endParaRPr>
+                    </a:p>
+                  </a:txBody>
+                  <a:tcPr/>
+                </a:tc>
+                <a:tc>
+                  <a:txBody>
+                    <a:bodyPr/>
+                    <a:lstStyle/>
+                    <a:p>
+                      <a:endParaRPr lang="en-US" sz="1100" kern="1200" dirty="0">
+                        <a:solidFill>
+                          <a:srgbClr val="FF0000"/>
+                        </a:solidFill>
+                        <a:effectLst/>
+                        <a:latin typeface="+mn-lt"/>
+                        <a:ea typeface="+mn-ea"/>
+                        <a:cs typeface="+mn-cs"/>
+                      </a:endParaRPr>
+                    </a:p>
+                  </a:txBody>
+                  <a:tcPr/>
+                </a:tc>
+                <a:tc>
+                  <a:txBody>
+                    <a:bodyPr/>
+                    <a:lstStyle/>
+                    <a:p>
+                      <a:endParaRPr lang="en-US" sz="1100" kern="1200" dirty="0">
+                        <a:solidFill>
+                          <a:srgbClr val="FF0000"/>
+                        </a:solidFill>
+                        <a:effectLst/>
+                        <a:latin typeface="+mn-lt"/>
+                        <a:ea typeface="+mn-ea"/>
+                        <a:cs typeface="+mn-cs"/>
+                      </a:endParaRPr>
+                    </a:p>
+                  </a:txBody>
+                  <a:tcPr/>
+                </a:tc>
+                <a:extLst>
+                  <a:ext uri="{0D108BD9-81ED-4DB2-BD59-A6C34878D82A}">
+                    <a16:rowId xmlns:a16="http://schemas.microsoft.com/office/drawing/2014/main" val="3904237637"/>
+                  </a:ext>
+                </a:extLst>
+              </a:tr>
+            </a:tbl>
+          </a:graphicData>
+        </a:graphic>
+      </p:graphicFrame>
+    </p:spTree>
+    <p:extLst>
+      <p:ext uri="{BB962C8B-B14F-4D97-AF65-F5344CB8AC3E}">
+        <p14:creationId xmlns:p14="http://schemas.microsoft.com/office/powerpoint/2010/main" val="3253961473"/>
+      </p:ext>
+    </p:extLst>
+  </p:cSld>
+  <p:clrMapOvr>
+    <a:masterClrMapping/>
+  </p:clrMapOvr>
+  <p:timing>
+    <p:tnLst>
+      <p:par>
+        <p:cTn id="1" dur="indefinite" restart="never" nodeType="tmRoot"/>
+      </p:par>
+    </p:tnLst>
+  </p:timing>
+</p:sld>
+</file>
+
+<file path=ppt/slides/slide3.xml><?xml version="1.0" encoding="utf-8"?>
 <p:sld xmlns:a="http://schemas.openxmlformats.org/drawingml/2006/main" xmlns:r="http://schemas.openxmlformats.org/officeDocument/2006/relationships" xmlns:p="http://schemas.openxmlformats.org/presentationml/2006/main">
   <p:cSld>
     <p:bg>

--- a/React component lifecycle.pptx
+++ b/React component lifecycle.pptx
@@ -5,9 +5,14 @@
     <p:sldMasterId id="2147483648" r:id="rId1"/>
   </p:sldMasterIdLst>
   <p:sldIdLst>
-    <p:sldId id="257" r:id="rId2"/>
-    <p:sldId id="260" r:id="rId3"/>
-    <p:sldId id="258" r:id="rId4"/>
+    <p:sldId id="261" r:id="rId2"/>
+    <p:sldId id="264" r:id="rId3"/>
+    <p:sldId id="263" r:id="rId4"/>
+    <p:sldId id="262" r:id="rId5"/>
+    <p:sldId id="265" r:id="rId6"/>
+    <p:sldId id="257" r:id="rId7"/>
+    <p:sldId id="258" r:id="rId8"/>
+    <p:sldId id="260" r:id="rId9"/>
   </p:sldIdLst>
   <p:sldSz cx="12192000" cy="6858000"/>
   <p:notesSz cx="6858000" cy="9144000"/>
@@ -245,7 +250,7 @@
           <a:p>
             <a:fld id="{EE844072-81E0-44CE-8CF3-79AEA47A879C}" type="datetimeFigureOut">
               <a:rPr lang="en-US" smtClean="0"/>
-              <a:t>29-Nov-20</a:t>
+              <a:t>01-Dec-20</a:t>
             </a:fld>
             <a:endParaRPr lang="en-US" dirty="0"/>
           </a:p>
@@ -415,7 +420,7 @@
           <a:p>
             <a:fld id="{EE844072-81E0-44CE-8CF3-79AEA47A879C}" type="datetimeFigureOut">
               <a:rPr lang="en-US" smtClean="0"/>
-              <a:t>29-Nov-20</a:t>
+              <a:t>01-Dec-20</a:t>
             </a:fld>
             <a:endParaRPr lang="en-US" dirty="0"/>
           </a:p>
@@ -595,7 +600,7 @@
           <a:p>
             <a:fld id="{EE844072-81E0-44CE-8CF3-79AEA47A879C}" type="datetimeFigureOut">
               <a:rPr lang="en-US" smtClean="0"/>
-              <a:t>29-Nov-20</a:t>
+              <a:t>01-Dec-20</a:t>
             </a:fld>
             <a:endParaRPr lang="en-US" dirty="0"/>
           </a:p>
@@ -765,7 +770,7 @@
           <a:p>
             <a:fld id="{EE844072-81E0-44CE-8CF3-79AEA47A879C}" type="datetimeFigureOut">
               <a:rPr lang="en-US" smtClean="0"/>
-              <a:t>29-Nov-20</a:t>
+              <a:t>01-Dec-20</a:t>
             </a:fld>
             <a:endParaRPr lang="en-US" dirty="0"/>
           </a:p>
@@ -1011,7 +1016,7 @@
           <a:p>
             <a:fld id="{EE844072-81E0-44CE-8CF3-79AEA47A879C}" type="datetimeFigureOut">
               <a:rPr lang="en-US" smtClean="0"/>
-              <a:t>29-Nov-20</a:t>
+              <a:t>01-Dec-20</a:t>
             </a:fld>
             <a:endParaRPr lang="en-US" dirty="0"/>
           </a:p>
@@ -1243,7 +1248,7 @@
           <a:p>
             <a:fld id="{EE844072-81E0-44CE-8CF3-79AEA47A879C}" type="datetimeFigureOut">
               <a:rPr lang="en-US" smtClean="0"/>
-              <a:t>29-Nov-20</a:t>
+              <a:t>01-Dec-20</a:t>
             </a:fld>
             <a:endParaRPr lang="en-US" dirty="0"/>
           </a:p>
@@ -1610,7 +1615,7 @@
           <a:p>
             <a:fld id="{EE844072-81E0-44CE-8CF3-79AEA47A879C}" type="datetimeFigureOut">
               <a:rPr lang="en-US" smtClean="0"/>
-              <a:t>29-Nov-20</a:t>
+              <a:t>01-Dec-20</a:t>
             </a:fld>
             <a:endParaRPr lang="en-US" dirty="0"/>
           </a:p>
@@ -1728,7 +1733,7 @@
           <a:p>
             <a:fld id="{EE844072-81E0-44CE-8CF3-79AEA47A879C}" type="datetimeFigureOut">
               <a:rPr lang="en-US" smtClean="0"/>
-              <a:t>29-Nov-20</a:t>
+              <a:t>01-Dec-20</a:t>
             </a:fld>
             <a:endParaRPr lang="en-US" dirty="0"/>
           </a:p>
@@ -1823,7 +1828,7 @@
           <a:p>
             <a:fld id="{EE844072-81E0-44CE-8CF3-79AEA47A879C}" type="datetimeFigureOut">
               <a:rPr lang="en-US" smtClean="0"/>
-              <a:t>29-Nov-20</a:t>
+              <a:t>01-Dec-20</a:t>
             </a:fld>
             <a:endParaRPr lang="en-US" dirty="0"/>
           </a:p>
@@ -2100,7 +2105,7 @@
           <a:p>
             <a:fld id="{EE844072-81E0-44CE-8CF3-79AEA47A879C}" type="datetimeFigureOut">
               <a:rPr lang="en-US" smtClean="0"/>
-              <a:t>29-Nov-20</a:t>
+              <a:t>01-Dec-20</a:t>
             </a:fld>
             <a:endParaRPr lang="en-US" dirty="0"/>
           </a:p>
@@ -2353,7 +2358,7 @@
           <a:p>
             <a:fld id="{EE844072-81E0-44CE-8CF3-79AEA47A879C}" type="datetimeFigureOut">
               <a:rPr lang="en-US" smtClean="0"/>
-              <a:t>29-Nov-20</a:t>
+              <a:t>01-Dec-20</a:t>
             </a:fld>
             <a:endParaRPr lang="en-US" dirty="0"/>
           </a:p>
@@ -2566,7 +2571,7 @@
           <a:p>
             <a:fld id="{EE844072-81E0-44CE-8CF3-79AEA47A879C}" type="datetimeFigureOut">
               <a:rPr lang="en-US" smtClean="0"/>
-              <a:t>29-Nov-20</a:t>
+              <a:t>01-Dec-20</a:t>
             </a:fld>
             <a:endParaRPr lang="en-US" dirty="0"/>
           </a:p>
@@ -2957,6 +2962,14 @@
 <file path=ppt/slides/slide1.xml><?xml version="1.0" encoding="utf-8"?>
 <p:sld xmlns:a="http://schemas.openxmlformats.org/drawingml/2006/main" xmlns:r="http://schemas.openxmlformats.org/officeDocument/2006/relationships" xmlns:p="http://schemas.openxmlformats.org/presentationml/2006/main">
   <p:cSld>
+    <p:bg>
+      <p:bgPr>
+        <a:solidFill>
+          <a:schemeClr val="bg1"/>
+        </a:solidFill>
+        <a:effectLst/>
+      </p:bgPr>
+    </p:bg>
     <p:spTree>
       <p:nvGrpSpPr>
         <p:cNvPr id="1" name=""/>
@@ -2973,18 +2986,21 @@
       </p:grpSpPr>
       <p:sp>
         <p:nvSpPr>
-          <p:cNvPr id="12" name="Rectangle 11"/>
-          <p:cNvSpPr/>
-          <p:nvPr/>
-        </p:nvSpPr>
-        <p:spPr>
-          <a:xfrm>
-            <a:off x="510746" y="247135"/>
-            <a:ext cx="1713470" cy="222421"/>
+          <p:cNvPr id="4" name="TextBox 3"/>
+          <p:cNvSpPr txBox="1"/>
+          <p:nvPr/>
+        </p:nvSpPr>
+        <p:spPr>
+          <a:xfrm>
+            <a:off x="122462" y="2746348"/>
+            <a:ext cx="2000250" cy="1200329"/>
           </a:xfrm>
           <a:prstGeom prst="rect">
             <a:avLst/>
           </a:prstGeom>
+          <a:solidFill>
+            <a:srgbClr val="61DAFB"/>
+          </a:solidFill>
         </p:spPr>
         <p:style>
           <a:lnRef idx="2">
@@ -3003,13 +3019,1885 @@
           </a:fontRef>
         </p:style>
         <p:txBody>
+          <a:bodyPr wrap="square" rtlCol="0">
+            <a:spAutoFit/>
+          </a:bodyPr>
+          <a:lstStyle/>
+          <a:p>
+            <a:pPr marL="0" lvl="8" algn="ctr"/>
+            <a:r>
+              <a:rPr lang="en-US" b="1" dirty="0"/>
+              <a:t>React</a:t>
+            </a:r>
+            <a:r>
+              <a:rPr lang="en-US" dirty="0"/>
+              <a:t> is a JavaScript library for building user interfaces.</a:t>
+            </a:r>
+            <a:endParaRPr lang="en-US" sz="2000" dirty="0"/>
+          </a:p>
+        </p:txBody>
+      </p:sp>
+      <p:sp>
+        <p:nvSpPr>
+          <p:cNvPr id="6" name="TextBox 5"/>
+          <p:cNvSpPr txBox="1"/>
+          <p:nvPr/>
+        </p:nvSpPr>
+        <p:spPr>
+          <a:xfrm>
+            <a:off x="-1" y="0"/>
+            <a:ext cx="6074229" cy="1015663"/>
+          </a:xfrm>
+          <a:prstGeom prst="rect">
+            <a:avLst/>
+          </a:prstGeom>
+          <a:solidFill>
+            <a:srgbClr val="61DAFB"/>
+          </a:solidFill>
+        </p:spPr>
+        <p:style>
+          <a:lnRef idx="2">
+            <a:schemeClr val="accent1">
+              <a:shade val="50000"/>
+            </a:schemeClr>
+          </a:lnRef>
+          <a:fillRef idx="1">
+            <a:schemeClr val="accent1"/>
+          </a:fillRef>
+          <a:effectRef idx="0">
+            <a:schemeClr val="accent1"/>
+          </a:effectRef>
+          <a:fontRef idx="minor">
+            <a:schemeClr val="lt1"/>
+          </a:fontRef>
+        </p:style>
+        <p:txBody>
+          <a:bodyPr wrap="square" rtlCol="0">
+            <a:spAutoFit/>
+          </a:bodyPr>
+          <a:lstStyle/>
+          <a:p>
+            <a:pPr algn="r"/>
+            <a:r>
+              <a:rPr lang="en-US" sz="6000" dirty="0" smtClean="0"/>
+              <a:t>  React          v</a:t>
+            </a:r>
+            <a:endParaRPr lang="en-US" sz="6000" dirty="0"/>
+          </a:p>
+        </p:txBody>
+      </p:sp>
+      <p:sp>
+        <p:nvSpPr>
+          <p:cNvPr id="5" name="TextBox 4"/>
+          <p:cNvSpPr txBox="1"/>
+          <p:nvPr/>
+        </p:nvSpPr>
+        <p:spPr>
+          <a:xfrm>
+            <a:off x="6074229" y="0"/>
+            <a:ext cx="6117771" cy="1015663"/>
+          </a:xfrm>
+          <a:prstGeom prst="rect">
+            <a:avLst/>
+          </a:prstGeom>
+          <a:solidFill>
+            <a:srgbClr val="F64236"/>
+          </a:solidFill>
+        </p:spPr>
+        <p:style>
+          <a:lnRef idx="2">
+            <a:schemeClr val="accent1">
+              <a:shade val="50000"/>
+            </a:schemeClr>
+          </a:lnRef>
+          <a:fillRef idx="1">
+            <a:schemeClr val="accent1"/>
+          </a:fillRef>
+          <a:effectRef idx="0">
+            <a:schemeClr val="accent1"/>
+          </a:effectRef>
+          <a:fontRef idx="minor">
+            <a:schemeClr val="lt1"/>
+          </a:fontRef>
+        </p:style>
+        <p:txBody>
+          <a:bodyPr wrap="square" rtlCol="0">
+            <a:spAutoFit/>
+          </a:bodyPr>
+          <a:lstStyle/>
+          <a:p>
+            <a:r>
+              <a:rPr lang="en-US" sz="6000" dirty="0"/>
+              <a:t>s </a:t>
+            </a:r>
+            <a:r>
+              <a:rPr lang="en-US" sz="6000" dirty="0" smtClean="0"/>
+              <a:t>        Angular</a:t>
+            </a:r>
+            <a:endParaRPr lang="en-US" sz="6000" dirty="0"/>
+          </a:p>
+        </p:txBody>
+      </p:sp>
+      <p:sp>
+        <p:nvSpPr>
+          <p:cNvPr id="3" name="TextBox 2"/>
+          <p:cNvSpPr txBox="1"/>
+          <p:nvPr/>
+        </p:nvSpPr>
+        <p:spPr>
+          <a:xfrm>
+            <a:off x="6361340" y="2746348"/>
+            <a:ext cx="2771774" cy="1754326"/>
+          </a:xfrm>
+          <a:prstGeom prst="rect">
+            <a:avLst/>
+          </a:prstGeom>
+          <a:solidFill>
+            <a:srgbClr val="F64236"/>
+          </a:solidFill>
+        </p:spPr>
+        <p:txBody>
+          <a:bodyPr wrap="square" rtlCol="0">
+            <a:spAutoFit/>
+          </a:bodyPr>
+          <a:lstStyle/>
+          <a:p>
+            <a:pPr marL="0" lvl="8" algn="ctr"/>
+            <a:r>
+              <a:rPr lang="en-US" dirty="0">
+                <a:solidFill>
+                  <a:schemeClr val="bg1"/>
+                </a:solidFill>
+              </a:rPr>
+              <a:t>Angular is an application design framework and development platform for creating efficient and sophisticated single-page apps.</a:t>
+            </a:r>
+          </a:p>
+        </p:txBody>
+      </p:sp>
+      <p:sp>
+        <p:nvSpPr>
+          <p:cNvPr id="7" name="TextBox 6"/>
+          <p:cNvSpPr txBox="1"/>
+          <p:nvPr/>
+        </p:nvSpPr>
+        <p:spPr>
+          <a:xfrm>
+            <a:off x="3124201" y="1637744"/>
+            <a:ext cx="2868724" cy="923330"/>
+          </a:xfrm>
+          <a:prstGeom prst="rect">
+            <a:avLst/>
+          </a:prstGeom>
+          <a:solidFill>
+            <a:srgbClr val="61DAFB"/>
+          </a:solidFill>
+        </p:spPr>
+        <p:style>
+          <a:lnRef idx="2">
+            <a:schemeClr val="accent1">
+              <a:shade val="50000"/>
+            </a:schemeClr>
+          </a:lnRef>
+          <a:fillRef idx="1">
+            <a:schemeClr val="accent1"/>
+          </a:fillRef>
+          <a:effectRef idx="0">
+            <a:schemeClr val="accent1"/>
+          </a:effectRef>
+          <a:fontRef idx="minor">
+            <a:schemeClr val="lt1"/>
+          </a:fontRef>
+        </p:style>
+        <p:txBody>
+          <a:bodyPr wrap="square" rtlCol="0">
+            <a:spAutoFit/>
+          </a:bodyPr>
+          <a:lstStyle/>
+          <a:p>
+            <a:pPr marL="0" lvl="8" algn="ctr"/>
+            <a:r>
+              <a:rPr lang="en-US" dirty="0">
+                <a:solidFill>
+                  <a:schemeClr val="bg1"/>
+                </a:solidFill>
+              </a:rPr>
+              <a:t>React </a:t>
+            </a:r>
+            <a:r>
+              <a:rPr lang="en-US" dirty="0" smtClean="0">
+                <a:solidFill>
+                  <a:schemeClr val="bg1"/>
+                </a:solidFill>
+              </a:rPr>
+              <a:t>maintained and supported </a:t>
+            </a:r>
+            <a:r>
+              <a:rPr lang="en-US" dirty="0">
+                <a:solidFill>
+                  <a:schemeClr val="bg1"/>
+                </a:solidFill>
+              </a:rPr>
+              <a:t>by </a:t>
+            </a:r>
+            <a:r>
+              <a:rPr lang="en-US" dirty="0" smtClean="0">
+                <a:solidFill>
+                  <a:schemeClr val="bg1"/>
+                </a:solidFill>
+              </a:rPr>
+              <a:t>Facebook and </a:t>
+            </a:r>
+            <a:r>
+              <a:rPr lang="en-US" dirty="0"/>
+              <a:t>community </a:t>
+            </a:r>
+            <a:endParaRPr lang="en-US" dirty="0">
+              <a:solidFill>
+                <a:schemeClr val="bg1"/>
+              </a:solidFill>
+            </a:endParaRPr>
+          </a:p>
+        </p:txBody>
+      </p:sp>
+      <p:sp>
+        <p:nvSpPr>
+          <p:cNvPr id="8" name="TextBox 7"/>
+          <p:cNvSpPr txBox="1"/>
+          <p:nvPr/>
+        </p:nvSpPr>
+        <p:spPr>
+          <a:xfrm>
+            <a:off x="9555275" y="1637744"/>
+            <a:ext cx="2422751" cy="923330"/>
+          </a:xfrm>
+          <a:prstGeom prst="rect">
+            <a:avLst/>
+          </a:prstGeom>
+          <a:solidFill>
+            <a:srgbClr val="F64236"/>
+          </a:solidFill>
+        </p:spPr>
+        <p:txBody>
+          <a:bodyPr wrap="square" rtlCol="0">
+            <a:spAutoFit/>
+          </a:bodyPr>
+          <a:lstStyle/>
+          <a:p>
+            <a:pPr marL="0" lvl="8" algn="ctr"/>
+            <a:r>
+              <a:rPr lang="en-US" dirty="0">
+                <a:solidFill>
+                  <a:schemeClr val="bg1"/>
+                </a:solidFill>
+              </a:rPr>
+              <a:t>Angular</a:t>
+            </a:r>
+            <a:r>
+              <a:rPr lang="en-US" dirty="0">
+                <a:solidFill>
+                  <a:schemeClr val="bg1"/>
+                </a:solidFill>
+              </a:rPr>
+              <a:t> </a:t>
+            </a:r>
+            <a:r>
+              <a:rPr lang="en-US" dirty="0" smtClean="0">
+                <a:solidFill>
+                  <a:schemeClr val="bg1"/>
+                </a:solidFill>
+              </a:rPr>
+              <a:t>maintain </a:t>
+            </a:r>
+            <a:r>
+              <a:rPr lang="en-US" dirty="0">
+                <a:solidFill>
+                  <a:schemeClr val="bg1"/>
+                </a:solidFill>
+              </a:rPr>
+              <a:t>and </a:t>
+            </a:r>
+            <a:r>
+              <a:rPr lang="en-US" dirty="0" smtClean="0">
+                <a:solidFill>
+                  <a:schemeClr val="bg1"/>
+                </a:solidFill>
+              </a:rPr>
+              <a:t>supported by Google and </a:t>
+            </a:r>
+            <a:r>
+              <a:rPr lang="en-US" dirty="0">
+                <a:solidFill>
+                  <a:schemeClr val="bg1"/>
+                </a:solidFill>
+              </a:rPr>
+              <a:t>community</a:t>
+            </a:r>
+            <a:r>
+              <a:rPr lang="en-US" dirty="0"/>
+              <a:t> </a:t>
+            </a:r>
+            <a:endParaRPr lang="en-US" dirty="0">
+              <a:solidFill>
+                <a:schemeClr val="bg1"/>
+              </a:solidFill>
+            </a:endParaRPr>
+          </a:p>
+        </p:txBody>
+      </p:sp>
+      <p:sp>
+        <p:nvSpPr>
+          <p:cNvPr id="9" name="TextBox 8"/>
+          <p:cNvSpPr txBox="1"/>
+          <p:nvPr/>
+        </p:nvSpPr>
+        <p:spPr>
+          <a:xfrm>
+            <a:off x="9490300" y="2986468"/>
+            <a:ext cx="2009775" cy="646331"/>
+          </a:xfrm>
+          <a:prstGeom prst="rect">
+            <a:avLst/>
+          </a:prstGeom>
+          <a:solidFill>
+            <a:srgbClr val="F64236"/>
+          </a:solidFill>
+        </p:spPr>
+        <p:txBody>
+          <a:bodyPr wrap="square" rtlCol="0">
+            <a:spAutoFit/>
+          </a:bodyPr>
+          <a:lstStyle/>
+          <a:p>
+            <a:pPr marL="0" lvl="8" algn="ctr"/>
+            <a:r>
+              <a:rPr lang="en-US" dirty="0" smtClean="0">
+                <a:solidFill>
+                  <a:schemeClr val="bg1"/>
+                </a:solidFill>
+              </a:rPr>
+              <a:t>use </a:t>
+            </a:r>
+            <a:r>
+              <a:rPr lang="en-US" dirty="0">
+                <a:solidFill>
+                  <a:schemeClr val="bg1"/>
+                </a:solidFill>
+              </a:rPr>
+              <a:t>TypeScript as primary </a:t>
+            </a:r>
+            <a:r>
+              <a:rPr lang="en-US" dirty="0">
+                <a:solidFill>
+                  <a:schemeClr val="bg1"/>
+                </a:solidFill>
+              </a:rPr>
+              <a:t>language</a:t>
+            </a:r>
+          </a:p>
+        </p:txBody>
+      </p:sp>
+      <p:sp>
+        <p:nvSpPr>
+          <p:cNvPr id="10" name="TextBox 9"/>
+          <p:cNvSpPr txBox="1"/>
+          <p:nvPr/>
+        </p:nvSpPr>
+        <p:spPr>
+          <a:xfrm>
+            <a:off x="2673290" y="3171134"/>
+            <a:ext cx="2899344" cy="923330"/>
+          </a:xfrm>
+          <a:prstGeom prst="rect">
+            <a:avLst/>
+          </a:prstGeom>
+          <a:solidFill>
+            <a:srgbClr val="61DAFB"/>
+          </a:solidFill>
+        </p:spPr>
+        <p:style>
+          <a:lnRef idx="2">
+            <a:schemeClr val="accent1">
+              <a:shade val="50000"/>
+            </a:schemeClr>
+          </a:lnRef>
+          <a:fillRef idx="1">
+            <a:schemeClr val="accent1"/>
+          </a:fillRef>
+          <a:effectRef idx="0">
+            <a:schemeClr val="accent1"/>
+          </a:effectRef>
+          <a:fontRef idx="minor">
+            <a:schemeClr val="lt1"/>
+          </a:fontRef>
+        </p:style>
+        <p:txBody>
+          <a:bodyPr wrap="square" rtlCol="0">
+            <a:spAutoFit/>
+          </a:bodyPr>
+          <a:lstStyle/>
+          <a:p>
+            <a:pPr marL="0" lvl="8" algn="ctr"/>
+            <a:r>
+              <a:rPr lang="en-US" b="1" dirty="0" smtClean="0"/>
+              <a:t>In React you can use JSX for</a:t>
+            </a:r>
+            <a:r>
+              <a:rPr lang="hy-AM" b="1" dirty="0" smtClean="0"/>
+              <a:t> </a:t>
+            </a:r>
+            <a:r>
+              <a:rPr lang="en-US" b="1" dirty="0"/>
+              <a:t>for convenience and better code readability</a:t>
+            </a:r>
+            <a:endParaRPr lang="en-US" sz="2000" dirty="0"/>
+          </a:p>
+        </p:txBody>
+      </p:sp>
+      <p:sp>
+        <p:nvSpPr>
+          <p:cNvPr id="11" name="TextBox 10"/>
+          <p:cNvSpPr txBox="1"/>
+          <p:nvPr/>
+        </p:nvSpPr>
+        <p:spPr>
+          <a:xfrm>
+            <a:off x="501591" y="1345447"/>
+            <a:ext cx="2171699" cy="646331"/>
+          </a:xfrm>
+          <a:prstGeom prst="rect">
+            <a:avLst/>
+          </a:prstGeom>
+          <a:solidFill>
+            <a:srgbClr val="61DAFB"/>
+          </a:solidFill>
+        </p:spPr>
+        <p:style>
+          <a:lnRef idx="2">
+            <a:schemeClr val="accent1">
+              <a:shade val="50000"/>
+            </a:schemeClr>
+          </a:lnRef>
+          <a:fillRef idx="1">
+            <a:schemeClr val="accent1"/>
+          </a:fillRef>
+          <a:effectRef idx="0">
+            <a:schemeClr val="accent1"/>
+          </a:effectRef>
+          <a:fontRef idx="minor">
+            <a:schemeClr val="lt1"/>
+          </a:fontRef>
+        </p:style>
+        <p:txBody>
+          <a:bodyPr wrap="square" rtlCol="0">
+            <a:spAutoFit/>
+          </a:bodyPr>
+          <a:lstStyle/>
+          <a:p>
+            <a:pPr marL="0" lvl="8" algn="ctr"/>
+            <a:r>
+              <a:rPr lang="en-US" dirty="0">
+                <a:solidFill>
+                  <a:schemeClr val="bg1"/>
+                </a:solidFill>
+              </a:rPr>
+              <a:t>React </a:t>
+            </a:r>
+            <a:r>
+              <a:rPr lang="en-US" dirty="0" smtClean="0">
+                <a:solidFill>
+                  <a:schemeClr val="bg1"/>
+                </a:solidFill>
+              </a:rPr>
+              <a:t>is JavaScript library</a:t>
+            </a:r>
+            <a:endParaRPr lang="en-US" dirty="0">
+              <a:solidFill>
+                <a:schemeClr val="bg1"/>
+              </a:solidFill>
+            </a:endParaRPr>
+          </a:p>
+        </p:txBody>
+      </p:sp>
+      <p:sp>
+        <p:nvSpPr>
+          <p:cNvPr id="12" name="TextBox 11"/>
+          <p:cNvSpPr txBox="1"/>
+          <p:nvPr/>
+        </p:nvSpPr>
+        <p:spPr>
+          <a:xfrm>
+            <a:off x="6623275" y="1346666"/>
+            <a:ext cx="2301650" cy="646331"/>
+          </a:xfrm>
+          <a:prstGeom prst="rect">
+            <a:avLst/>
+          </a:prstGeom>
+          <a:solidFill>
+            <a:srgbClr val="F64236"/>
+          </a:solidFill>
+        </p:spPr>
+        <p:txBody>
+          <a:bodyPr wrap="square" rtlCol="0">
+            <a:spAutoFit/>
+          </a:bodyPr>
+          <a:lstStyle/>
+          <a:p>
+            <a:pPr marL="0" lvl="8" algn="ctr"/>
+            <a:r>
+              <a:rPr lang="en-US" dirty="0" smtClean="0">
+                <a:solidFill>
+                  <a:schemeClr val="bg1"/>
+                </a:solidFill>
+              </a:rPr>
+              <a:t>Angular</a:t>
+            </a:r>
+            <a:r>
+              <a:rPr lang="en-US" dirty="0">
+                <a:solidFill>
+                  <a:schemeClr val="bg1"/>
+                </a:solidFill>
+              </a:rPr>
+              <a:t> is JavaScript </a:t>
+            </a:r>
+            <a:r>
+              <a:rPr lang="en-US" dirty="0" smtClean="0">
+                <a:solidFill>
+                  <a:schemeClr val="bg1"/>
+                </a:solidFill>
+              </a:rPr>
+              <a:t>framework</a:t>
+            </a:r>
+            <a:endParaRPr lang="en-US" dirty="0">
+              <a:solidFill>
+                <a:schemeClr val="bg1"/>
+              </a:solidFill>
+            </a:endParaRPr>
+          </a:p>
+        </p:txBody>
+      </p:sp>
+      <p:sp>
+        <p:nvSpPr>
+          <p:cNvPr id="13" name="TextBox 12"/>
+          <p:cNvSpPr txBox="1"/>
+          <p:nvPr/>
+        </p:nvSpPr>
+        <p:spPr>
+          <a:xfrm>
+            <a:off x="501591" y="4239582"/>
+            <a:ext cx="2822634" cy="923330"/>
+          </a:xfrm>
+          <a:prstGeom prst="rect">
+            <a:avLst/>
+          </a:prstGeom>
+          <a:solidFill>
+            <a:srgbClr val="61DAFB"/>
+          </a:solidFill>
+        </p:spPr>
+        <p:style>
+          <a:lnRef idx="2">
+            <a:schemeClr val="accent1">
+              <a:shade val="50000"/>
+            </a:schemeClr>
+          </a:lnRef>
+          <a:fillRef idx="1">
+            <a:schemeClr val="accent1"/>
+          </a:fillRef>
+          <a:effectRef idx="0">
+            <a:schemeClr val="accent1"/>
+          </a:effectRef>
+          <a:fontRef idx="minor">
+            <a:schemeClr val="lt1"/>
+          </a:fontRef>
+        </p:style>
+        <p:txBody>
+          <a:bodyPr wrap="square" rtlCol="0">
+            <a:spAutoFit/>
+          </a:bodyPr>
+          <a:lstStyle/>
+          <a:p>
+            <a:pPr marL="0" lvl="8" algn="ctr"/>
+            <a:r>
+              <a:rPr lang="en-US" b="1" dirty="0"/>
+              <a:t>we can also write </a:t>
+            </a:r>
+            <a:r>
+              <a:rPr lang="en-US" b="1" dirty="0" smtClean="0"/>
+              <a:t>our components in TypeScript </a:t>
+            </a:r>
+            <a:r>
+              <a:rPr lang="en-US" b="1" dirty="0"/>
+              <a:t>instead of </a:t>
+            </a:r>
+            <a:r>
+              <a:rPr lang="en-US" b="1" dirty="0" smtClean="0"/>
+              <a:t>JavaScript</a:t>
+            </a:r>
+            <a:endParaRPr lang="en-US" sz="2000" dirty="0"/>
+          </a:p>
+        </p:txBody>
+      </p:sp>
+      <p:sp>
+        <p:nvSpPr>
+          <p:cNvPr id="14" name="TextBox 13"/>
+          <p:cNvSpPr txBox="1"/>
+          <p:nvPr/>
+        </p:nvSpPr>
+        <p:spPr>
+          <a:xfrm>
+            <a:off x="3694165" y="4741350"/>
+            <a:ext cx="2822634" cy="646331"/>
+          </a:xfrm>
+          <a:prstGeom prst="rect">
+            <a:avLst/>
+          </a:prstGeom>
+          <a:solidFill>
+            <a:srgbClr val="61DAFB"/>
+          </a:solidFill>
+        </p:spPr>
+        <p:style>
+          <a:lnRef idx="2">
+            <a:schemeClr val="accent1">
+              <a:shade val="50000"/>
+            </a:schemeClr>
+          </a:lnRef>
+          <a:fillRef idx="1">
+            <a:schemeClr val="accent1"/>
+          </a:fillRef>
+          <a:effectRef idx="0">
+            <a:schemeClr val="accent1"/>
+          </a:effectRef>
+          <a:fontRef idx="minor">
+            <a:schemeClr val="lt1"/>
+          </a:fontRef>
+        </p:style>
+        <p:txBody>
+          <a:bodyPr wrap="square" rtlCol="0">
+            <a:spAutoFit/>
+          </a:bodyPr>
+          <a:lstStyle/>
+          <a:p>
+            <a:pPr marL="0" lvl="8" algn="ctr"/>
+            <a:r>
+              <a:rPr lang="en-US" b="1" dirty="0"/>
+              <a:t>can be added to any page as a external script</a:t>
+            </a:r>
+            <a:endParaRPr lang="en-US" sz="2000" dirty="0"/>
+          </a:p>
+        </p:txBody>
+      </p:sp>
+      <p:sp>
+        <p:nvSpPr>
+          <p:cNvPr id="15" name="TextBox 14"/>
+          <p:cNvSpPr txBox="1"/>
+          <p:nvPr/>
+        </p:nvSpPr>
+        <p:spPr>
+          <a:xfrm>
+            <a:off x="214479" y="5471211"/>
+            <a:ext cx="2822634" cy="646331"/>
+          </a:xfrm>
+          <a:prstGeom prst="rect">
+            <a:avLst/>
+          </a:prstGeom>
+          <a:solidFill>
+            <a:srgbClr val="61DAFB"/>
+          </a:solidFill>
+        </p:spPr>
+        <p:style>
+          <a:lnRef idx="2">
+            <a:schemeClr val="accent1">
+              <a:shade val="50000"/>
+            </a:schemeClr>
+          </a:lnRef>
+          <a:fillRef idx="1">
+            <a:schemeClr val="accent1"/>
+          </a:fillRef>
+          <a:effectRef idx="0">
+            <a:schemeClr val="accent1"/>
+          </a:effectRef>
+          <a:fontRef idx="minor">
+            <a:schemeClr val="lt1"/>
+          </a:fontRef>
+        </p:style>
+        <p:txBody>
+          <a:bodyPr wrap="square" rtlCol="0">
+            <a:spAutoFit/>
+          </a:bodyPr>
+          <a:lstStyle/>
+          <a:p>
+            <a:pPr marL="0" lvl="8" algn="ctr"/>
+            <a:r>
+              <a:rPr lang="en-US" b="1" dirty="0"/>
+              <a:t>VirtualDOM</a:t>
+            </a:r>
+          </a:p>
+          <a:p>
+            <a:pPr marL="0" lvl="8" algn="ctr"/>
+            <a:r>
+              <a:rPr lang="en-US" b="1" dirty="0"/>
+              <a:t>Faster than </a:t>
+            </a:r>
+            <a:r>
+              <a:rPr lang="en-US" b="1" dirty="0"/>
+              <a:t>Angular </a:t>
+            </a:r>
+            <a:r>
+              <a:rPr lang="en-US" b="1" dirty="0"/>
+              <a:t>Ivy</a:t>
+            </a:r>
+            <a:endParaRPr lang="en-US" b="1" dirty="0"/>
+          </a:p>
+        </p:txBody>
+      </p:sp>
+      <p:sp>
+        <p:nvSpPr>
+          <p:cNvPr id="16" name="TextBox 15"/>
+          <p:cNvSpPr txBox="1"/>
+          <p:nvPr/>
+        </p:nvSpPr>
+        <p:spPr>
+          <a:xfrm>
+            <a:off x="8658225" y="5194212"/>
+            <a:ext cx="3067050" cy="923330"/>
+          </a:xfrm>
+          <a:prstGeom prst="rect">
+            <a:avLst/>
+          </a:prstGeom>
+          <a:solidFill>
+            <a:srgbClr val="F64236"/>
+          </a:solidFill>
+        </p:spPr>
+        <p:txBody>
+          <a:bodyPr wrap="square" rtlCol="0">
+            <a:spAutoFit/>
+          </a:bodyPr>
+          <a:lstStyle/>
+          <a:p>
+            <a:pPr marL="0" lvl="8" algn="ctr"/>
+            <a:r>
+              <a:rPr lang="en-US" dirty="0">
+                <a:solidFill>
+                  <a:schemeClr val="bg1"/>
+                </a:solidFill>
+              </a:rPr>
+              <a:t>Angular </a:t>
+            </a:r>
+            <a:r>
+              <a:rPr lang="en-US" dirty="0" smtClean="0">
+                <a:solidFill>
+                  <a:schemeClr val="bg1"/>
+                </a:solidFill>
+              </a:rPr>
+              <a:t>Ivy(</a:t>
+            </a:r>
+            <a:r>
+              <a:rPr lang="en-US" dirty="0">
+                <a:solidFill>
+                  <a:schemeClr val="bg1"/>
+                </a:solidFill>
+              </a:rPr>
+              <a:t>Incremental DOM</a:t>
+            </a:r>
+            <a:r>
+              <a:rPr lang="en-US" dirty="0" smtClean="0">
+                <a:solidFill>
+                  <a:schemeClr val="bg1"/>
+                </a:solidFill>
+              </a:rPr>
+              <a:t>)</a:t>
+            </a:r>
+            <a:endParaRPr lang="en-US" dirty="0">
+              <a:solidFill>
+                <a:schemeClr val="bg1"/>
+              </a:solidFill>
+            </a:endParaRPr>
+          </a:p>
+          <a:p>
+            <a:pPr marL="0" lvl="8" algn="ctr"/>
+            <a:r>
+              <a:rPr lang="en-US" dirty="0">
+                <a:solidFill>
+                  <a:schemeClr val="bg1"/>
+                </a:solidFill>
+              </a:rPr>
+              <a:t>Need less memory than VirtualDOM</a:t>
+            </a:r>
+            <a:endParaRPr lang="en-US" dirty="0">
+              <a:solidFill>
+                <a:schemeClr val="bg1"/>
+              </a:solidFill>
+            </a:endParaRPr>
+          </a:p>
+        </p:txBody>
+      </p:sp>
+      <p:sp>
+        <p:nvSpPr>
+          <p:cNvPr id="18" name="TextBox 17"/>
+          <p:cNvSpPr txBox="1"/>
+          <p:nvPr/>
+        </p:nvSpPr>
+        <p:spPr>
+          <a:xfrm>
+            <a:off x="3383839" y="5757401"/>
+            <a:ext cx="2822634" cy="923330"/>
+          </a:xfrm>
+          <a:prstGeom prst="rect">
+            <a:avLst/>
+          </a:prstGeom>
+          <a:solidFill>
+            <a:srgbClr val="61DAFB"/>
+          </a:solidFill>
+        </p:spPr>
+        <p:style>
+          <a:lnRef idx="2">
+            <a:schemeClr val="accent1">
+              <a:shade val="50000"/>
+            </a:schemeClr>
+          </a:lnRef>
+          <a:fillRef idx="1">
+            <a:schemeClr val="accent1"/>
+          </a:fillRef>
+          <a:effectRef idx="0">
+            <a:schemeClr val="accent1"/>
+          </a:effectRef>
+          <a:fontRef idx="minor">
+            <a:schemeClr val="lt1"/>
+          </a:fontRef>
+        </p:style>
+        <p:txBody>
+          <a:bodyPr wrap="square" rtlCol="0">
+            <a:spAutoFit/>
+          </a:bodyPr>
+          <a:lstStyle/>
+          <a:p>
+            <a:pPr marL="0" lvl="8" algn="ctr"/>
+            <a:r>
+              <a:rPr lang="en-US" b="1" dirty="0"/>
+              <a:t>You can use Create-React-App to install and get a customized </a:t>
+            </a:r>
+            <a:r>
+              <a:rPr lang="en-US" b="1" dirty="0" smtClean="0"/>
+              <a:t>project</a:t>
+            </a:r>
+            <a:endParaRPr lang="en-US" sz="2000" dirty="0"/>
+          </a:p>
+        </p:txBody>
+      </p:sp>
+    </p:spTree>
+    <p:extLst>
+      <p:ext uri="{BB962C8B-B14F-4D97-AF65-F5344CB8AC3E}">
+        <p14:creationId xmlns:p14="http://schemas.microsoft.com/office/powerpoint/2010/main" val="2864452518"/>
+      </p:ext>
+    </p:extLst>
+  </p:cSld>
+  <p:clrMapOvr>
+    <a:masterClrMapping/>
+  </p:clrMapOvr>
+  <p:timing>
+    <p:tnLst>
+      <p:par>
+        <p:cTn id="1" dur="indefinite" restart="never" nodeType="tmRoot"/>
+      </p:par>
+    </p:tnLst>
+  </p:timing>
+</p:sld>
+</file>
+
+<file path=ppt/slides/slide2.xml><?xml version="1.0" encoding="utf-8"?>
+<p:sld xmlns:a="http://schemas.openxmlformats.org/drawingml/2006/main" xmlns:r="http://schemas.openxmlformats.org/officeDocument/2006/relationships" xmlns:p="http://schemas.openxmlformats.org/presentationml/2006/main">
+  <p:cSld>
+    <p:spTree>
+      <p:nvGrpSpPr>
+        <p:cNvPr id="1" name=""/>
+        <p:cNvGrpSpPr/>
+        <p:nvPr/>
+      </p:nvGrpSpPr>
+      <p:grpSpPr>
+        <a:xfrm>
+          <a:off x="0" y="0"/>
+          <a:ext cx="0" cy="0"/>
+          <a:chOff x="0" y="0"/>
+          <a:chExt cx="0" cy="0"/>
+        </a:xfrm>
+      </p:grpSpPr>
+      <p:sp>
+        <p:nvSpPr>
+          <p:cNvPr id="2" name="TextBox 1"/>
+          <p:cNvSpPr txBox="1"/>
+          <p:nvPr/>
+        </p:nvSpPr>
+        <p:spPr>
+          <a:xfrm>
+            <a:off x="-1" y="0"/>
+            <a:ext cx="12192001" cy="769441"/>
+          </a:xfrm>
+          <a:prstGeom prst="rect">
+            <a:avLst/>
+          </a:prstGeom>
+          <a:solidFill>
+            <a:srgbClr val="61DAFB"/>
+          </a:solidFill>
+        </p:spPr>
+        <p:style>
+          <a:lnRef idx="2">
+            <a:schemeClr val="accent1">
+              <a:shade val="50000"/>
+            </a:schemeClr>
+          </a:lnRef>
+          <a:fillRef idx="1">
+            <a:schemeClr val="accent1"/>
+          </a:fillRef>
+          <a:effectRef idx="0">
+            <a:schemeClr val="accent1"/>
+          </a:effectRef>
+          <a:fontRef idx="minor">
+            <a:schemeClr val="lt1"/>
+          </a:fontRef>
+        </p:style>
+        <p:txBody>
+          <a:bodyPr wrap="square" rtlCol="0">
+            <a:spAutoFit/>
+          </a:bodyPr>
+          <a:lstStyle/>
+          <a:p>
+            <a:pPr algn="ctr"/>
+            <a:r>
+              <a:rPr lang="en-US" sz="4400" dirty="0" smtClean="0"/>
+              <a:t>React with JSX and without</a:t>
+            </a:r>
+            <a:endParaRPr lang="en-US" sz="4400" dirty="0"/>
+          </a:p>
+        </p:txBody>
+      </p:sp>
+      <p:pic>
+        <p:nvPicPr>
+          <p:cNvPr id="3" name="Picture 2"/>
+          <p:cNvPicPr>
+            <a:picLocks noChangeAspect="1"/>
+          </p:cNvPicPr>
+          <p:nvPr/>
+        </p:nvPicPr>
+        <p:blipFill>
+          <a:blip r:embed="rId2">
+            <a:extLst>
+              <a:ext uri="{28A0092B-C50C-407E-A947-70E740481C1C}">
+                <a14:useLocalDpi xmlns:a14="http://schemas.microsoft.com/office/drawing/2010/main" val="0"/>
+              </a:ext>
+            </a:extLst>
+          </a:blip>
+          <a:stretch>
+            <a:fillRect/>
+          </a:stretch>
+        </p:blipFill>
+        <p:spPr>
+          <a:xfrm>
+            <a:off x="6162675" y="1590675"/>
+            <a:ext cx="5791200" cy="2133600"/>
+          </a:xfrm>
+          <a:prstGeom prst="rect">
+            <a:avLst/>
+          </a:prstGeom>
+        </p:spPr>
+      </p:pic>
+      <p:pic>
+        <p:nvPicPr>
+          <p:cNvPr id="4" name="Picture 3"/>
+          <p:cNvPicPr>
+            <a:picLocks noChangeAspect="1"/>
+          </p:cNvPicPr>
+          <p:nvPr/>
+        </p:nvPicPr>
+        <p:blipFill>
+          <a:blip r:embed="rId3">
+            <a:extLst>
+              <a:ext uri="{28A0092B-C50C-407E-A947-70E740481C1C}">
+                <a14:useLocalDpi xmlns:a14="http://schemas.microsoft.com/office/drawing/2010/main" val="0"/>
+              </a:ext>
+            </a:extLst>
+          </a:blip>
+          <a:stretch>
+            <a:fillRect/>
+          </a:stretch>
+        </p:blipFill>
+        <p:spPr>
+          <a:xfrm>
+            <a:off x="590550" y="1762125"/>
+            <a:ext cx="3962400" cy="2133600"/>
+          </a:xfrm>
+          <a:prstGeom prst="rect">
+            <a:avLst/>
+          </a:prstGeom>
+        </p:spPr>
+      </p:pic>
+    </p:spTree>
+    <p:extLst>
+      <p:ext uri="{BB962C8B-B14F-4D97-AF65-F5344CB8AC3E}">
+        <p14:creationId xmlns:p14="http://schemas.microsoft.com/office/powerpoint/2010/main" val="3326741372"/>
+      </p:ext>
+    </p:extLst>
+  </p:cSld>
+  <p:clrMapOvr>
+    <a:masterClrMapping/>
+  </p:clrMapOvr>
+  <p:timing>
+    <p:tnLst>
+      <p:par>
+        <p:cTn id="1" dur="indefinite" restart="never" nodeType="tmRoot"/>
+      </p:par>
+    </p:tnLst>
+  </p:timing>
+</p:sld>
+</file>
+
+<file path=ppt/slides/slide3.xml><?xml version="1.0" encoding="utf-8"?>
+<p:sld xmlns:a="http://schemas.openxmlformats.org/drawingml/2006/main" xmlns:r="http://schemas.openxmlformats.org/officeDocument/2006/relationships" xmlns:p="http://schemas.openxmlformats.org/presentationml/2006/main">
+  <p:cSld>
+    <p:spTree>
+      <p:nvGrpSpPr>
+        <p:cNvPr id="1" name=""/>
+        <p:cNvGrpSpPr/>
+        <p:nvPr/>
+      </p:nvGrpSpPr>
+      <p:grpSpPr>
+        <a:xfrm>
+          <a:off x="0" y="0"/>
+          <a:ext cx="0" cy="0"/>
+          <a:chOff x="0" y="0"/>
+          <a:chExt cx="0" cy="0"/>
+        </a:xfrm>
+      </p:grpSpPr>
+      <p:pic>
+        <p:nvPicPr>
+          <p:cNvPr id="2" name="Picture 1"/>
+          <p:cNvPicPr>
+            <a:picLocks noChangeAspect="1"/>
+          </p:cNvPicPr>
+          <p:nvPr/>
+        </p:nvPicPr>
+        <p:blipFill>
+          <a:blip r:embed="rId2">
+            <a:extLst>
+              <a:ext uri="{28A0092B-C50C-407E-A947-70E740481C1C}">
+                <a14:useLocalDpi xmlns:a14="http://schemas.microsoft.com/office/drawing/2010/main" val="0"/>
+              </a:ext>
+            </a:extLst>
+          </a:blip>
+          <a:stretch>
+            <a:fillRect/>
+          </a:stretch>
+        </p:blipFill>
+        <p:spPr>
+          <a:xfrm>
+            <a:off x="7432901" y="1300638"/>
+            <a:ext cx="3400425" cy="5309712"/>
+          </a:xfrm>
+          <a:prstGeom prst="rect">
+            <a:avLst/>
+          </a:prstGeom>
+        </p:spPr>
+      </p:pic>
+      <p:pic>
+        <p:nvPicPr>
+          <p:cNvPr id="3" name="Picture 2"/>
+          <p:cNvPicPr>
+            <a:picLocks noChangeAspect="1"/>
+          </p:cNvPicPr>
+          <p:nvPr/>
+        </p:nvPicPr>
+        <p:blipFill>
+          <a:blip r:embed="rId3">
+            <a:extLst>
+              <a:ext uri="{28A0092B-C50C-407E-A947-70E740481C1C}">
+                <a14:useLocalDpi xmlns:a14="http://schemas.microsoft.com/office/drawing/2010/main" val="0"/>
+              </a:ext>
+            </a:extLst>
+          </a:blip>
+          <a:stretch>
+            <a:fillRect/>
+          </a:stretch>
+        </p:blipFill>
+        <p:spPr>
+          <a:xfrm>
+            <a:off x="1317850" y="2557462"/>
+            <a:ext cx="3438525" cy="1838325"/>
+          </a:xfrm>
+          <a:prstGeom prst="rect">
+            <a:avLst/>
+          </a:prstGeom>
+        </p:spPr>
+      </p:pic>
+      <p:sp>
+        <p:nvSpPr>
+          <p:cNvPr id="4" name="TextBox 3"/>
+          <p:cNvSpPr txBox="1"/>
+          <p:nvPr/>
+        </p:nvSpPr>
+        <p:spPr>
+          <a:xfrm>
+            <a:off x="-1" y="0"/>
+            <a:ext cx="6074229" cy="769441"/>
+          </a:xfrm>
+          <a:prstGeom prst="rect">
+            <a:avLst/>
+          </a:prstGeom>
+          <a:solidFill>
+            <a:srgbClr val="61DAFB"/>
+          </a:solidFill>
+        </p:spPr>
+        <p:style>
+          <a:lnRef idx="2">
+            <a:schemeClr val="accent1">
+              <a:shade val="50000"/>
+            </a:schemeClr>
+          </a:lnRef>
+          <a:fillRef idx="1">
+            <a:schemeClr val="accent1"/>
+          </a:fillRef>
+          <a:effectRef idx="0">
+            <a:schemeClr val="accent1"/>
+          </a:effectRef>
+          <a:fontRef idx="minor">
+            <a:schemeClr val="lt1"/>
+          </a:fontRef>
+        </p:style>
+        <p:txBody>
+          <a:bodyPr wrap="square" rtlCol="0">
+            <a:spAutoFit/>
+          </a:bodyPr>
+          <a:lstStyle/>
+          <a:p>
+            <a:pPr algn="r"/>
+            <a:r>
+              <a:rPr lang="en-US" sz="4400" dirty="0" smtClean="0"/>
+              <a:t> Create-React-App    v</a:t>
+            </a:r>
+            <a:endParaRPr lang="en-US" sz="4400" dirty="0"/>
+          </a:p>
+        </p:txBody>
+      </p:sp>
+      <p:sp>
+        <p:nvSpPr>
+          <p:cNvPr id="5" name="TextBox 4"/>
+          <p:cNvSpPr txBox="1"/>
+          <p:nvPr/>
+        </p:nvSpPr>
+        <p:spPr>
+          <a:xfrm>
+            <a:off x="6074229" y="0"/>
+            <a:ext cx="6117771" cy="769441"/>
+          </a:xfrm>
+          <a:prstGeom prst="rect">
+            <a:avLst/>
+          </a:prstGeom>
+          <a:solidFill>
+            <a:srgbClr val="F64236"/>
+          </a:solidFill>
+        </p:spPr>
+        <p:style>
+          <a:lnRef idx="2">
+            <a:schemeClr val="accent1">
+              <a:shade val="50000"/>
+            </a:schemeClr>
+          </a:lnRef>
+          <a:fillRef idx="1">
+            <a:schemeClr val="accent1"/>
+          </a:fillRef>
+          <a:effectRef idx="0">
+            <a:schemeClr val="accent1"/>
+          </a:effectRef>
+          <a:fontRef idx="minor">
+            <a:schemeClr val="lt1"/>
+          </a:fontRef>
+        </p:style>
+        <p:txBody>
+          <a:bodyPr wrap="square" rtlCol="0">
+            <a:spAutoFit/>
+          </a:bodyPr>
+          <a:lstStyle/>
+          <a:p>
+            <a:r>
+              <a:rPr lang="en-US" sz="4400" dirty="0"/>
+              <a:t>s </a:t>
+            </a:r>
+            <a:r>
+              <a:rPr lang="en-US" sz="4400" dirty="0" smtClean="0"/>
+              <a:t>              Angular</a:t>
+            </a:r>
+            <a:endParaRPr lang="en-US" sz="4400" dirty="0"/>
+          </a:p>
+        </p:txBody>
+      </p:sp>
+    </p:spTree>
+    <p:extLst>
+      <p:ext uri="{BB962C8B-B14F-4D97-AF65-F5344CB8AC3E}">
+        <p14:creationId xmlns:p14="http://schemas.microsoft.com/office/powerpoint/2010/main" val="4109409201"/>
+      </p:ext>
+    </p:extLst>
+  </p:cSld>
+  <p:clrMapOvr>
+    <a:masterClrMapping/>
+  </p:clrMapOvr>
+  <p:timing>
+    <p:tnLst>
+      <p:par>
+        <p:cTn id="1" dur="indefinite" restart="never" nodeType="tmRoot"/>
+      </p:par>
+    </p:tnLst>
+  </p:timing>
+</p:sld>
+</file>
+
+<file path=ppt/slides/slide4.xml><?xml version="1.0" encoding="utf-8"?>
+<p:sld xmlns:a="http://schemas.openxmlformats.org/drawingml/2006/main" xmlns:r="http://schemas.openxmlformats.org/officeDocument/2006/relationships" xmlns:p="http://schemas.openxmlformats.org/presentationml/2006/main">
+  <p:cSld>
+    <p:bg>
+      <p:bgPr>
+        <a:solidFill>
+          <a:schemeClr val="bg1"/>
+        </a:solidFill>
+        <a:effectLst/>
+      </p:bgPr>
+    </p:bg>
+    <p:spTree>
+      <p:nvGrpSpPr>
+        <p:cNvPr id="1" name=""/>
+        <p:cNvGrpSpPr/>
+        <p:nvPr/>
+      </p:nvGrpSpPr>
+      <p:grpSpPr>
+        <a:xfrm>
+          <a:off x="0" y="0"/>
+          <a:ext cx="0" cy="0"/>
+          <a:chOff x="0" y="0"/>
+          <a:chExt cx="0" cy="0"/>
+        </a:xfrm>
+      </p:grpSpPr>
+      <p:sp>
+        <p:nvSpPr>
+          <p:cNvPr id="2" name="TextBox 1"/>
+          <p:cNvSpPr txBox="1"/>
+          <p:nvPr/>
+        </p:nvSpPr>
+        <p:spPr>
+          <a:xfrm>
+            <a:off x="0" y="0"/>
+            <a:ext cx="12192000" cy="1015663"/>
+          </a:xfrm>
+          <a:prstGeom prst="rect">
+            <a:avLst/>
+          </a:prstGeom>
+          <a:solidFill>
+            <a:srgbClr val="61DAFB"/>
+          </a:solidFill>
+        </p:spPr>
+        <p:txBody>
+          <a:bodyPr wrap="square" rtlCol="0">
+            <a:spAutoFit/>
+          </a:bodyPr>
+          <a:lstStyle/>
+          <a:p>
+            <a:pPr algn="ctr"/>
+            <a:r>
+              <a:rPr lang="en-US" sz="6000" dirty="0" smtClean="0">
+                <a:solidFill>
+                  <a:schemeClr val="bg1"/>
+                </a:solidFill>
+              </a:rPr>
+              <a:t>React VirtualDOM</a:t>
+            </a:r>
+            <a:endParaRPr lang="en-US" sz="6000" dirty="0">
+              <a:solidFill>
+                <a:schemeClr val="bg1"/>
+              </a:solidFill>
+            </a:endParaRPr>
+          </a:p>
+        </p:txBody>
+      </p:sp>
+      <p:pic>
+        <p:nvPicPr>
+          <p:cNvPr id="17" name="Picture 16"/>
+          <p:cNvPicPr>
+            <a:picLocks noChangeAspect="1"/>
+          </p:cNvPicPr>
+          <p:nvPr/>
+        </p:nvPicPr>
+        <p:blipFill>
+          <a:blip r:embed="rId2">
+            <a:extLst>
+              <a:ext uri="{28A0092B-C50C-407E-A947-70E740481C1C}">
+                <a14:useLocalDpi xmlns:a14="http://schemas.microsoft.com/office/drawing/2010/main" val="0"/>
+              </a:ext>
+            </a:extLst>
+          </a:blip>
+          <a:stretch>
+            <a:fillRect/>
+          </a:stretch>
+        </p:blipFill>
+        <p:spPr>
+          <a:xfrm>
+            <a:off x="1971675" y="2101512"/>
+            <a:ext cx="8248650" cy="3105005"/>
+          </a:xfrm>
+          <a:prstGeom prst="rect">
+            <a:avLst/>
+          </a:prstGeom>
+        </p:spPr>
+      </p:pic>
+    </p:spTree>
+    <p:extLst>
+      <p:ext uri="{BB962C8B-B14F-4D97-AF65-F5344CB8AC3E}">
+        <p14:creationId xmlns:p14="http://schemas.microsoft.com/office/powerpoint/2010/main" val="401633498"/>
+      </p:ext>
+    </p:extLst>
+  </p:cSld>
+  <p:clrMapOvr>
+    <a:masterClrMapping/>
+  </p:clrMapOvr>
+  <p:timing>
+    <p:tnLst>
+      <p:par>
+        <p:cTn id="1" dur="indefinite" restart="never" nodeType="tmRoot"/>
+      </p:par>
+    </p:tnLst>
+  </p:timing>
+</p:sld>
+</file>
+
+<file path=ppt/slides/slide5.xml><?xml version="1.0" encoding="utf-8"?>
+<p:sld xmlns:a="http://schemas.openxmlformats.org/drawingml/2006/main" xmlns:r="http://schemas.openxmlformats.org/officeDocument/2006/relationships" xmlns:p="http://schemas.openxmlformats.org/presentationml/2006/main">
+  <p:cSld>
+    <p:bg>
+      <p:bgPr>
+        <a:solidFill>
+          <a:schemeClr val="bg1"/>
+        </a:solidFill>
+        <a:effectLst/>
+      </p:bgPr>
+    </p:bg>
+    <p:spTree>
+      <p:nvGrpSpPr>
+        <p:cNvPr id="1" name=""/>
+        <p:cNvGrpSpPr/>
+        <p:nvPr/>
+      </p:nvGrpSpPr>
+      <p:grpSpPr>
+        <a:xfrm>
+          <a:off x="0" y="0"/>
+          <a:ext cx="0" cy="0"/>
+          <a:chOff x="0" y="0"/>
+          <a:chExt cx="0" cy="0"/>
+        </a:xfrm>
+      </p:grpSpPr>
+      <p:sp>
+        <p:nvSpPr>
+          <p:cNvPr id="2" name="TextBox 1"/>
+          <p:cNvSpPr txBox="1"/>
+          <p:nvPr/>
+        </p:nvSpPr>
+        <p:spPr>
+          <a:xfrm>
+            <a:off x="6010275" y="2098"/>
+            <a:ext cx="6181725" cy="1015663"/>
+          </a:xfrm>
+          <a:prstGeom prst="rect">
+            <a:avLst/>
+          </a:prstGeom>
+          <a:solidFill>
+            <a:srgbClr val="82B8D5"/>
+          </a:solidFill>
+        </p:spPr>
+        <p:txBody>
+          <a:bodyPr wrap="square" rtlCol="0">
+            <a:spAutoFit/>
+          </a:bodyPr>
+          <a:lstStyle/>
+          <a:p>
+            <a:r>
+              <a:rPr lang="en-US" sz="6000" dirty="0">
+                <a:solidFill>
+                  <a:schemeClr val="bg1"/>
+                </a:solidFill>
+              </a:rPr>
+              <a:t>s</a:t>
+            </a:r>
+            <a:r>
+              <a:rPr lang="en-US" sz="6000" dirty="0" smtClean="0">
+                <a:solidFill>
+                  <a:schemeClr val="bg1"/>
+                </a:solidFill>
+              </a:rPr>
+              <a:t>           State</a:t>
+            </a:r>
+            <a:endParaRPr lang="en-US" sz="6000" dirty="0">
+              <a:solidFill>
+                <a:schemeClr val="bg1"/>
+              </a:solidFill>
+            </a:endParaRPr>
+          </a:p>
+        </p:txBody>
+      </p:sp>
+      <p:sp>
+        <p:nvSpPr>
+          <p:cNvPr id="4" name="TextBox 3"/>
+          <p:cNvSpPr txBox="1"/>
+          <p:nvPr/>
+        </p:nvSpPr>
+        <p:spPr>
+          <a:xfrm>
+            <a:off x="3143250" y="1722976"/>
+            <a:ext cx="2019300" cy="646331"/>
+          </a:xfrm>
+          <a:prstGeom prst="rect">
+            <a:avLst/>
+          </a:prstGeom>
+          <a:solidFill>
+            <a:srgbClr val="46C9A5"/>
+          </a:solidFill>
+        </p:spPr>
+        <p:txBody>
+          <a:bodyPr wrap="square" rtlCol="0">
+            <a:spAutoFit/>
+          </a:bodyPr>
+          <a:lstStyle/>
+          <a:p>
+            <a:pPr algn="ctr"/>
+            <a:r>
+              <a:rPr lang="en-US" dirty="0" smtClean="0">
+                <a:solidFill>
+                  <a:schemeClr val="bg1"/>
+                </a:solidFill>
+              </a:rPr>
+              <a:t>Props are read-only for component</a:t>
+            </a:r>
+            <a:endParaRPr lang="en-US" dirty="0">
+              <a:solidFill>
+                <a:schemeClr val="bg1"/>
+              </a:solidFill>
+            </a:endParaRPr>
+          </a:p>
+        </p:txBody>
+      </p:sp>
+      <p:sp>
+        <p:nvSpPr>
+          <p:cNvPr id="7" name="TextBox 6"/>
+          <p:cNvSpPr txBox="1"/>
+          <p:nvPr/>
+        </p:nvSpPr>
+        <p:spPr>
+          <a:xfrm>
+            <a:off x="9244011" y="2459132"/>
+            <a:ext cx="2505075" cy="923330"/>
+          </a:xfrm>
+          <a:prstGeom prst="rect">
+            <a:avLst/>
+          </a:prstGeom>
+          <a:solidFill>
+            <a:srgbClr val="82B8D5"/>
+          </a:solidFill>
+        </p:spPr>
+        <p:txBody>
+          <a:bodyPr wrap="square" rtlCol="0">
+            <a:spAutoFit/>
+          </a:bodyPr>
+          <a:lstStyle/>
+          <a:p>
+            <a:pPr algn="ctr"/>
+            <a:r>
+              <a:rPr lang="en-US" dirty="0" smtClean="0">
+                <a:solidFill>
+                  <a:schemeClr val="bg1"/>
+                </a:solidFill>
+              </a:rPr>
+              <a:t>Must be modified by setState() function or useState hook</a:t>
+            </a:r>
+            <a:endParaRPr lang="en-US" dirty="0">
+              <a:solidFill>
+                <a:schemeClr val="bg1"/>
+              </a:solidFill>
+            </a:endParaRPr>
+          </a:p>
+        </p:txBody>
+      </p:sp>
+      <p:sp>
+        <p:nvSpPr>
+          <p:cNvPr id="8" name="TextBox 7"/>
+          <p:cNvSpPr txBox="1"/>
+          <p:nvPr/>
+        </p:nvSpPr>
+        <p:spPr>
+          <a:xfrm>
+            <a:off x="1166812" y="3505333"/>
+            <a:ext cx="2352675" cy="923330"/>
+          </a:xfrm>
+          <a:prstGeom prst="rect">
+            <a:avLst/>
+          </a:prstGeom>
+          <a:solidFill>
+            <a:srgbClr val="46C9A5"/>
+          </a:solidFill>
+        </p:spPr>
+        <p:txBody>
+          <a:bodyPr wrap="square" rtlCol="0">
+            <a:spAutoFit/>
+          </a:bodyPr>
+          <a:lstStyle/>
+          <a:p>
+            <a:pPr algn="ctr"/>
+            <a:r>
+              <a:rPr lang="en-US" dirty="0" smtClean="0">
+                <a:solidFill>
+                  <a:schemeClr val="bg1"/>
+                </a:solidFill>
+              </a:rPr>
+              <a:t>Component’s props can changed by component’s parent</a:t>
+            </a:r>
+            <a:endParaRPr lang="en-US" dirty="0">
+              <a:solidFill>
+                <a:schemeClr val="bg1"/>
+              </a:solidFill>
+            </a:endParaRPr>
+          </a:p>
+        </p:txBody>
+      </p:sp>
+      <p:sp>
+        <p:nvSpPr>
+          <p:cNvPr id="9" name="TextBox 8"/>
+          <p:cNvSpPr txBox="1"/>
+          <p:nvPr/>
+        </p:nvSpPr>
+        <p:spPr>
+          <a:xfrm>
+            <a:off x="400050" y="1275575"/>
+            <a:ext cx="2343150" cy="923330"/>
+          </a:xfrm>
+          <a:prstGeom prst="rect">
+            <a:avLst/>
+          </a:prstGeom>
+          <a:solidFill>
+            <a:srgbClr val="46C9A5"/>
+          </a:solidFill>
+        </p:spPr>
+        <p:txBody>
+          <a:bodyPr wrap="square" rtlCol="0">
+            <a:spAutoFit/>
+          </a:bodyPr>
+          <a:lstStyle/>
+          <a:p>
+            <a:pPr algn="ctr"/>
+            <a:r>
+              <a:rPr lang="en-US" b="1" dirty="0">
+                <a:solidFill>
+                  <a:schemeClr val="bg1"/>
+                </a:solidFill>
+              </a:rPr>
+              <a:t>P</a:t>
+            </a:r>
+            <a:r>
+              <a:rPr lang="en-US" b="1" dirty="0" smtClean="0">
+                <a:solidFill>
+                  <a:schemeClr val="bg1"/>
+                </a:solidFill>
+              </a:rPr>
+              <a:t>rops</a:t>
+            </a:r>
+            <a:r>
+              <a:rPr lang="en-US" dirty="0">
+                <a:solidFill>
+                  <a:schemeClr val="bg1"/>
+                </a:solidFill>
+              </a:rPr>
+              <a:t> are variables passed to it by its parent component</a:t>
+            </a:r>
+            <a:endParaRPr lang="en-US" dirty="0">
+              <a:solidFill>
+                <a:schemeClr val="bg1"/>
+              </a:solidFill>
+            </a:endParaRPr>
+          </a:p>
+        </p:txBody>
+      </p:sp>
+      <p:sp>
+        <p:nvSpPr>
+          <p:cNvPr id="10" name="TextBox 9"/>
+          <p:cNvSpPr txBox="1"/>
+          <p:nvPr/>
+        </p:nvSpPr>
+        <p:spPr>
+          <a:xfrm>
+            <a:off x="6396037" y="1271432"/>
+            <a:ext cx="2505075" cy="1200329"/>
+          </a:xfrm>
+          <a:prstGeom prst="rect">
+            <a:avLst/>
+          </a:prstGeom>
+          <a:solidFill>
+            <a:srgbClr val="82B8D5"/>
+          </a:solidFill>
+        </p:spPr>
+        <p:txBody>
+          <a:bodyPr wrap="square" rtlCol="0">
+            <a:spAutoFit/>
+          </a:bodyPr>
+          <a:lstStyle/>
+          <a:p>
+            <a:pPr algn="ctr"/>
+            <a:r>
+              <a:rPr lang="en-US" dirty="0">
+                <a:solidFill>
+                  <a:schemeClr val="bg1"/>
+                </a:solidFill>
+              </a:rPr>
+              <a:t>State </a:t>
+            </a:r>
+            <a:r>
+              <a:rPr lang="en-US" dirty="0" smtClean="0">
+                <a:solidFill>
+                  <a:schemeClr val="bg1"/>
+                </a:solidFill>
+              </a:rPr>
+              <a:t>is </a:t>
+            </a:r>
+            <a:r>
+              <a:rPr lang="en-US" dirty="0">
+                <a:solidFill>
+                  <a:schemeClr val="bg1"/>
+                </a:solidFill>
+              </a:rPr>
+              <a:t>still variables, but directly initialized and managed by the component</a:t>
+            </a:r>
+          </a:p>
+        </p:txBody>
+      </p:sp>
+      <p:sp>
+        <p:nvSpPr>
+          <p:cNvPr id="11" name="TextBox 10"/>
+          <p:cNvSpPr txBox="1"/>
+          <p:nvPr/>
+        </p:nvSpPr>
+        <p:spPr>
+          <a:xfrm>
+            <a:off x="2343150" y="5068430"/>
+            <a:ext cx="2819400" cy="1200329"/>
+          </a:xfrm>
+          <a:prstGeom prst="rect">
+            <a:avLst/>
+          </a:prstGeom>
+          <a:solidFill>
+            <a:srgbClr val="46C9A5"/>
+          </a:solidFill>
+        </p:spPr>
+        <p:txBody>
+          <a:bodyPr wrap="square" rtlCol="0">
+            <a:spAutoFit/>
+          </a:bodyPr>
+          <a:lstStyle/>
+          <a:p>
+            <a:pPr algn="ctr"/>
+            <a:r>
+              <a:rPr lang="en-US" dirty="0">
+                <a:solidFill>
+                  <a:schemeClr val="bg1"/>
+                </a:solidFill>
+              </a:rPr>
+              <a:t>Props </a:t>
+            </a:r>
+            <a:r>
+              <a:rPr lang="en-US" dirty="0" smtClean="0">
+                <a:solidFill>
+                  <a:schemeClr val="bg1"/>
+                </a:solidFill>
+              </a:rPr>
+              <a:t>can used </a:t>
+            </a:r>
+            <a:r>
+              <a:rPr lang="en-US" dirty="0">
+                <a:solidFill>
+                  <a:schemeClr val="bg1"/>
+                </a:solidFill>
+              </a:rPr>
+              <a:t>to allow child components to access methods defined in the parent component</a:t>
+            </a:r>
+            <a:endParaRPr lang="en-US" dirty="0">
+              <a:solidFill>
+                <a:schemeClr val="bg1"/>
+              </a:solidFill>
+            </a:endParaRPr>
+          </a:p>
+        </p:txBody>
+      </p:sp>
+      <p:sp>
+        <p:nvSpPr>
+          <p:cNvPr id="14" name="TextBox 13"/>
+          <p:cNvSpPr txBox="1"/>
+          <p:nvPr/>
+        </p:nvSpPr>
+        <p:spPr>
+          <a:xfrm>
+            <a:off x="7758111" y="4517261"/>
+            <a:ext cx="2505075" cy="1200329"/>
+          </a:xfrm>
+          <a:prstGeom prst="rect">
+            <a:avLst/>
+          </a:prstGeom>
+          <a:solidFill>
+            <a:srgbClr val="82B8D5"/>
+          </a:solidFill>
+        </p:spPr>
+        <p:txBody>
+          <a:bodyPr wrap="square" rtlCol="0">
+            <a:spAutoFit/>
+          </a:bodyPr>
+          <a:lstStyle/>
+          <a:p>
+            <a:pPr algn="ctr"/>
+            <a:r>
+              <a:rPr lang="en-US" dirty="0" smtClean="0">
+                <a:solidFill>
+                  <a:schemeClr val="bg1"/>
+                </a:solidFill>
+              </a:rPr>
+              <a:t>Component without state called stateless.</a:t>
+            </a:r>
+          </a:p>
+          <a:p>
+            <a:pPr algn="ctr"/>
+            <a:r>
+              <a:rPr lang="en-US" dirty="0" smtClean="0">
+                <a:solidFill>
+                  <a:schemeClr val="bg1"/>
+                </a:solidFill>
+              </a:rPr>
+              <a:t>They has not lifecycle methods</a:t>
+            </a:r>
+            <a:endParaRPr lang="en-US" dirty="0">
+              <a:solidFill>
+                <a:schemeClr val="bg1"/>
+              </a:solidFill>
+            </a:endParaRPr>
+          </a:p>
+        </p:txBody>
+      </p:sp>
+      <p:sp>
+        <p:nvSpPr>
+          <p:cNvPr id="15" name="TextBox 14"/>
+          <p:cNvSpPr txBox="1"/>
+          <p:nvPr/>
+        </p:nvSpPr>
+        <p:spPr>
+          <a:xfrm>
+            <a:off x="0" y="2098"/>
+            <a:ext cx="6010275" cy="1015663"/>
+          </a:xfrm>
+          <a:prstGeom prst="rect">
+            <a:avLst/>
+          </a:prstGeom>
+          <a:solidFill>
+            <a:srgbClr val="46C9A5"/>
+          </a:solidFill>
+        </p:spPr>
+        <p:txBody>
+          <a:bodyPr wrap="square" rtlCol="0">
+            <a:spAutoFit/>
+          </a:bodyPr>
+          <a:lstStyle/>
+          <a:p>
+            <a:pPr algn="r"/>
+            <a:r>
+              <a:rPr lang="en-US" sz="6000" dirty="0" smtClean="0">
+                <a:solidFill>
+                  <a:schemeClr val="bg1"/>
+                </a:solidFill>
+              </a:rPr>
+              <a:t>Props          v</a:t>
+            </a:r>
+            <a:endParaRPr lang="en-US" sz="6000" dirty="0">
+              <a:solidFill>
+                <a:schemeClr val="bg1"/>
+              </a:solidFill>
+            </a:endParaRPr>
+          </a:p>
+        </p:txBody>
+      </p:sp>
+    </p:spTree>
+    <p:extLst>
+      <p:ext uri="{BB962C8B-B14F-4D97-AF65-F5344CB8AC3E}">
+        <p14:creationId xmlns:p14="http://schemas.microsoft.com/office/powerpoint/2010/main" val="4188776594"/>
+      </p:ext>
+    </p:extLst>
+  </p:cSld>
+  <p:clrMapOvr>
+    <a:masterClrMapping/>
+  </p:clrMapOvr>
+  <p:timing>
+    <p:tnLst>
+      <p:par>
+        <p:cTn id="1" dur="indefinite" restart="never" nodeType="tmRoot"/>
+      </p:par>
+    </p:tnLst>
+  </p:timing>
+</p:sld>
+</file>
+
+<file path=ppt/slides/slide6.xml><?xml version="1.0" encoding="utf-8"?>
+<p:sld xmlns:a="http://schemas.openxmlformats.org/drawingml/2006/main" xmlns:r="http://schemas.openxmlformats.org/officeDocument/2006/relationships" xmlns:p="http://schemas.openxmlformats.org/presentationml/2006/main">
+  <p:cSld>
+    <p:spTree>
+      <p:nvGrpSpPr>
+        <p:cNvPr id="1" name=""/>
+        <p:cNvGrpSpPr/>
+        <p:nvPr/>
+      </p:nvGrpSpPr>
+      <p:grpSpPr>
+        <a:xfrm>
+          <a:off x="0" y="0"/>
+          <a:ext cx="0" cy="0"/>
+          <a:chOff x="0" y="0"/>
+          <a:chExt cx="0" cy="0"/>
+        </a:xfrm>
+      </p:grpSpPr>
+      <p:sp>
+        <p:nvSpPr>
+          <p:cNvPr id="12" name="Rectangle 11"/>
+          <p:cNvSpPr/>
+          <p:nvPr/>
+        </p:nvSpPr>
+        <p:spPr>
+          <a:xfrm>
+            <a:off x="510746" y="247135"/>
+            <a:ext cx="1713470" cy="222421"/>
+          </a:xfrm>
+          <a:prstGeom prst="rect">
+            <a:avLst/>
+          </a:prstGeom>
+        </p:spPr>
+        <p:style>
+          <a:lnRef idx="2">
+            <a:schemeClr val="accent1">
+              <a:shade val="50000"/>
+            </a:schemeClr>
+          </a:lnRef>
+          <a:fillRef idx="1">
+            <a:schemeClr val="accent1"/>
+          </a:fillRef>
+          <a:effectRef idx="0">
+            <a:schemeClr val="accent1"/>
+          </a:effectRef>
+          <a:fontRef idx="minor">
+            <a:schemeClr val="lt1"/>
+          </a:fontRef>
+        </p:style>
+        <p:txBody>
           <a:bodyPr rtlCol="0" anchor="ctr"/>
           <a:lstStyle/>
           <a:p>
             <a:pPr algn="ctr"/>
             <a:r>
               <a:rPr lang="en-US" sz="800" dirty="0" smtClean="0"/>
-              <a:t>Component initialization</a:t>
+              <a:t>Component </a:t>
+            </a:r>
+            <a:r>
+              <a:rPr lang="en-US" sz="800" dirty="0" smtClean="0"/>
+              <a:t>initialization</a:t>
             </a:r>
             <a:endParaRPr lang="en-US" sz="800" dirty="0"/>
           </a:p>
@@ -4116,7 +6004,7 @@
           </a:xfrm>
           <a:prstGeom prst="bentConnector4">
             <a:avLst>
-              <a:gd name="adj1" fmla="val -26011"/>
+              <a:gd name="adj1" fmla="val -84537"/>
               <a:gd name="adj2" fmla="val 110376"/>
             </a:avLst>
           </a:prstGeom>
@@ -5684,7 +7572,7 @@
 </p:sld>
 </file>
 
-<file path=ppt/slides/slide2.xml><?xml version="1.0" encoding="utf-8"?>
+<file path=ppt/slides/slide7.xml><?xml version="1.0" encoding="utf-8"?>
 <p:sld xmlns:a="http://schemas.openxmlformats.org/drawingml/2006/main" xmlns:r="http://schemas.openxmlformats.org/officeDocument/2006/relationships" xmlns:p="http://schemas.openxmlformats.org/presentationml/2006/main">
   <p:cSld>
     <p:bg>
@@ -5711,14 +7599,14 @@
       </p:grpSpPr>
       <p:sp>
         <p:nvSpPr>
-          <p:cNvPr id="6" name="TextBox 5"/>
+          <p:cNvPr id="4" name="TextBox 3"/>
           <p:cNvSpPr txBox="1"/>
           <p:nvPr/>
         </p:nvSpPr>
         <p:spPr>
           <a:xfrm>
-            <a:off x="0" y="0"/>
-            <a:ext cx="12192000" cy="1754326"/>
+            <a:off x="0" y="2875469"/>
+            <a:ext cx="12192000" cy="1323439"/>
           </a:xfrm>
           <a:prstGeom prst="rect">
             <a:avLst/>
@@ -5749,6 +7637,185 @@
           </a:bodyPr>
           <a:lstStyle/>
           <a:p>
+            <a:pPr marL="3943350" lvl="8" indent="-285750" algn="just">
+              <a:buFont typeface="Arial" panose="020B0604020202020204" pitchFamily="34" charset="0"/>
+              <a:buChar char="•"/>
+            </a:pPr>
+            <a:r>
+              <a:rPr lang="en-US" sz="2000" dirty="0"/>
+              <a:t>Modifying a global variable</a:t>
+            </a:r>
+          </a:p>
+          <a:p>
+            <a:pPr marL="3943350" lvl="8" indent="-285750" algn="just">
+              <a:buFont typeface="Arial" panose="020B0604020202020204" pitchFamily="34" charset="0"/>
+              <a:buChar char="•"/>
+            </a:pPr>
+            <a:r>
+              <a:rPr lang="en-US" sz="2000" dirty="0" smtClean="0"/>
+              <a:t>Screen </a:t>
+            </a:r>
+            <a:r>
+              <a:rPr lang="en-US" sz="2000" dirty="0"/>
+              <a:t>recording</a:t>
+            </a:r>
+          </a:p>
+          <a:p>
+            <a:pPr marL="3943350" lvl="8" indent="-285750" algn="just">
+              <a:buFont typeface="Arial" panose="020B0604020202020204" pitchFamily="34" charset="0"/>
+              <a:buChar char="•"/>
+            </a:pPr>
+            <a:r>
+              <a:rPr lang="en-US" sz="2000" dirty="0"/>
+              <a:t>Write to file</a:t>
+            </a:r>
+          </a:p>
+          <a:p>
+            <a:pPr marL="3943350" lvl="8" indent="-285750" algn="just">
+              <a:buFont typeface="Arial" panose="020B0604020202020204" pitchFamily="34" charset="0"/>
+              <a:buChar char="•"/>
+            </a:pPr>
+            <a:r>
+              <a:rPr lang="en-US" sz="2000" dirty="0"/>
+              <a:t>Any network request like AJAX request.</a:t>
+            </a:r>
+          </a:p>
+        </p:txBody>
+      </p:sp>
+      <p:sp>
+        <p:nvSpPr>
+          <p:cNvPr id="6" name="TextBox 5"/>
+          <p:cNvSpPr txBox="1"/>
+          <p:nvPr/>
+        </p:nvSpPr>
+        <p:spPr>
+          <a:xfrm>
+            <a:off x="0" y="0"/>
+            <a:ext cx="12192000" cy="1015663"/>
+          </a:xfrm>
+          <a:prstGeom prst="rect">
+            <a:avLst/>
+          </a:prstGeom>
+          <a:ln>
+            <a:noFill/>
+          </a:ln>
+        </p:spPr>
+        <p:style>
+          <a:lnRef idx="2">
+            <a:schemeClr val="accent1">
+              <a:shade val="50000"/>
+            </a:schemeClr>
+          </a:lnRef>
+          <a:fillRef idx="1">
+            <a:schemeClr val="accent1"/>
+          </a:fillRef>
+          <a:effectRef idx="0">
+            <a:schemeClr val="accent1"/>
+          </a:effectRef>
+          <a:fontRef idx="minor">
+            <a:schemeClr val="lt1"/>
+          </a:fontRef>
+        </p:style>
+        <p:txBody>
+          <a:bodyPr wrap="square" rtlCol="0">
+            <a:spAutoFit/>
+          </a:bodyPr>
+          <a:lstStyle/>
+          <a:p>
+            <a:pPr algn="ctr"/>
+            <a:r>
+              <a:rPr lang="en-US" sz="6000" dirty="0" smtClean="0"/>
+              <a:t>Side effects</a:t>
+            </a:r>
+            <a:endParaRPr lang="en-US" sz="6000" dirty="0"/>
+          </a:p>
+        </p:txBody>
+      </p:sp>
+    </p:spTree>
+    <p:extLst>
+      <p:ext uri="{BB962C8B-B14F-4D97-AF65-F5344CB8AC3E}">
+        <p14:creationId xmlns:p14="http://schemas.microsoft.com/office/powerpoint/2010/main" val="1122040479"/>
+      </p:ext>
+    </p:extLst>
+  </p:cSld>
+  <p:clrMapOvr>
+    <a:masterClrMapping/>
+  </p:clrMapOvr>
+  <p:timing>
+    <p:tnLst>
+      <p:par>
+        <p:cTn id="1" dur="indefinite" restart="never" nodeType="tmRoot"/>
+      </p:par>
+    </p:tnLst>
+  </p:timing>
+</p:sld>
+</file>
+
+<file path=ppt/slides/slide8.xml><?xml version="1.0" encoding="utf-8"?>
+<p:sld xmlns:a="http://schemas.openxmlformats.org/drawingml/2006/main" xmlns:r="http://schemas.openxmlformats.org/officeDocument/2006/relationships" xmlns:p="http://schemas.openxmlformats.org/presentationml/2006/main">
+  <p:cSld>
+    <p:bg>
+      <p:bgPr>
+        <a:solidFill>
+          <a:schemeClr val="accent1"/>
+        </a:solidFill>
+        <a:effectLst/>
+      </p:bgPr>
+    </p:bg>
+    <p:spTree>
+      <p:nvGrpSpPr>
+        <p:cNvPr id="1" name=""/>
+        <p:cNvGrpSpPr/>
+        <p:nvPr/>
+      </p:nvGrpSpPr>
+      <p:grpSpPr>
+        <a:xfrm>
+          <a:off x="0" y="0"/>
+          <a:ext cx="0" cy="0"/>
+          <a:chOff x="0" y="0"/>
+          <a:chExt cx="0" cy="0"/>
+        </a:xfrm>
+      </p:grpSpPr>
+      <p:sp>
+        <p:nvSpPr>
+          <p:cNvPr id="6" name="TextBox 5"/>
+          <p:cNvSpPr txBox="1"/>
+          <p:nvPr/>
+        </p:nvSpPr>
+        <p:spPr>
+          <a:xfrm>
+            <a:off x="0" y="0"/>
+            <a:ext cx="12192000" cy="1754326"/>
+          </a:xfrm>
+          <a:prstGeom prst="rect">
+            <a:avLst/>
+          </a:prstGeom>
+          <a:ln>
+            <a:noFill/>
+          </a:ln>
+        </p:spPr>
+        <p:style>
+          <a:lnRef idx="2">
+            <a:schemeClr val="accent1">
+              <a:shade val="50000"/>
+            </a:schemeClr>
+          </a:lnRef>
+          <a:fillRef idx="1">
+            <a:schemeClr val="accent1"/>
+          </a:fillRef>
+          <a:effectRef idx="0">
+            <a:schemeClr val="accent1"/>
+          </a:effectRef>
+          <a:fontRef idx="minor">
+            <a:schemeClr val="lt1"/>
+          </a:fontRef>
+        </p:style>
+        <p:txBody>
+          <a:bodyPr wrap="square" rtlCol="0">
+            <a:spAutoFit/>
+          </a:bodyPr>
+          <a:lstStyle/>
+          <a:p>
             <a:pPr algn="ctr"/>
             <a:r>
               <a:rPr lang="en-US" sz="5400" dirty="0"/>
@@ -5766,7 +7833,6 @@
               <a:rPr lang="en-US" sz="5400" dirty="0"/>
               <a:t>and lifecycle</a:t>
             </a:r>
-            <a:endParaRPr lang="en-US" sz="5400" dirty="0"/>
           </a:p>
         </p:txBody>
       </p:sp>
@@ -6708,185 +8774,6 @@
 </p:sld>
 </file>
 
-<file path=ppt/slides/slide3.xml><?xml version="1.0" encoding="utf-8"?>
-<p:sld xmlns:a="http://schemas.openxmlformats.org/drawingml/2006/main" xmlns:r="http://schemas.openxmlformats.org/officeDocument/2006/relationships" xmlns:p="http://schemas.openxmlformats.org/presentationml/2006/main">
-  <p:cSld>
-    <p:bg>
-      <p:bgPr>
-        <a:solidFill>
-          <a:schemeClr val="accent1"/>
-        </a:solidFill>
-        <a:effectLst/>
-      </p:bgPr>
-    </p:bg>
-    <p:spTree>
-      <p:nvGrpSpPr>
-        <p:cNvPr id="1" name=""/>
-        <p:cNvGrpSpPr/>
-        <p:nvPr/>
-      </p:nvGrpSpPr>
-      <p:grpSpPr>
-        <a:xfrm>
-          <a:off x="0" y="0"/>
-          <a:ext cx="0" cy="0"/>
-          <a:chOff x="0" y="0"/>
-          <a:chExt cx="0" cy="0"/>
-        </a:xfrm>
-      </p:grpSpPr>
-      <p:sp>
-        <p:nvSpPr>
-          <p:cNvPr id="4" name="TextBox 3"/>
-          <p:cNvSpPr txBox="1"/>
-          <p:nvPr/>
-        </p:nvSpPr>
-        <p:spPr>
-          <a:xfrm>
-            <a:off x="0" y="2875469"/>
-            <a:ext cx="12192000" cy="1631216"/>
-          </a:xfrm>
-          <a:prstGeom prst="rect">
-            <a:avLst/>
-          </a:prstGeom>
-        </p:spPr>
-        <p:style>
-          <a:lnRef idx="2">
-            <a:schemeClr val="accent1">
-              <a:shade val="50000"/>
-            </a:schemeClr>
-          </a:lnRef>
-          <a:fillRef idx="1">
-            <a:schemeClr val="accent1"/>
-          </a:fillRef>
-          <a:effectRef idx="0">
-            <a:schemeClr val="accent1"/>
-          </a:effectRef>
-          <a:fontRef idx="minor">
-            <a:schemeClr val="lt1"/>
-          </a:fontRef>
-        </p:style>
-        <p:txBody>
-          <a:bodyPr wrap="square" rtlCol="0">
-            <a:spAutoFit/>
-          </a:bodyPr>
-          <a:lstStyle/>
-          <a:p>
-            <a:pPr marL="3943350" lvl="8" indent="-285750" algn="just">
-              <a:buFont typeface="Arial" panose="020B0604020202020204" pitchFamily="34" charset="0"/>
-              <a:buChar char="•"/>
-            </a:pPr>
-            <a:r>
-              <a:rPr lang="en-US" sz="2000" dirty="0"/>
-              <a:t>Modifying a global variable</a:t>
-            </a:r>
-          </a:p>
-          <a:p>
-            <a:pPr marL="3943350" lvl="8" indent="-285750" algn="just">
-              <a:buFont typeface="Arial" panose="020B0604020202020204" pitchFamily="34" charset="0"/>
-              <a:buChar char="•"/>
-            </a:pPr>
-            <a:r>
-              <a:rPr lang="en-US" sz="2000" dirty="0"/>
-              <a:t>Changing a variable in the parent scope chain</a:t>
-            </a:r>
-          </a:p>
-          <a:p>
-            <a:pPr marL="3943350" lvl="8" indent="-285750" algn="just">
-              <a:buFont typeface="Arial" panose="020B0604020202020204" pitchFamily="34" charset="0"/>
-              <a:buChar char="•"/>
-            </a:pPr>
-            <a:r>
-              <a:rPr lang="en-US" sz="2000" dirty="0"/>
-              <a:t>Screen recording</a:t>
-            </a:r>
-          </a:p>
-          <a:p>
-            <a:pPr marL="3943350" lvl="8" indent="-285750" algn="just">
-              <a:buFont typeface="Arial" panose="020B0604020202020204" pitchFamily="34" charset="0"/>
-              <a:buChar char="•"/>
-            </a:pPr>
-            <a:r>
-              <a:rPr lang="en-US" sz="2000" dirty="0"/>
-              <a:t>Write to file</a:t>
-            </a:r>
-          </a:p>
-          <a:p>
-            <a:pPr marL="3943350" lvl="8" indent="-285750" algn="just">
-              <a:buFont typeface="Arial" panose="020B0604020202020204" pitchFamily="34" charset="0"/>
-              <a:buChar char="•"/>
-            </a:pPr>
-            <a:r>
-              <a:rPr lang="en-US" sz="2000" dirty="0"/>
-              <a:t>Any network request like AJAX request.</a:t>
-            </a:r>
-          </a:p>
-        </p:txBody>
-      </p:sp>
-      <p:sp>
-        <p:nvSpPr>
-          <p:cNvPr id="6" name="TextBox 5"/>
-          <p:cNvSpPr txBox="1"/>
-          <p:nvPr/>
-        </p:nvSpPr>
-        <p:spPr>
-          <a:xfrm>
-            <a:off x="0" y="0"/>
-            <a:ext cx="12192000" cy="1015663"/>
-          </a:xfrm>
-          <a:prstGeom prst="rect">
-            <a:avLst/>
-          </a:prstGeom>
-        </p:spPr>
-        <p:style>
-          <a:lnRef idx="2">
-            <a:schemeClr val="accent1">
-              <a:shade val="50000"/>
-            </a:schemeClr>
-          </a:lnRef>
-          <a:fillRef idx="1">
-            <a:schemeClr val="accent1"/>
-          </a:fillRef>
-          <a:effectRef idx="0">
-            <a:schemeClr val="accent1"/>
-          </a:effectRef>
-          <a:fontRef idx="minor">
-            <a:schemeClr val="lt1"/>
-          </a:fontRef>
-        </p:style>
-        <p:txBody>
-          <a:bodyPr wrap="square" rtlCol="0">
-            <a:spAutoFit/>
-          </a:bodyPr>
-          <a:lstStyle/>
-          <a:p>
-            <a:pPr algn="ctr"/>
-            <a:r>
-              <a:rPr lang="en-US" sz="6000" dirty="0" smtClean="0"/>
-              <a:t>Side effects</a:t>
-            </a:r>
-            <a:endParaRPr lang="en-US" sz="6000" dirty="0"/>
-          </a:p>
-        </p:txBody>
-      </p:sp>
-    </p:spTree>
-    <p:extLst>
-      <p:ext uri="{BB962C8B-B14F-4D97-AF65-F5344CB8AC3E}">
-        <p14:creationId xmlns:p14="http://schemas.microsoft.com/office/powerpoint/2010/main" val="1122040479"/>
-      </p:ext>
-    </p:extLst>
-  </p:cSld>
-  <p:clrMapOvr>
-    <a:masterClrMapping/>
-  </p:clrMapOvr>
-  <p:timing>
-    <p:tnLst>
-      <p:par>
-        <p:cTn id="1" dur="indefinite" restart="never" nodeType="tmRoot"/>
-      </p:par>
-    </p:tnLst>
-  </p:timing>
-</p:sld>
-</file>
-
 <file path=ppt/theme/theme1.xml><?xml version="1.0" encoding="utf-8"?>
 <a:theme xmlns:a="http://schemas.openxmlformats.org/drawingml/2006/main" name="Office Theme">
   <a:themeElements>

--- a/React component lifecycle.pptx
+++ b/React component lifecycle.pptx
@@ -250,7 +250,7 @@
           <a:p>
             <a:fld id="{EE844072-81E0-44CE-8CF3-79AEA47A879C}" type="datetimeFigureOut">
               <a:rPr lang="en-US" smtClean="0"/>
-              <a:t>01-Dec-20</a:t>
+              <a:t>02-Dec-20</a:t>
             </a:fld>
             <a:endParaRPr lang="en-US" dirty="0"/>
           </a:p>
@@ -420,7 +420,7 @@
           <a:p>
             <a:fld id="{EE844072-81E0-44CE-8CF3-79AEA47A879C}" type="datetimeFigureOut">
               <a:rPr lang="en-US" smtClean="0"/>
-              <a:t>01-Dec-20</a:t>
+              <a:t>02-Dec-20</a:t>
             </a:fld>
             <a:endParaRPr lang="en-US" dirty="0"/>
           </a:p>
@@ -600,7 +600,7 @@
           <a:p>
             <a:fld id="{EE844072-81E0-44CE-8CF3-79AEA47A879C}" type="datetimeFigureOut">
               <a:rPr lang="en-US" smtClean="0"/>
-              <a:t>01-Dec-20</a:t>
+              <a:t>02-Dec-20</a:t>
             </a:fld>
             <a:endParaRPr lang="en-US" dirty="0"/>
           </a:p>
@@ -770,7 +770,7 @@
           <a:p>
             <a:fld id="{EE844072-81E0-44CE-8CF3-79AEA47A879C}" type="datetimeFigureOut">
               <a:rPr lang="en-US" smtClean="0"/>
-              <a:t>01-Dec-20</a:t>
+              <a:t>02-Dec-20</a:t>
             </a:fld>
             <a:endParaRPr lang="en-US" dirty="0"/>
           </a:p>
@@ -1016,7 +1016,7 @@
           <a:p>
             <a:fld id="{EE844072-81E0-44CE-8CF3-79AEA47A879C}" type="datetimeFigureOut">
               <a:rPr lang="en-US" smtClean="0"/>
-              <a:t>01-Dec-20</a:t>
+              <a:t>02-Dec-20</a:t>
             </a:fld>
             <a:endParaRPr lang="en-US" dirty="0"/>
           </a:p>
@@ -1248,7 +1248,7 @@
           <a:p>
             <a:fld id="{EE844072-81E0-44CE-8CF3-79AEA47A879C}" type="datetimeFigureOut">
               <a:rPr lang="en-US" smtClean="0"/>
-              <a:t>01-Dec-20</a:t>
+              <a:t>02-Dec-20</a:t>
             </a:fld>
             <a:endParaRPr lang="en-US" dirty="0"/>
           </a:p>
@@ -1615,7 +1615,7 @@
           <a:p>
             <a:fld id="{EE844072-81E0-44CE-8CF3-79AEA47A879C}" type="datetimeFigureOut">
               <a:rPr lang="en-US" smtClean="0"/>
-              <a:t>01-Dec-20</a:t>
+              <a:t>02-Dec-20</a:t>
             </a:fld>
             <a:endParaRPr lang="en-US" dirty="0"/>
           </a:p>
@@ -1733,7 +1733,7 @@
           <a:p>
             <a:fld id="{EE844072-81E0-44CE-8CF3-79AEA47A879C}" type="datetimeFigureOut">
               <a:rPr lang="en-US" smtClean="0"/>
-              <a:t>01-Dec-20</a:t>
+              <a:t>02-Dec-20</a:t>
             </a:fld>
             <a:endParaRPr lang="en-US" dirty="0"/>
           </a:p>
@@ -1828,7 +1828,7 @@
           <a:p>
             <a:fld id="{EE844072-81E0-44CE-8CF3-79AEA47A879C}" type="datetimeFigureOut">
               <a:rPr lang="en-US" smtClean="0"/>
-              <a:t>01-Dec-20</a:t>
+              <a:t>02-Dec-20</a:t>
             </a:fld>
             <a:endParaRPr lang="en-US" dirty="0"/>
           </a:p>
@@ -2105,7 +2105,7 @@
           <a:p>
             <a:fld id="{EE844072-81E0-44CE-8CF3-79AEA47A879C}" type="datetimeFigureOut">
               <a:rPr lang="en-US" smtClean="0"/>
-              <a:t>01-Dec-20</a:t>
+              <a:t>02-Dec-20</a:t>
             </a:fld>
             <a:endParaRPr lang="en-US" dirty="0"/>
           </a:p>
@@ -2358,7 +2358,7 @@
           <a:p>
             <a:fld id="{EE844072-81E0-44CE-8CF3-79AEA47A879C}" type="datetimeFigureOut">
               <a:rPr lang="en-US" smtClean="0"/>
-              <a:t>01-Dec-20</a:t>
+              <a:t>02-Dec-20</a:t>
             </a:fld>
             <a:endParaRPr lang="en-US" dirty="0"/>
           </a:p>
@@ -2571,7 +2571,7 @@
           <a:p>
             <a:fld id="{EE844072-81E0-44CE-8CF3-79AEA47A879C}" type="datetimeFigureOut">
               <a:rPr lang="en-US" smtClean="0"/>
-              <a:t>01-Dec-20</a:t>
+              <a:t>02-Dec-20</a:t>
             </a:fld>
             <a:endParaRPr lang="en-US" dirty="0"/>
           </a:p>
@@ -3290,15 +3290,7 @@
                   <a:schemeClr val="bg1"/>
                 </a:solidFill>
               </a:rPr>
-              <a:t>Angular</a:t>
-            </a:r>
-            <a:r>
-              <a:rPr lang="en-US" dirty="0">
-                <a:solidFill>
-                  <a:schemeClr val="bg1"/>
-                </a:solidFill>
-              </a:rPr>
-              <a:t> </a:t>
+              <a:t>Angular </a:t>
             </a:r>
             <a:r>
               <a:rPr lang="en-US" dirty="0" smtClean="0">
@@ -3383,15 +3375,7 @@
                   <a:schemeClr val="bg1"/>
                 </a:solidFill>
               </a:rPr>
-              <a:t>TypeScript as primary </a:t>
-            </a:r>
-            <a:r>
-              <a:rPr lang="en-US" dirty="0">
-                <a:solidFill>
-                  <a:schemeClr val="bg1"/>
-                </a:solidFill>
-              </a:rPr>
-              <a:t>language</a:t>
+              <a:t>TypeScript as primary language</a:t>
             </a:r>
           </a:p>
         </p:txBody>
@@ -3735,17 +3719,8 @@
             <a:pPr marL="0" lvl="8" algn="ctr"/>
             <a:r>
               <a:rPr lang="en-US" b="1" dirty="0"/>
-              <a:t>Faster than </a:t>
-            </a:r>
-            <a:r>
-              <a:rPr lang="en-US" b="1" dirty="0"/>
-              <a:t>Angular </a:t>
-            </a:r>
-            <a:r>
-              <a:rPr lang="en-US" b="1" dirty="0"/>
-              <a:t>Ivy</a:t>
-            </a:r>
-            <a:endParaRPr lang="en-US" b="1" dirty="0"/>
+              <a:t>Faster than Angular Ivy</a:t>
+            </a:r>
           </a:p>
         </p:txBody>
       </p:sp>
@@ -3822,11 +3797,6 @@
               </a:rPr>
               <a:t>Need less memory than VirtualDOM</a:t>
             </a:r>
-            <a:endParaRPr lang="en-US" dirty="0">
-              <a:solidFill>
-                <a:schemeClr val="bg1"/>
-              </a:solidFill>
-            </a:endParaRPr>
           </a:p>
         </p:txBody>
       </p:sp>
@@ -4608,11 +4578,6 @@
               </a:rPr>
               <a:t> are variables passed to it by its parent component</a:t>
             </a:r>
-            <a:endParaRPr lang="en-US" dirty="0">
-              <a:solidFill>
-                <a:schemeClr val="bg1"/>
-              </a:solidFill>
-            </a:endParaRPr>
           </a:p>
         </p:txBody>
       </p:sp>
@@ -4717,11 +4682,6 @@
               </a:rPr>
               <a:t>to allow child components to access methods defined in the parent component</a:t>
             </a:r>
-            <a:endParaRPr lang="en-US" dirty="0">
-              <a:solidFill>
-                <a:schemeClr val="bg1"/>
-              </a:solidFill>
-            </a:endParaRPr>
           </a:p>
         </p:txBody>
       </p:sp>
@@ -4893,11 +4853,7 @@
             <a:pPr algn="ctr"/>
             <a:r>
               <a:rPr lang="en-US" sz="800" dirty="0" smtClean="0"/>
-              <a:t>Component </a:t>
-            </a:r>
-            <a:r>
-              <a:rPr lang="en-US" sz="800" dirty="0" smtClean="0"/>
-              <a:t>initialization</a:t>
+              <a:t>Component initialization</a:t>
             </a:r>
             <a:endParaRPr lang="en-US" sz="800" dirty="0"/>
           </a:p>
@@ -7845,7 +7801,7 @@
           <p:nvPr>
             <p:extLst>
               <p:ext uri="{D42A27DB-BD31-4B8C-83A1-F6EECF244321}">
-                <p14:modId xmlns:p14="http://schemas.microsoft.com/office/powerpoint/2010/main" val="3032801451"/>
+                <p14:modId xmlns:p14="http://schemas.microsoft.com/office/powerpoint/2010/main" val="3511903880"/>
               </p:ext>
             </p:extLst>
           </p:nvPr>
@@ -8355,7 +8311,7 @@
                       <a:r>
                         <a:rPr lang="en-US" sz="1100" kern="1200" dirty="0" smtClean="0">
                           <a:solidFill>
-                            <a:srgbClr val="FF0000"/>
+                            <a:schemeClr val="dk1"/>
                           </a:solidFill>
                           <a:effectLst/>
                           <a:latin typeface="+mn-lt"/>
@@ -8367,7 +8323,7 @@
                       <a:r>
                         <a:rPr lang="en-US" sz="1100" kern="1200" dirty="0" err="1" smtClean="0">
                           <a:solidFill>
-                            <a:srgbClr val="FF0000"/>
+                            <a:schemeClr val="dk1"/>
                           </a:solidFill>
                           <a:effectLst/>
                           <a:latin typeface="+mn-lt"/>
@@ -8378,7 +8334,7 @@
                       </a:r>
                       <a:endParaRPr lang="en-US" sz="1100" kern="1200" dirty="0">
                         <a:solidFill>
-                          <a:srgbClr val="FF0000"/>
+                          <a:schemeClr val="dk1"/>
                         </a:solidFill>
                         <a:effectLst/>
                         <a:latin typeface="+mn-lt"/>
@@ -8397,7 +8353,7 @@
                       <a:r>
                         <a:rPr lang="en-US" sz="1100" kern="1200" dirty="0" smtClean="0">
                           <a:solidFill>
-                            <a:srgbClr val="FF0000"/>
+                            <a:schemeClr val="dk1"/>
                           </a:solidFill>
                           <a:effectLst/>
                           <a:latin typeface="+mn-lt"/>
@@ -8408,7 +8364,7 @@
                       </a:r>
                       <a:endParaRPr lang="en-US" sz="1100" kern="1200" dirty="0">
                         <a:solidFill>
-                          <a:srgbClr val="FF0000"/>
+                          <a:schemeClr val="dk1"/>
                         </a:solidFill>
                         <a:effectLst/>
                         <a:latin typeface="+mn-lt"/>
@@ -8426,7 +8382,7 @@
                     <a:p>
                       <a:endParaRPr lang="en-US" sz="1100" kern="1200" dirty="0">
                         <a:solidFill>
-                          <a:srgbClr val="FF0000"/>
+                          <a:schemeClr val="dk1"/>
                         </a:solidFill>
                         <a:effectLst/>
                         <a:latin typeface="+mn-lt"/>
@@ -8452,7 +8408,7 @@
                       <a:r>
                         <a:rPr lang="en-US" sz="1100" kern="1200" dirty="0" err="1" smtClean="0">
                           <a:solidFill>
-                            <a:srgbClr val="FF0000"/>
+                            <a:schemeClr val="dk1"/>
                           </a:solidFill>
                           <a:effectLst/>
                           <a:latin typeface="+mn-lt"/>
@@ -8463,7 +8419,7 @@
                       </a:r>
                       <a:endParaRPr lang="en-US" sz="1100" kern="1200" dirty="0">
                         <a:solidFill>
-                          <a:srgbClr val="FF0000"/>
+                          <a:schemeClr val="dk1"/>
                         </a:solidFill>
                         <a:effectLst/>
                         <a:latin typeface="+mn-lt"/>
@@ -8482,18 +8438,55 @@
                       <a:r>
                         <a:rPr lang="en-US" sz="1100" kern="1200" dirty="0" smtClean="0">
                           <a:solidFill>
-                            <a:srgbClr val="FF0000"/>
+                            <a:schemeClr val="dk1"/>
                           </a:solidFill>
                           <a:effectLst/>
                           <a:latin typeface="+mn-lt"/>
                           <a:ea typeface="+mn-ea"/>
                           <a:cs typeface="+mn-cs"/>
                         </a:rPr>
-                        <a:t>to capture some information from the DOM (e.g. scroll position)</a:t>
+                        <a:t>to capture some information from the DOM (e.g. scroll </a:t>
+                      </a:r>
+                      <a:r>
+                        <a:rPr lang="en-US" sz="1100" kern="1200" dirty="0" smtClean="0">
+                          <a:solidFill>
+                            <a:schemeClr val="dk1"/>
+                          </a:solidFill>
+                          <a:effectLst/>
+                          <a:latin typeface="+mn-lt"/>
+                          <a:ea typeface="+mn-ea"/>
+                          <a:cs typeface="+mn-cs"/>
+                        </a:rPr>
+                        <a:t>position)</a:t>
+                      </a:r>
+                      <a:r>
+                        <a:rPr lang="en-US" sz="1100" kern="1200" baseline="0" dirty="0" smtClean="0">
+                          <a:solidFill>
+                            <a:schemeClr val="dk1"/>
+                          </a:solidFill>
+                          <a:effectLst/>
+                          <a:latin typeface="+mn-lt"/>
+                          <a:ea typeface="+mn-ea"/>
+                          <a:cs typeface="+mn-cs"/>
+                        </a:rPr>
+                        <a:t> </a:t>
+                      </a:r>
+                      <a:r>
+                        <a:rPr lang="en-US" sz="1100" kern="1200" dirty="0" smtClean="0">
+                          <a:solidFill>
+                            <a:schemeClr val="dk1"/>
+                          </a:solidFill>
+                          <a:effectLst/>
+                          <a:latin typeface="+mn-lt"/>
+                          <a:ea typeface="+mn-ea"/>
+                          <a:cs typeface="+mn-cs"/>
+                          <a:hlinkClick r:id="rId2"/>
+                        </a:rPr>
+                        <a:t>problem example</a:t>
                       </a:r>
                       <a:endParaRPr lang="en-US" sz="1100" kern="1200" dirty="0">
                         <a:solidFill>
-                          <a:srgbClr val="FF0000"/>
+                          <a:schemeClr val="dk1"/>
                         </a:solidFill>
                         <a:effectLst/>
                         <a:latin typeface="+mn-lt"/>
@@ -8511,7 +8504,7 @@
                     <a:p>
                       <a:endParaRPr lang="en-US" sz="1100" kern="1200" dirty="0">
                         <a:solidFill>
-                          <a:srgbClr val="FF0000"/>
+                          <a:schemeClr val="dk1"/>
                         </a:solidFill>
                         <a:effectLst/>
                         <a:latin typeface="+mn-lt"/>
@@ -8537,7 +8530,7 @@
                       <a:r>
                         <a:rPr lang="en-US" sz="1100" kern="1200" dirty="0" smtClean="0">
                           <a:solidFill>
-                            <a:srgbClr val="FF0000"/>
+                            <a:schemeClr val="dk1"/>
                           </a:solidFill>
                           <a:effectLst/>
                           <a:latin typeface="+mn-lt"/>
@@ -8549,7 +8542,7 @@
                       <a:r>
                         <a:rPr lang="en-US" sz="1100" kern="1200" dirty="0" err="1" smtClean="0">
                           <a:solidFill>
-                            <a:srgbClr val="FF0000"/>
+                            <a:schemeClr val="dk1"/>
                           </a:solidFill>
                           <a:effectLst/>
                           <a:latin typeface="+mn-lt"/>
@@ -8560,7 +8553,7 @@
                       </a:r>
                       <a:endParaRPr lang="en-US" sz="1100" kern="1200" dirty="0">
                         <a:solidFill>
-                          <a:srgbClr val="FF0000"/>
+                          <a:schemeClr val="dk1"/>
                         </a:solidFill>
                         <a:effectLst/>
                         <a:latin typeface="+mn-lt"/>
@@ -8577,44 +8570,32 @@
                     <a:lstStyle/>
                     <a:p>
                       <a:r>
-                        <a:rPr lang="en-US" sz="1100" kern="1200" dirty="0" smtClean="0">
+                        <a:rPr lang="en-US" sz="1100" kern="1200" dirty="0" err="1" smtClean="0">
                           <a:solidFill>
-                            <a:srgbClr val="FF0000"/>
+                            <a:schemeClr val="dk1"/>
                           </a:solidFill>
                           <a:effectLst/>
                           <a:latin typeface="+mn-lt"/>
                           <a:ea typeface="+mn-ea"/>
                           <a:cs typeface="+mn-cs"/>
                         </a:rPr>
-                        <a:t>lifecycle is invoked after an error has been thrown by a descendant component</a:t>
+                        <a:t>Recive</a:t>
                       </a:r>
-                      <a:br>
+                      <a:r>
                         <a:rPr lang="en-US" sz="1100" kern="1200" dirty="0" smtClean="0">
                           <a:solidFill>
-                            <a:srgbClr val="FF0000"/>
+                            <a:schemeClr val="dk1"/>
                           </a:solidFill>
                           <a:effectLst/>
                           <a:latin typeface="+mn-lt"/>
                           <a:ea typeface="+mn-ea"/>
                           <a:cs typeface="+mn-cs"/>
                         </a:rPr>
-                      </a:br>
-                      <a:r>
-                        <a:rPr lang="en-US" sz="1100" kern="1200" dirty="0" smtClean="0">
-                          <a:solidFill>
-                            <a:srgbClr val="FF0000"/>
-                          </a:solidFill>
-                          <a:effectLst/>
-                          <a:latin typeface="+mn-lt"/>
-                          <a:ea typeface="+mn-ea"/>
-                          <a:cs typeface="+mn-cs"/>
-                          <a:hlinkClick r:id="rId2"/>
-                        </a:rPr>
-                        <a:t>preview</a:t>
+                        <a:t> error thrown by a descendant component. Should return a value to update state.</a:t>
                       </a:r>
                       <a:endParaRPr lang="en-US" sz="1100" kern="1200" dirty="0">
                         <a:solidFill>
-                          <a:srgbClr val="FF0000"/>
+                          <a:schemeClr val="dk1"/>
                         </a:solidFill>
                         <a:effectLst/>
                         <a:latin typeface="+mn-lt"/>
@@ -8632,7 +8613,7 @@
                     <a:p>
                       <a:endParaRPr lang="en-US" sz="1100" kern="1200" dirty="0">
                         <a:solidFill>
-                          <a:srgbClr val="FF0000"/>
+                          <a:schemeClr val="dk1"/>
                         </a:solidFill>
                         <a:effectLst/>
                         <a:latin typeface="+mn-lt"/>
@@ -8675,7 +8656,7 @@
                       <a:r>
                         <a:rPr lang="en-US" sz="1100" kern="1200" dirty="0" err="1" smtClean="0">
                           <a:solidFill>
-                            <a:srgbClr val="FF0000"/>
+                            <a:schemeClr val="dk1"/>
                           </a:solidFill>
                           <a:effectLst/>
                           <a:latin typeface="+mn-lt"/>
@@ -8686,7 +8667,7 @@
                       </a:r>
                       <a:endParaRPr lang="en-US" sz="1100" kern="1200" dirty="0" smtClean="0">
                         <a:solidFill>
-                          <a:srgbClr val="FF0000"/>
+                          <a:schemeClr val="dk1"/>
                         </a:solidFill>
                         <a:effectLst/>
                         <a:latin typeface="+mn-lt"/>
@@ -8697,7 +8678,68 @@
                     <a:p>
                       <a:endParaRPr lang="en-US" sz="1100" kern="1200" dirty="0">
                         <a:solidFill>
-                          <a:srgbClr val="FF0000"/>
+                          <a:schemeClr val="dk1"/>
+                        </a:solidFill>
+                        <a:effectLst/>
+                        <a:latin typeface="+mn-lt"/>
+                        <a:ea typeface="+mn-ea"/>
+                        <a:cs typeface="+mn-cs"/>
+                      </a:endParaRPr>
+                    </a:p>
+                  </a:txBody>
+                  <a:tcPr/>
+                </a:tc>
+                <a:tc>
+                  <a:txBody>
+                    <a:bodyPr/>
+                    <a:lstStyle/>
+                    <a:p>
+                      <a:pPr marL="0" marR="0" indent="0" algn="l" defTabSz="914400" rtl="0" eaLnBrk="1" fontAlgn="auto" latinLnBrk="0" hangingPunct="1">
+                        <a:lnSpc>
+                          <a:spcPct val="100000"/>
+                        </a:lnSpc>
+                        <a:spcBef>
+                          <a:spcPts val="0"/>
+                        </a:spcBef>
+                        <a:spcAft>
+                          <a:spcPts val="0"/>
+                        </a:spcAft>
+                        <a:buClrTx/>
+                        <a:buSzTx/>
+                        <a:buFontTx/>
+                        <a:buNone/>
+                        <a:tabLst/>
+                        <a:defRPr/>
+                      </a:pPr>
+                      <a:r>
+                        <a:rPr lang="en-US" sz="1100" kern="1200" dirty="0" err="1" smtClean="0">
+                          <a:solidFill>
+                            <a:schemeClr val="dk1"/>
+                          </a:solidFill>
+                          <a:effectLst/>
+                          <a:latin typeface="+mn-lt"/>
+                          <a:ea typeface="+mn-ea"/>
+                          <a:cs typeface="+mn-cs"/>
+                        </a:rPr>
+                        <a:t>Recive</a:t>
+                      </a:r>
+                      <a:r>
+                        <a:rPr lang="en-US" sz="1100" kern="1200" dirty="0" smtClean="0">
+                          <a:solidFill>
+                            <a:schemeClr val="dk1"/>
+                          </a:solidFill>
+                          <a:effectLst/>
+                          <a:latin typeface="+mn-lt"/>
+                          <a:ea typeface="+mn-ea"/>
+                          <a:cs typeface="+mn-cs"/>
+                        </a:rPr>
+                        <a:t> error thrown by a descendant component(used for things like logging errors)</a:t>
+                      </a:r>
+                    </a:p>
+                    <a:p>
+                      <a:endParaRPr lang="en-US" sz="1100" kern="1200" dirty="0">
+                        <a:solidFill>
+                          <a:schemeClr val="dk1"/>
                         </a:solidFill>
                         <a:effectLst/>
                         <a:latin typeface="+mn-lt"/>
@@ -8715,25 +8757,7 @@
                     <a:p>
                       <a:endParaRPr lang="en-US" sz="1100" kern="1200" dirty="0">
                         <a:solidFill>
-                          <a:srgbClr val="FF0000"/>
-                        </a:solidFill>
-                        <a:effectLst/>
-                        <a:latin typeface="+mn-lt"/>
-                        <a:ea typeface="+mn-ea"/>
-                        <a:cs typeface="+mn-cs"/>
-                      </a:endParaRPr>
-                    </a:p>
-                  </a:txBody>
-                  <a:tcPr/>
-                </a:tc>
-                <a:tc>
-                  <a:txBody>
-                    <a:bodyPr/>
-                    <a:lstStyle/>
-                    <a:p>
-                      <a:endParaRPr lang="en-US" sz="1100" kern="1200" dirty="0">
-                        <a:solidFill>
-                          <a:srgbClr val="FF0000"/>
+                          <a:schemeClr val="dk1"/>
                         </a:solidFill>
                         <a:effectLst/>
                         <a:latin typeface="+mn-lt"/>

--- a/React component lifecycle.pptx
+++ b/React component lifecycle.pptx
@@ -7,12 +7,11 @@
   <p:sldIdLst>
     <p:sldId id="261" r:id="rId2"/>
     <p:sldId id="264" r:id="rId3"/>
-    <p:sldId id="263" r:id="rId4"/>
-    <p:sldId id="262" r:id="rId5"/>
-    <p:sldId id="265" r:id="rId6"/>
-    <p:sldId id="257" r:id="rId7"/>
-    <p:sldId id="258" r:id="rId8"/>
-    <p:sldId id="260" r:id="rId9"/>
+    <p:sldId id="262" r:id="rId4"/>
+    <p:sldId id="265" r:id="rId5"/>
+    <p:sldId id="257" r:id="rId6"/>
+    <p:sldId id="258" r:id="rId7"/>
+    <p:sldId id="260" r:id="rId8"/>
   </p:sldIdLst>
   <p:sldSz cx="12192000" cy="6858000"/>
   <p:notesSz cx="6858000" cy="9144000"/>
@@ -4022,6 +4021,14 @@
 <file path=ppt/slides/slide3.xml><?xml version="1.0" encoding="utf-8"?>
 <p:sld xmlns:a="http://schemas.openxmlformats.org/drawingml/2006/main" xmlns:r="http://schemas.openxmlformats.org/officeDocument/2006/relationships" xmlns:p="http://schemas.openxmlformats.org/presentationml/2006/main">
   <p:cSld>
+    <p:bg>
+      <p:bgPr>
+        <a:solidFill>
+          <a:schemeClr val="bg1"/>
+        </a:solidFill>
+        <a:effectLst/>
+      </p:bgPr>
+    </p:bg>
     <p:spTree>
       <p:nvGrpSpPr>
         <p:cNvPr id="1" name=""/>
@@ -4036,9 +4043,50 @@
           <a:chExt cx="0" cy="0"/>
         </a:xfrm>
       </p:grpSpPr>
+      <p:sp>
+        <p:nvSpPr>
+          <p:cNvPr id="2" name="TextBox 1"/>
+          <p:cNvSpPr txBox="1"/>
+          <p:nvPr/>
+        </p:nvSpPr>
+        <p:spPr>
+          <a:xfrm>
+            <a:off x="0" y="0"/>
+            <a:ext cx="12192000" cy="1015663"/>
+          </a:xfrm>
+          <a:prstGeom prst="rect">
+            <a:avLst/>
+          </a:prstGeom>
+          <a:solidFill>
+            <a:srgbClr val="61DAFB"/>
+          </a:solidFill>
+        </p:spPr>
+        <p:txBody>
+          <a:bodyPr wrap="square" rtlCol="0">
+            <a:spAutoFit/>
+          </a:bodyPr>
+          <a:lstStyle/>
+          <a:p>
+            <a:pPr algn="ctr"/>
+            <a:r>
+              <a:rPr lang="en-US" sz="6000" dirty="0" smtClean="0">
+                <a:solidFill>
+                  <a:schemeClr val="bg1"/>
+                </a:solidFill>
+              </a:rPr>
+              <a:t>React VirtualDOM</a:t>
+            </a:r>
+            <a:endParaRPr lang="en-US" sz="6000" dirty="0">
+              <a:solidFill>
+                <a:schemeClr val="bg1"/>
+              </a:solidFill>
+            </a:endParaRPr>
+          </a:p>
+        </p:txBody>
+      </p:sp>
       <p:pic>
         <p:nvPicPr>
-          <p:cNvPr id="2" name="Picture 1"/>
+          <p:cNvPr id="17" name="Picture 16"/>
           <p:cNvPicPr>
             <a:picLocks noChangeAspect="1"/>
           </p:cNvPicPr>
@@ -4058,149 +4106,18 @@
         </p:blipFill>
         <p:spPr>
           <a:xfrm>
-            <a:off x="7432901" y="1300638"/>
-            <a:ext cx="3400425" cy="5309712"/>
+            <a:off x="1971675" y="2101512"/>
+            <a:ext cx="8248650" cy="3105005"/>
           </a:xfrm>
           <a:prstGeom prst="rect">
             <a:avLst/>
           </a:prstGeom>
         </p:spPr>
       </p:pic>
-      <p:pic>
-        <p:nvPicPr>
-          <p:cNvPr id="3" name="Picture 2"/>
-          <p:cNvPicPr>
-            <a:picLocks noChangeAspect="1"/>
-          </p:cNvPicPr>
-          <p:nvPr/>
-        </p:nvPicPr>
-        <p:blipFill>
-          <a:blip r:embed="rId3">
-            <a:extLst>
-              <a:ext uri="{28A0092B-C50C-407E-A947-70E740481C1C}">
-                <a14:useLocalDpi xmlns:a14="http://schemas.microsoft.com/office/drawing/2010/main" val="0"/>
-              </a:ext>
-            </a:extLst>
-          </a:blip>
-          <a:stretch>
-            <a:fillRect/>
-          </a:stretch>
-        </p:blipFill>
-        <p:spPr>
-          <a:xfrm>
-            <a:off x="1317850" y="2557462"/>
-            <a:ext cx="3438525" cy="1838325"/>
-          </a:xfrm>
-          <a:prstGeom prst="rect">
-            <a:avLst/>
-          </a:prstGeom>
-        </p:spPr>
-      </p:pic>
-      <p:sp>
-        <p:nvSpPr>
-          <p:cNvPr id="4" name="TextBox 3"/>
-          <p:cNvSpPr txBox="1"/>
-          <p:nvPr/>
-        </p:nvSpPr>
-        <p:spPr>
-          <a:xfrm>
-            <a:off x="-1" y="0"/>
-            <a:ext cx="6074229" cy="769441"/>
-          </a:xfrm>
-          <a:prstGeom prst="rect">
-            <a:avLst/>
-          </a:prstGeom>
-          <a:solidFill>
-            <a:srgbClr val="61DAFB"/>
-          </a:solidFill>
-        </p:spPr>
-        <p:style>
-          <a:lnRef idx="2">
-            <a:schemeClr val="accent1">
-              <a:shade val="50000"/>
-            </a:schemeClr>
-          </a:lnRef>
-          <a:fillRef idx="1">
-            <a:schemeClr val="accent1"/>
-          </a:fillRef>
-          <a:effectRef idx="0">
-            <a:schemeClr val="accent1"/>
-          </a:effectRef>
-          <a:fontRef idx="minor">
-            <a:schemeClr val="lt1"/>
-          </a:fontRef>
-        </p:style>
-        <p:txBody>
-          <a:bodyPr wrap="square" rtlCol="0">
-            <a:spAutoFit/>
-          </a:bodyPr>
-          <a:lstStyle/>
-          <a:p>
-            <a:pPr algn="r"/>
-            <a:r>
-              <a:rPr lang="en-US" sz="4400" dirty="0" smtClean="0"/>
-              <a:t> Create-React-App    v</a:t>
-            </a:r>
-            <a:endParaRPr lang="en-US" sz="4400" dirty="0"/>
-          </a:p>
-        </p:txBody>
-      </p:sp>
-      <p:sp>
-        <p:nvSpPr>
-          <p:cNvPr id="5" name="TextBox 4"/>
-          <p:cNvSpPr txBox="1"/>
-          <p:nvPr/>
-        </p:nvSpPr>
-        <p:spPr>
-          <a:xfrm>
-            <a:off x="6074229" y="0"/>
-            <a:ext cx="6117771" cy="769441"/>
-          </a:xfrm>
-          <a:prstGeom prst="rect">
-            <a:avLst/>
-          </a:prstGeom>
-          <a:solidFill>
-            <a:srgbClr val="F64236"/>
-          </a:solidFill>
-        </p:spPr>
-        <p:style>
-          <a:lnRef idx="2">
-            <a:schemeClr val="accent1">
-              <a:shade val="50000"/>
-            </a:schemeClr>
-          </a:lnRef>
-          <a:fillRef idx="1">
-            <a:schemeClr val="accent1"/>
-          </a:fillRef>
-          <a:effectRef idx="0">
-            <a:schemeClr val="accent1"/>
-          </a:effectRef>
-          <a:fontRef idx="minor">
-            <a:schemeClr val="lt1"/>
-          </a:fontRef>
-        </p:style>
-        <p:txBody>
-          <a:bodyPr wrap="square" rtlCol="0">
-            <a:spAutoFit/>
-          </a:bodyPr>
-          <a:lstStyle/>
-          <a:p>
-            <a:r>
-              <a:rPr lang="en-US" sz="4400" dirty="0"/>
-              <a:t>s </a:t>
-            </a:r>
-            <a:r>
-              <a:rPr lang="en-US" sz="4400" dirty="0" smtClean="0"/>
-              <a:t>              Angular</a:t>
-            </a:r>
-            <a:endParaRPr lang="en-US" sz="4400" dirty="0"/>
-          </a:p>
-        </p:txBody>
-      </p:sp>
     </p:spTree>
     <p:extLst>
       <p:ext uri="{BB962C8B-B14F-4D97-AF65-F5344CB8AC3E}">
-        <p14:creationId xmlns:p14="http://schemas.microsoft.com/office/powerpoint/2010/main" val="4109409201"/>
+        <p14:creationId xmlns:p14="http://schemas.microsoft.com/office/powerpoint/2010/main" val="401633498"/>
       </p:ext>
     </p:extLst>
   </p:cSld>
@@ -4250,122 +4167,6 @@
         </p:nvSpPr>
         <p:spPr>
           <a:xfrm>
-            <a:off x="0" y="0"/>
-            <a:ext cx="12192000" cy="1015663"/>
-          </a:xfrm>
-          <a:prstGeom prst="rect">
-            <a:avLst/>
-          </a:prstGeom>
-          <a:solidFill>
-            <a:srgbClr val="61DAFB"/>
-          </a:solidFill>
-        </p:spPr>
-        <p:txBody>
-          <a:bodyPr wrap="square" rtlCol="0">
-            <a:spAutoFit/>
-          </a:bodyPr>
-          <a:lstStyle/>
-          <a:p>
-            <a:pPr algn="ctr"/>
-            <a:r>
-              <a:rPr lang="en-US" sz="6000" dirty="0" smtClean="0">
-                <a:solidFill>
-                  <a:schemeClr val="bg1"/>
-                </a:solidFill>
-              </a:rPr>
-              <a:t>React VirtualDOM</a:t>
-            </a:r>
-            <a:endParaRPr lang="en-US" sz="6000" dirty="0">
-              <a:solidFill>
-                <a:schemeClr val="bg1"/>
-              </a:solidFill>
-            </a:endParaRPr>
-          </a:p>
-        </p:txBody>
-      </p:sp>
-      <p:pic>
-        <p:nvPicPr>
-          <p:cNvPr id="17" name="Picture 16"/>
-          <p:cNvPicPr>
-            <a:picLocks noChangeAspect="1"/>
-          </p:cNvPicPr>
-          <p:nvPr/>
-        </p:nvPicPr>
-        <p:blipFill>
-          <a:blip r:embed="rId2">
-            <a:extLst>
-              <a:ext uri="{28A0092B-C50C-407E-A947-70E740481C1C}">
-                <a14:useLocalDpi xmlns:a14="http://schemas.microsoft.com/office/drawing/2010/main" val="0"/>
-              </a:ext>
-            </a:extLst>
-          </a:blip>
-          <a:stretch>
-            <a:fillRect/>
-          </a:stretch>
-        </p:blipFill>
-        <p:spPr>
-          <a:xfrm>
-            <a:off x="1971675" y="2101512"/>
-            <a:ext cx="8248650" cy="3105005"/>
-          </a:xfrm>
-          <a:prstGeom prst="rect">
-            <a:avLst/>
-          </a:prstGeom>
-        </p:spPr>
-      </p:pic>
-    </p:spTree>
-    <p:extLst>
-      <p:ext uri="{BB962C8B-B14F-4D97-AF65-F5344CB8AC3E}">
-        <p14:creationId xmlns:p14="http://schemas.microsoft.com/office/powerpoint/2010/main" val="401633498"/>
-      </p:ext>
-    </p:extLst>
-  </p:cSld>
-  <p:clrMapOvr>
-    <a:masterClrMapping/>
-  </p:clrMapOvr>
-  <p:timing>
-    <p:tnLst>
-      <p:par>
-        <p:cTn id="1" dur="indefinite" restart="never" nodeType="tmRoot"/>
-      </p:par>
-    </p:tnLst>
-  </p:timing>
-</p:sld>
-</file>
-
-<file path=ppt/slides/slide5.xml><?xml version="1.0" encoding="utf-8"?>
-<p:sld xmlns:a="http://schemas.openxmlformats.org/drawingml/2006/main" xmlns:r="http://schemas.openxmlformats.org/officeDocument/2006/relationships" xmlns:p="http://schemas.openxmlformats.org/presentationml/2006/main">
-  <p:cSld>
-    <p:bg>
-      <p:bgPr>
-        <a:solidFill>
-          <a:schemeClr val="bg1"/>
-        </a:solidFill>
-        <a:effectLst/>
-      </p:bgPr>
-    </p:bg>
-    <p:spTree>
-      <p:nvGrpSpPr>
-        <p:cNvPr id="1" name=""/>
-        <p:cNvGrpSpPr/>
-        <p:nvPr/>
-      </p:nvGrpSpPr>
-      <p:grpSpPr>
-        <a:xfrm>
-          <a:off x="0" y="0"/>
-          <a:ext cx="0" cy="0"/>
-          <a:chOff x="0" y="0"/>
-          <a:chExt cx="0" cy="0"/>
-        </a:xfrm>
-      </p:grpSpPr>
-      <p:sp>
-        <p:nvSpPr>
-          <p:cNvPr id="2" name="TextBox 1"/>
-          <p:cNvSpPr txBox="1"/>
-          <p:nvPr/>
-        </p:nvSpPr>
-        <p:spPr>
-          <a:xfrm>
             <a:off x="6010275" y="2098"/>
             <a:ext cx="6181725" cy="1015663"/>
           </a:xfrm>
@@ -4798,7 +4599,7 @@
 </p:sld>
 </file>
 
-<file path=ppt/slides/slide6.xml><?xml version="1.0" encoding="utf-8"?>
+<file path=ppt/slides/slide5.xml><?xml version="1.0" encoding="utf-8"?>
 <p:sld xmlns:a="http://schemas.openxmlformats.org/drawingml/2006/main" xmlns:r="http://schemas.openxmlformats.org/officeDocument/2006/relationships" xmlns:p="http://schemas.openxmlformats.org/presentationml/2006/main">
   <p:cSld>
     <p:spTree>
@@ -7508,10 +7309,221 @@
           </a:fontRef>
         </p:style>
       </p:cxnSp>
+      <p:sp>
+        <p:nvSpPr>
+          <p:cNvPr id="4" name="TextBox 3"/>
+          <p:cNvSpPr txBox="1"/>
+          <p:nvPr/>
+        </p:nvSpPr>
+        <p:spPr>
+          <a:xfrm>
+            <a:off x="2675987" y="247136"/>
+            <a:ext cx="1621580" cy="584775"/>
+          </a:xfrm>
+          <a:prstGeom prst="rect">
+            <a:avLst/>
+          </a:prstGeom>
+          <a:noFill/>
+        </p:spPr>
+        <p:txBody>
+          <a:bodyPr wrap="square" rtlCol="0">
+            <a:spAutoFit/>
+          </a:bodyPr>
+          <a:lstStyle/>
+          <a:p>
+            <a:r>
+              <a:rPr lang="en-US" sz="3200" dirty="0" smtClean="0">
+                <a:hlinkClick r:id="rId3"/>
+              </a:rPr>
+              <a:t>Test app</a:t>
+            </a:r>
+            <a:endParaRPr lang="en-US" sz="3200" dirty="0"/>
+          </a:p>
+        </p:txBody>
+      </p:sp>
     </p:spTree>
     <p:extLst>
       <p:ext uri="{BB962C8B-B14F-4D97-AF65-F5344CB8AC3E}">
         <p14:creationId xmlns:p14="http://schemas.microsoft.com/office/powerpoint/2010/main" val="3086648155"/>
+      </p:ext>
+    </p:extLst>
+  </p:cSld>
+  <p:clrMapOvr>
+    <a:masterClrMapping/>
+  </p:clrMapOvr>
+  <p:timing>
+    <p:tnLst>
+      <p:par>
+        <p:cTn id="1" dur="indefinite" restart="never" nodeType="tmRoot"/>
+      </p:par>
+    </p:tnLst>
+  </p:timing>
+</p:sld>
+</file>
+
+<file path=ppt/slides/slide6.xml><?xml version="1.0" encoding="utf-8"?>
+<p:sld xmlns:a="http://schemas.openxmlformats.org/drawingml/2006/main" xmlns:r="http://schemas.openxmlformats.org/officeDocument/2006/relationships" xmlns:p="http://schemas.openxmlformats.org/presentationml/2006/main">
+  <p:cSld>
+    <p:bg>
+      <p:bgPr>
+        <a:solidFill>
+          <a:schemeClr val="accent1"/>
+        </a:solidFill>
+        <a:effectLst/>
+      </p:bgPr>
+    </p:bg>
+    <p:spTree>
+      <p:nvGrpSpPr>
+        <p:cNvPr id="1" name=""/>
+        <p:cNvGrpSpPr/>
+        <p:nvPr/>
+      </p:nvGrpSpPr>
+      <p:grpSpPr>
+        <a:xfrm>
+          <a:off x="0" y="0"/>
+          <a:ext cx="0" cy="0"/>
+          <a:chOff x="0" y="0"/>
+          <a:chExt cx="0" cy="0"/>
+        </a:xfrm>
+      </p:grpSpPr>
+      <p:sp>
+        <p:nvSpPr>
+          <p:cNvPr id="4" name="TextBox 3"/>
+          <p:cNvSpPr txBox="1"/>
+          <p:nvPr/>
+        </p:nvSpPr>
+        <p:spPr>
+          <a:xfrm>
+            <a:off x="0" y="2875469"/>
+            <a:ext cx="12192000" cy="1323439"/>
+          </a:xfrm>
+          <a:prstGeom prst="rect">
+            <a:avLst/>
+          </a:prstGeom>
+          <a:ln>
+            <a:noFill/>
+          </a:ln>
+        </p:spPr>
+        <p:style>
+          <a:lnRef idx="2">
+            <a:schemeClr val="accent1">
+              <a:shade val="50000"/>
+            </a:schemeClr>
+          </a:lnRef>
+          <a:fillRef idx="1">
+            <a:schemeClr val="accent1"/>
+          </a:fillRef>
+          <a:effectRef idx="0">
+            <a:schemeClr val="accent1"/>
+          </a:effectRef>
+          <a:fontRef idx="minor">
+            <a:schemeClr val="lt1"/>
+          </a:fontRef>
+        </p:style>
+        <p:txBody>
+          <a:bodyPr wrap="square" rtlCol="0">
+            <a:spAutoFit/>
+          </a:bodyPr>
+          <a:lstStyle/>
+          <a:p>
+            <a:pPr marL="3943350" lvl="8" indent="-285750" algn="just">
+              <a:buFont typeface="Arial" panose="020B0604020202020204" pitchFamily="34" charset="0"/>
+              <a:buChar char="•"/>
+            </a:pPr>
+            <a:r>
+              <a:rPr lang="en-US" sz="2000" dirty="0"/>
+              <a:t>Modifying a global variable</a:t>
+            </a:r>
+          </a:p>
+          <a:p>
+            <a:pPr marL="3943350" lvl="8" indent="-285750" algn="just">
+              <a:buFont typeface="Arial" panose="020B0604020202020204" pitchFamily="34" charset="0"/>
+              <a:buChar char="•"/>
+            </a:pPr>
+            <a:r>
+              <a:rPr lang="en-US" sz="2000" dirty="0" smtClean="0"/>
+              <a:t>Screen </a:t>
+            </a:r>
+            <a:r>
+              <a:rPr lang="en-US" sz="2000" dirty="0"/>
+              <a:t>recording</a:t>
+            </a:r>
+          </a:p>
+          <a:p>
+            <a:pPr marL="3943350" lvl="8" indent="-285750" algn="just">
+              <a:buFont typeface="Arial" panose="020B0604020202020204" pitchFamily="34" charset="0"/>
+              <a:buChar char="•"/>
+            </a:pPr>
+            <a:r>
+              <a:rPr lang="en-US" sz="2000" dirty="0"/>
+              <a:t>Write to file</a:t>
+            </a:r>
+          </a:p>
+          <a:p>
+            <a:pPr marL="3943350" lvl="8" indent="-285750" algn="just">
+              <a:buFont typeface="Arial" panose="020B0604020202020204" pitchFamily="34" charset="0"/>
+              <a:buChar char="•"/>
+            </a:pPr>
+            <a:r>
+              <a:rPr lang="en-US" sz="2000" dirty="0"/>
+              <a:t>Any network request like AJAX request.</a:t>
+            </a:r>
+          </a:p>
+        </p:txBody>
+      </p:sp>
+      <p:sp>
+        <p:nvSpPr>
+          <p:cNvPr id="6" name="TextBox 5"/>
+          <p:cNvSpPr txBox="1"/>
+          <p:nvPr/>
+        </p:nvSpPr>
+        <p:spPr>
+          <a:xfrm>
+            <a:off x="0" y="0"/>
+            <a:ext cx="12192000" cy="1015663"/>
+          </a:xfrm>
+          <a:prstGeom prst="rect">
+            <a:avLst/>
+          </a:prstGeom>
+          <a:ln>
+            <a:noFill/>
+          </a:ln>
+        </p:spPr>
+        <p:style>
+          <a:lnRef idx="2">
+            <a:schemeClr val="accent1">
+              <a:shade val="50000"/>
+            </a:schemeClr>
+          </a:lnRef>
+          <a:fillRef idx="1">
+            <a:schemeClr val="accent1"/>
+          </a:fillRef>
+          <a:effectRef idx="0">
+            <a:schemeClr val="accent1"/>
+          </a:effectRef>
+          <a:fontRef idx="minor">
+            <a:schemeClr val="lt1"/>
+          </a:fontRef>
+        </p:style>
+        <p:txBody>
+          <a:bodyPr wrap="square" rtlCol="0">
+            <a:spAutoFit/>
+          </a:bodyPr>
+          <a:lstStyle/>
+          <a:p>
+            <a:pPr algn="ctr"/>
+            <a:r>
+              <a:rPr lang="en-US" sz="6000" dirty="0" smtClean="0"/>
+              <a:t>Side effects</a:t>
+            </a:r>
+            <a:endParaRPr lang="en-US" sz="6000" dirty="0"/>
+          </a:p>
+        </p:txBody>
+      </p:sp>
+    </p:spTree>
+    <p:extLst>
+      <p:ext uri="{BB962C8B-B14F-4D97-AF65-F5344CB8AC3E}">
+        <p14:creationId xmlns:p14="http://schemas.microsoft.com/office/powerpoint/2010/main" val="1122040479"/>
       </p:ext>
     </p:extLst>
   </p:cSld>
@@ -7555,14 +7567,14 @@
       </p:grpSpPr>
       <p:sp>
         <p:nvSpPr>
-          <p:cNvPr id="4" name="TextBox 3"/>
+          <p:cNvPr id="6" name="TextBox 5"/>
           <p:cNvSpPr txBox="1"/>
           <p:nvPr/>
         </p:nvSpPr>
         <p:spPr>
           <a:xfrm>
-            <a:off x="0" y="2875469"/>
-            <a:ext cx="12192000" cy="1323439"/>
+            <a:off x="0" y="0"/>
+            <a:ext cx="12192000" cy="923330"/>
           </a:xfrm>
           <a:prstGeom prst="rect">
             <a:avLst/>
@@ -7593,202 +7605,16 @@
           </a:bodyPr>
           <a:lstStyle/>
           <a:p>
-            <a:pPr marL="3943350" lvl="8" indent="-285750" algn="just">
-              <a:buFont typeface="Arial" panose="020B0604020202020204" pitchFamily="34" charset="0"/>
-              <a:buChar char="•"/>
-            </a:pPr>
-            <a:r>
-              <a:rPr lang="en-US" sz="2000" dirty="0"/>
-              <a:t>Modifying a global variable</a:t>
-            </a:r>
-          </a:p>
-          <a:p>
-            <a:pPr marL="3943350" lvl="8" indent="-285750" algn="just">
-              <a:buFont typeface="Arial" panose="020B0604020202020204" pitchFamily="34" charset="0"/>
-              <a:buChar char="•"/>
-            </a:pPr>
-            <a:r>
-              <a:rPr lang="en-US" sz="2000" dirty="0" smtClean="0"/>
-              <a:t>Screen </a:t>
-            </a:r>
-            <a:r>
-              <a:rPr lang="en-US" sz="2000" dirty="0"/>
-              <a:t>recording</a:t>
-            </a:r>
-          </a:p>
-          <a:p>
-            <a:pPr marL="3943350" lvl="8" indent="-285750" algn="just">
-              <a:buFont typeface="Arial" panose="020B0604020202020204" pitchFamily="34" charset="0"/>
-              <a:buChar char="•"/>
-            </a:pPr>
-            <a:r>
-              <a:rPr lang="en-US" sz="2000" dirty="0"/>
-              <a:t>Write to file</a:t>
-            </a:r>
-          </a:p>
-          <a:p>
-            <a:pPr marL="3943350" lvl="8" indent="-285750" algn="just">
-              <a:buFont typeface="Arial" panose="020B0604020202020204" pitchFamily="34" charset="0"/>
-              <a:buChar char="•"/>
-            </a:pPr>
-            <a:r>
-              <a:rPr lang="en-US" sz="2000" dirty="0"/>
-              <a:t>Any network request like AJAX request.</a:t>
-            </a:r>
-          </a:p>
-        </p:txBody>
-      </p:sp>
-      <p:sp>
-        <p:nvSpPr>
-          <p:cNvPr id="6" name="TextBox 5"/>
-          <p:cNvSpPr txBox="1"/>
-          <p:nvPr/>
-        </p:nvSpPr>
-        <p:spPr>
-          <a:xfrm>
-            <a:off x="0" y="0"/>
-            <a:ext cx="12192000" cy="1015663"/>
-          </a:xfrm>
-          <a:prstGeom prst="rect">
-            <a:avLst/>
-          </a:prstGeom>
-          <a:ln>
-            <a:noFill/>
-          </a:ln>
-        </p:spPr>
-        <p:style>
-          <a:lnRef idx="2">
-            <a:schemeClr val="accent1">
-              <a:shade val="50000"/>
-            </a:schemeClr>
-          </a:lnRef>
-          <a:fillRef idx="1">
-            <a:schemeClr val="accent1"/>
-          </a:fillRef>
-          <a:effectRef idx="0">
-            <a:schemeClr val="accent1"/>
-          </a:effectRef>
-          <a:fontRef idx="minor">
-            <a:schemeClr val="lt1"/>
-          </a:fontRef>
-        </p:style>
-        <p:txBody>
-          <a:bodyPr wrap="square" rtlCol="0">
-            <a:spAutoFit/>
-          </a:bodyPr>
-          <a:lstStyle/>
-          <a:p>
             <a:pPr algn="ctr"/>
             <a:r>
-              <a:rPr lang="en-US" sz="6000" dirty="0" smtClean="0"/>
-              <a:t>Side effects</a:t>
-            </a:r>
-            <a:endParaRPr lang="en-US" sz="6000" dirty="0"/>
-          </a:p>
-        </p:txBody>
-      </p:sp>
-    </p:spTree>
-    <p:extLst>
-      <p:ext uri="{BB962C8B-B14F-4D97-AF65-F5344CB8AC3E}">
-        <p14:creationId xmlns:p14="http://schemas.microsoft.com/office/powerpoint/2010/main" val="1122040479"/>
-      </p:ext>
-    </p:extLst>
-  </p:cSld>
-  <p:clrMapOvr>
-    <a:masterClrMapping/>
-  </p:clrMapOvr>
-  <p:timing>
-    <p:tnLst>
-      <p:par>
-        <p:cTn id="1" dur="indefinite" restart="never" nodeType="tmRoot"/>
-      </p:par>
-    </p:tnLst>
-  </p:timing>
-</p:sld>
-</file>
-
-<file path=ppt/slides/slide8.xml><?xml version="1.0" encoding="utf-8"?>
-<p:sld xmlns:a="http://schemas.openxmlformats.org/drawingml/2006/main" xmlns:r="http://schemas.openxmlformats.org/officeDocument/2006/relationships" xmlns:p="http://schemas.openxmlformats.org/presentationml/2006/main">
-  <p:cSld>
-    <p:bg>
-      <p:bgPr>
-        <a:solidFill>
-          <a:schemeClr val="accent1"/>
-        </a:solidFill>
-        <a:effectLst/>
-      </p:bgPr>
-    </p:bg>
-    <p:spTree>
-      <p:nvGrpSpPr>
-        <p:cNvPr id="1" name=""/>
-        <p:cNvGrpSpPr/>
-        <p:nvPr/>
-      </p:nvGrpSpPr>
-      <p:grpSpPr>
-        <a:xfrm>
-          <a:off x="0" y="0"/>
-          <a:ext cx="0" cy="0"/>
-          <a:chOff x="0" y="0"/>
-          <a:chExt cx="0" cy="0"/>
-        </a:xfrm>
-      </p:grpSpPr>
-      <p:sp>
-        <p:nvSpPr>
-          <p:cNvPr id="6" name="TextBox 5"/>
-          <p:cNvSpPr txBox="1"/>
-          <p:nvPr/>
-        </p:nvSpPr>
-        <p:spPr>
-          <a:xfrm>
-            <a:off x="0" y="0"/>
-            <a:ext cx="12192000" cy="1754326"/>
-          </a:xfrm>
-          <a:prstGeom prst="rect">
-            <a:avLst/>
-          </a:prstGeom>
-          <a:ln>
-            <a:noFill/>
-          </a:ln>
-        </p:spPr>
-        <p:style>
-          <a:lnRef idx="2">
-            <a:schemeClr val="accent1">
-              <a:shade val="50000"/>
-            </a:schemeClr>
-          </a:lnRef>
-          <a:fillRef idx="1">
-            <a:schemeClr val="accent1"/>
-          </a:fillRef>
-          <a:effectRef idx="0">
-            <a:schemeClr val="accent1"/>
-          </a:effectRef>
-          <a:fontRef idx="minor">
-            <a:schemeClr val="lt1"/>
-          </a:fontRef>
-        </p:style>
-        <p:txBody>
-          <a:bodyPr wrap="square" rtlCol="0">
-            <a:spAutoFit/>
-          </a:bodyPr>
-          <a:lstStyle/>
-          <a:p>
-            <a:pPr algn="ctr"/>
-            <a:r>
               <a:rPr lang="en-US" sz="5400" dirty="0"/>
-              <a:t>React component </a:t>
-            </a:r>
-            <a:endParaRPr lang="en-US" sz="5400" dirty="0" smtClean="0"/>
-          </a:p>
-          <a:p>
-            <a:pPr algn="ctr"/>
+              <a:t>React </a:t>
+            </a:r>
             <a:r>
               <a:rPr lang="en-US" sz="5400" dirty="0" smtClean="0"/>
-              <a:t>state </a:t>
-            </a:r>
-            <a:r>
-              <a:rPr lang="en-US" sz="5400" dirty="0"/>
-              <a:t>and lifecycle</a:t>
-            </a:r>
+              <a:t>lifecycle hooks</a:t>
+            </a:r>
+            <a:endParaRPr lang="en-US" sz="5400" dirty="0"/>
           </a:p>
         </p:txBody>
       </p:sp>
@@ -7801,13 +7627,13 @@
           <p:nvPr>
             <p:extLst>
               <p:ext uri="{D42A27DB-BD31-4B8C-83A1-F6EECF244321}">
-                <p14:modId xmlns:p14="http://schemas.microsoft.com/office/powerpoint/2010/main" val="3511903880"/>
+                <p14:modId xmlns:p14="http://schemas.microsoft.com/office/powerpoint/2010/main" val="4004110201"/>
               </p:ext>
             </p:extLst>
           </p:nvPr>
         </p:nvGraphicFramePr>
         <p:xfrm>
-          <a:off x="909006" y="2013448"/>
+          <a:off x="909006" y="1556248"/>
           <a:ext cx="10373988" cy="4754239"/>
         </p:xfrm>
         <a:graphic>
@@ -8077,7 +7903,7 @@
                     <a:lstStyle/>
                     <a:p>
                       <a:r>
-                        <a:rPr lang="en-US" sz="1100" kern="1200" dirty="0" err="1" smtClean="0">
+                        <a:rPr lang="en-US" sz="1100" kern="1200" dirty="0" smtClean="0">
                           <a:solidFill>
                             <a:schemeClr val="dk1"/>
                           </a:solidFill>
@@ -8212,7 +8038,7 @@
                     <a:lstStyle/>
                     <a:p>
                       <a:r>
-                        <a:rPr lang="en-US" sz="1100" kern="1200" dirty="0" err="1" smtClean="0">
+                        <a:rPr lang="en-US" sz="1100" kern="1200" dirty="0" smtClean="0">
                           <a:solidFill>
                             <a:schemeClr val="dk1"/>
                           </a:solidFill>
@@ -8318,19 +8144,7 @@
                           <a:ea typeface="+mn-ea"/>
                           <a:cs typeface="+mn-cs"/>
                         </a:rPr>
-                        <a:t>static </a:t>
-                      </a:r>
-                      <a:r>
-                        <a:rPr lang="en-US" sz="1100" kern="1200" dirty="0" err="1" smtClean="0">
-                          <a:solidFill>
-                            <a:schemeClr val="dk1"/>
-                          </a:solidFill>
-                          <a:effectLst/>
-                          <a:latin typeface="+mn-lt"/>
-                          <a:ea typeface="+mn-ea"/>
-                          <a:cs typeface="+mn-cs"/>
-                        </a:rPr>
-                        <a:t>getDerivedStateFromProps</a:t>
+                        <a:t>static getDerivedStateFromProps</a:t>
                       </a:r>
                       <a:endParaRPr lang="en-US" sz="1100" kern="1200" dirty="0">
                         <a:solidFill>
@@ -8406,7 +8220,7 @@
                     <a:lstStyle/>
                     <a:p>
                       <a:r>
-                        <a:rPr lang="en-US" sz="1100" kern="1200" dirty="0" err="1" smtClean="0">
+                        <a:rPr lang="en-US" sz="1100" kern="1200" dirty="0" smtClean="0">
                           <a:solidFill>
                             <a:schemeClr val="dk1"/>
                           </a:solidFill>
@@ -8445,19 +8259,7 @@
                           <a:ea typeface="+mn-ea"/>
                           <a:cs typeface="+mn-cs"/>
                         </a:rPr>
-                        <a:t>to capture some information from the DOM (e.g. scroll </a:t>
-                      </a:r>
-                      <a:r>
-                        <a:rPr lang="en-US" sz="1100" kern="1200" dirty="0" smtClean="0">
-                          <a:solidFill>
-                            <a:schemeClr val="dk1"/>
-                          </a:solidFill>
-                          <a:effectLst/>
-                          <a:latin typeface="+mn-lt"/>
-                          <a:ea typeface="+mn-ea"/>
-                          <a:cs typeface="+mn-cs"/>
-                        </a:rPr>
-                        <a:t>position)</a:t>
+                        <a:t>to capture some information from the DOM (e.g. scroll position)</a:t>
                       </a:r>
                       <a:r>
                         <a:rPr lang="en-US" sz="1100" kern="1200" baseline="0" dirty="0" smtClean="0">
@@ -8537,19 +8339,7 @@
                           <a:ea typeface="+mn-ea"/>
                           <a:cs typeface="+mn-cs"/>
                         </a:rPr>
-                        <a:t>static </a:t>
-                      </a:r>
-                      <a:r>
-                        <a:rPr lang="en-US" sz="1100" kern="1200" dirty="0" err="1" smtClean="0">
-                          <a:solidFill>
-                            <a:schemeClr val="dk1"/>
-                          </a:solidFill>
-                          <a:effectLst/>
-                          <a:latin typeface="+mn-lt"/>
-                          <a:ea typeface="+mn-ea"/>
-                          <a:cs typeface="+mn-cs"/>
-                        </a:rPr>
-                        <a:t>getDerivedStateFromError</a:t>
+                        <a:t>static getDerivedStateFromError</a:t>
                       </a:r>
                       <a:endParaRPr lang="en-US" sz="1100" kern="1200" dirty="0">
                         <a:solidFill>
@@ -8570,7 +8360,7 @@
                     <a:lstStyle/>
                     <a:p>
                       <a:r>
-                        <a:rPr lang="en-US" sz="1100" kern="1200" dirty="0" err="1" smtClean="0">
+                        <a:rPr lang="en-US" sz="1100" kern="1200" dirty="0" smtClean="0">
                           <a:solidFill>
                             <a:schemeClr val="dk1"/>
                           </a:solidFill>
@@ -8579,7 +8369,7 @@
                           <a:ea typeface="+mn-ea"/>
                           <a:cs typeface="+mn-cs"/>
                         </a:rPr>
-                        <a:t>Recive</a:t>
+                        <a:t>Receive </a:t>
                       </a:r>
                       <a:r>
                         <a:rPr lang="en-US" sz="1100" kern="1200" dirty="0" smtClean="0">
@@ -8591,7 +8381,7 @@
                           <a:ea typeface="+mn-ea"/>
                           <a:cs typeface="+mn-cs"/>
                         </a:rPr>
-                        <a:t> error thrown by a descendant component. Should return a value to update state.</a:t>
+                        <a:t>error thrown by a descendant component. Should return a value to update state.</a:t>
                       </a:r>
                       <a:endParaRPr lang="en-US" sz="1100" kern="1200" dirty="0">
                         <a:solidFill>
@@ -8654,7 +8444,7 @@
                         <a:defRPr/>
                       </a:pPr>
                       <a:r>
-                        <a:rPr lang="en-US" sz="1100" kern="1200" dirty="0" err="1" smtClean="0">
+                        <a:rPr lang="en-US" sz="1100" kern="1200" dirty="0" smtClean="0">
                           <a:solidFill>
                             <a:schemeClr val="dk1"/>
                           </a:solidFill>
@@ -8665,15 +8455,6 @@
                         </a:rPr>
                         <a:t>componentDidCatch</a:t>
                       </a:r>
-                      <a:endParaRPr lang="en-US" sz="1100" kern="1200" dirty="0" smtClean="0">
-                        <a:solidFill>
-                          <a:schemeClr val="dk1"/>
-                        </a:solidFill>
-                        <a:effectLst/>
-                        <a:latin typeface="+mn-lt"/>
-                        <a:ea typeface="+mn-ea"/>
-                        <a:cs typeface="+mn-cs"/>
-                      </a:endParaRPr>
                     </a:p>
                     <a:p>
                       <a:endParaRPr lang="en-US" sz="1100" kern="1200" dirty="0">
@@ -8712,7 +8493,7 @@
                         <a:defRPr/>
                       </a:pPr>
                       <a:r>
-                        <a:rPr lang="en-US" sz="1100" kern="1200" dirty="0" err="1" smtClean="0">
+                        <a:rPr lang="en-US" sz="1100" kern="1200" dirty="0" smtClean="0">
                           <a:solidFill>
                             <a:schemeClr val="dk1"/>
                           </a:solidFill>
@@ -8721,7 +8502,7 @@
                           <a:ea typeface="+mn-ea"/>
                           <a:cs typeface="+mn-cs"/>
                         </a:rPr>
-                        <a:t>Recive</a:t>
+                        <a:t>Receive </a:t>
                       </a:r>
                       <a:r>
                         <a:rPr lang="en-US" sz="1100" kern="1200" dirty="0" smtClean="0">
@@ -8733,7 +8514,7 @@
                           <a:ea typeface="+mn-ea"/>
                           <a:cs typeface="+mn-cs"/>
                         </a:rPr>
-                        <a:t> error thrown by a descendant component(used for things like logging errors)</a:t>
+                        <a:t>error thrown by a descendant component(used for things like logging errors)</a:t>
                       </a:r>
                     </a:p>
                     <a:p>
